--- a/Presentations/CDR_Prop.pptx
+++ b/Presentations/CDR_Prop.pptx
@@ -11,6 +11,7 @@
     <p:sldId id="258" r:id="rId5"/>
     <p:sldId id="260" r:id="rId6"/>
     <p:sldId id="262" r:id="rId7"/>
+    <p:sldId id="263" r:id="rId8"/>
   </p:sldIdLst>
   <p:sldSz cx="12192000" cy="6858000"/>
   <p:notesSz cx="6858000" cy="9144000"/>
@@ -109,6 +110,11 @@
       </a:defRPr>
     </a:lvl9pPr>
   </p:defaultTextStyle>
+  <p:extLst>
+    <p:ext uri="{EFAFB233-063F-42B5-8137-9DF3F51BA10A}">
+      <p15:sldGuideLst xmlns:p15="http://schemas.microsoft.com/office/powerpoint/2012/main"/>
+    </p:ext>
+  </p:extLst>
 </p:presentation>
 </file>
 
@@ -243,7 +249,7 @@
           <a:p>
             <a:fld id="{AACD0CED-D901-47D3-A8C5-214804B68CB7}" type="datetimeFigureOut">
               <a:rPr lang="en-US" smtClean="0"/>
-              <a:t>10/18/2019</a:t>
+              <a:t>10/19/2019</a:t>
             </a:fld>
             <a:endParaRPr lang="en-US"/>
           </a:p>
@@ -413,7 +419,7 @@
           <a:p>
             <a:fld id="{AACD0CED-D901-47D3-A8C5-214804B68CB7}" type="datetimeFigureOut">
               <a:rPr lang="en-US" smtClean="0"/>
-              <a:t>10/18/2019</a:t>
+              <a:t>10/19/2019</a:t>
             </a:fld>
             <a:endParaRPr lang="en-US"/>
           </a:p>
@@ -593,7 +599,7 @@
           <a:p>
             <a:fld id="{AACD0CED-D901-47D3-A8C5-214804B68CB7}" type="datetimeFigureOut">
               <a:rPr lang="en-US" smtClean="0"/>
-              <a:t>10/18/2019</a:t>
+              <a:t>10/19/2019</a:t>
             </a:fld>
             <a:endParaRPr lang="en-US"/>
           </a:p>
@@ -763,7 +769,7 @@
           <a:p>
             <a:fld id="{AACD0CED-D901-47D3-A8C5-214804B68CB7}" type="datetimeFigureOut">
               <a:rPr lang="en-US" smtClean="0"/>
-              <a:t>10/18/2019</a:t>
+              <a:t>10/19/2019</a:t>
             </a:fld>
             <a:endParaRPr lang="en-US"/>
           </a:p>
@@ -1009,7 +1015,7 @@
           <a:p>
             <a:fld id="{AACD0CED-D901-47D3-A8C5-214804B68CB7}" type="datetimeFigureOut">
               <a:rPr lang="en-US" smtClean="0"/>
-              <a:t>10/18/2019</a:t>
+              <a:t>10/19/2019</a:t>
             </a:fld>
             <a:endParaRPr lang="en-US"/>
           </a:p>
@@ -1241,7 +1247,7 @@
           <a:p>
             <a:fld id="{AACD0CED-D901-47D3-A8C5-214804B68CB7}" type="datetimeFigureOut">
               <a:rPr lang="en-US" smtClean="0"/>
-              <a:t>10/18/2019</a:t>
+              <a:t>10/19/2019</a:t>
             </a:fld>
             <a:endParaRPr lang="en-US"/>
           </a:p>
@@ -1608,7 +1614,7 @@
           <a:p>
             <a:fld id="{AACD0CED-D901-47D3-A8C5-214804B68CB7}" type="datetimeFigureOut">
               <a:rPr lang="en-US" smtClean="0"/>
-              <a:t>10/18/2019</a:t>
+              <a:t>10/19/2019</a:t>
             </a:fld>
             <a:endParaRPr lang="en-US"/>
           </a:p>
@@ -1726,7 +1732,7 @@
           <a:p>
             <a:fld id="{AACD0CED-D901-47D3-A8C5-214804B68CB7}" type="datetimeFigureOut">
               <a:rPr lang="en-US" smtClean="0"/>
-              <a:t>10/18/2019</a:t>
+              <a:t>10/19/2019</a:t>
             </a:fld>
             <a:endParaRPr lang="en-US"/>
           </a:p>
@@ -1821,7 +1827,7 @@
           <a:p>
             <a:fld id="{AACD0CED-D901-47D3-A8C5-214804B68CB7}" type="datetimeFigureOut">
               <a:rPr lang="en-US" smtClean="0"/>
-              <a:t>10/18/2019</a:t>
+              <a:t>10/19/2019</a:t>
             </a:fld>
             <a:endParaRPr lang="en-US"/>
           </a:p>
@@ -2098,7 +2104,7 @@
           <a:p>
             <a:fld id="{AACD0CED-D901-47D3-A8C5-214804B68CB7}" type="datetimeFigureOut">
               <a:rPr lang="en-US" smtClean="0"/>
-              <a:t>10/18/2019</a:t>
+              <a:t>10/19/2019</a:t>
             </a:fld>
             <a:endParaRPr lang="en-US"/>
           </a:p>
@@ -2355,7 +2361,7 @@
           <a:p>
             <a:fld id="{AACD0CED-D901-47D3-A8C5-214804B68CB7}" type="datetimeFigureOut">
               <a:rPr lang="en-US" smtClean="0"/>
-              <a:t>10/18/2019</a:t>
+              <a:t>10/19/2019</a:t>
             </a:fld>
             <a:endParaRPr lang="en-US"/>
           </a:p>
@@ -2568,7 +2574,7 @@
           <a:p>
             <a:fld id="{AACD0CED-D901-47D3-A8C5-214804B68CB7}" type="datetimeFigureOut">
               <a:rPr lang="en-US" smtClean="0"/>
-              <a:t>10/18/2019</a:t>
+              <a:t>10/19/2019</a:t>
             </a:fld>
             <a:endParaRPr lang="en-US"/>
           </a:p>
@@ -5149,7 +5155,7 @@
           </p:nvPr>
         </p:nvPicPr>
         <p:blipFill rotWithShape="1">
-          <a:blip r:embed="rId3">
+          <a:blip r:embed="rId2">
             <a:extLst>
               <a:ext uri="{28A0092B-C50C-407E-A947-70E740481C1C}">
                 <a14:useLocalDpi xmlns:a14="http://schemas.microsoft.com/office/drawing/2010/main" val="0"/>
@@ -5181,7 +5187,7 @@
           <p:nvPr/>
         </p:nvPicPr>
         <p:blipFill>
-          <a:blip r:embed="rId4">
+          <a:blip r:embed="rId3">
             <a:extLst>
               <a:ext uri="{28A0092B-C50C-407E-A947-70E740481C1C}">
                 <a14:useLocalDpi xmlns:a14="http://schemas.microsoft.com/office/drawing/2010/main" val="0"/>
@@ -5322,7 +5328,7 @@
           <p:nvPr/>
         </p:nvPicPr>
         <p:blipFill rotWithShape="1">
-          <a:blip r:embed="rId3">
+          <a:blip r:embed="rId2">
             <a:extLst>
               <a:ext uri="{28A0092B-C50C-407E-A947-70E740481C1C}">
                 <a14:useLocalDpi xmlns:a14="http://schemas.microsoft.com/office/drawing/2010/main" val="0"/>
@@ -5775,6 +5781,105 @@
     <p:extLst>
       <p:ext uri="{BB962C8B-B14F-4D97-AF65-F5344CB8AC3E}">
         <p14:creationId xmlns:p14="http://schemas.microsoft.com/office/powerpoint/2010/main" val="2854481429"/>
+      </p:ext>
+    </p:extLst>
+  </p:cSld>
+  <p:clrMapOvr>
+    <a:masterClrMapping/>
+  </p:clrMapOvr>
+</p:sld>
+</file>
+
+<file path=ppt/slides/slide7.xml><?xml version="1.0" encoding="utf-8"?>
+<p:sld xmlns:a="http://schemas.openxmlformats.org/drawingml/2006/main" xmlns:r="http://schemas.openxmlformats.org/officeDocument/2006/relationships" xmlns:p="http://schemas.openxmlformats.org/presentationml/2006/main">
+  <p:cSld>
+    <p:spTree>
+      <p:nvGrpSpPr>
+        <p:cNvPr id="1" name=""/>
+        <p:cNvGrpSpPr/>
+        <p:nvPr/>
+      </p:nvGrpSpPr>
+      <p:grpSpPr>
+        <a:xfrm>
+          <a:off x="0" y="0"/>
+          <a:ext cx="0" cy="0"/>
+          <a:chOff x="0" y="0"/>
+          <a:chExt cx="0" cy="0"/>
+        </a:xfrm>
+      </p:grpSpPr>
+      <p:sp>
+        <p:nvSpPr>
+          <p:cNvPr id="2" name="Title 1">
+            <a:extLst>
+              <a:ext uri="{FF2B5EF4-FFF2-40B4-BE49-F238E27FC236}">
+                <a16:creationId xmlns:a16="http://schemas.microsoft.com/office/drawing/2014/main" id="{AE556A9A-3596-4736-AF68-D933C3F9F581}"/>
+              </a:ext>
+            </a:extLst>
+          </p:cNvPr>
+          <p:cNvSpPr>
+            <a:spLocks noGrp="1"/>
+          </p:cNvSpPr>
+          <p:nvPr>
+            <p:ph type="title"/>
+          </p:nvPr>
+        </p:nvSpPr>
+        <p:spPr/>
+        <p:txBody>
+          <a:bodyPr/>
+          <a:lstStyle/>
+          <a:p>
+            <a:r>
+              <a:rPr lang="en-US" dirty="0">
+                <a:latin typeface="BankGothic" panose="02000500000000000000" pitchFamily="2" charset="0"/>
+              </a:rPr>
+              <a:t>Valve Requirements</a:t>
+            </a:r>
+          </a:p>
+        </p:txBody>
+      </p:sp>
+      <p:sp>
+        <p:nvSpPr>
+          <p:cNvPr id="3" name="Content Placeholder 2">
+            <a:extLst>
+              <a:ext uri="{FF2B5EF4-FFF2-40B4-BE49-F238E27FC236}">
+                <a16:creationId xmlns:a16="http://schemas.microsoft.com/office/drawing/2014/main" id="{860EFB28-A7C1-4A63-9045-545F15802035}"/>
+              </a:ext>
+            </a:extLst>
+          </p:cNvPr>
+          <p:cNvSpPr>
+            <a:spLocks noGrp="1"/>
+          </p:cNvSpPr>
+          <p:nvPr>
+            <p:ph idx="1"/>
+          </p:nvPr>
+        </p:nvSpPr>
+        <p:spPr/>
+        <p:txBody>
+          <a:bodyPr/>
+          <a:lstStyle/>
+          <a:p>
+            <a:r>
+              <a:rPr lang="en-US" dirty="0">
+                <a:latin typeface="BankGothic" panose="02000500000000000000" pitchFamily="2" charset="0"/>
+              </a:rPr>
+              <a:t>Inlet Pressure ~4800psi</a:t>
+            </a:r>
+          </a:p>
+          <a:p>
+            <a:pPr lvl="1"/>
+            <a:r>
+              <a:rPr lang="en-US" dirty="0">
+                <a:latin typeface="BankGothic" panose="02000500000000000000" pitchFamily="2" charset="0"/>
+              </a:rPr>
+              <a:t>~ASME Class 2500</a:t>
+            </a:r>
+          </a:p>
+        </p:txBody>
+      </p:sp>
+    </p:spTree>
+    <p:extLst>
+      <p:ext uri="{BB962C8B-B14F-4D97-AF65-F5344CB8AC3E}">
+        <p14:creationId xmlns:p14="http://schemas.microsoft.com/office/powerpoint/2010/main" val="3768957478"/>
       </p:ext>
     </p:extLst>
   </p:cSld>

--- a/Presentations/CDR_Prop.pptx
+++ b/Presentations/CDR_Prop.pptx
@@ -11,7 +11,14 @@
     <p:sldId id="258" r:id="rId5"/>
     <p:sldId id="260" r:id="rId6"/>
     <p:sldId id="262" r:id="rId7"/>
-    <p:sldId id="263" r:id="rId8"/>
+    <p:sldId id="264" r:id="rId8"/>
+    <p:sldId id="265" r:id="rId9"/>
+    <p:sldId id="266" r:id="rId10"/>
+    <p:sldId id="267" r:id="rId11"/>
+    <p:sldId id="269" r:id="rId12"/>
+    <p:sldId id="270" r:id="rId13"/>
+    <p:sldId id="271" r:id="rId14"/>
+    <p:sldId id="263" r:id="rId15"/>
   </p:sldIdLst>
   <p:sldSz cx="12192000" cy="6858000"/>
   <p:notesSz cx="6858000" cy="9144000"/>
@@ -249,7 +256,7 @@
           <a:p>
             <a:fld id="{AACD0CED-D901-47D3-A8C5-214804B68CB7}" type="datetimeFigureOut">
               <a:rPr lang="en-US" smtClean="0"/>
-              <a:t>10/19/2019</a:t>
+              <a:t>10/20/2019</a:t>
             </a:fld>
             <a:endParaRPr lang="en-US"/>
           </a:p>
@@ -419,7 +426,7 @@
           <a:p>
             <a:fld id="{AACD0CED-D901-47D3-A8C5-214804B68CB7}" type="datetimeFigureOut">
               <a:rPr lang="en-US" smtClean="0"/>
-              <a:t>10/19/2019</a:t>
+              <a:t>10/20/2019</a:t>
             </a:fld>
             <a:endParaRPr lang="en-US"/>
           </a:p>
@@ -599,7 +606,7 @@
           <a:p>
             <a:fld id="{AACD0CED-D901-47D3-A8C5-214804B68CB7}" type="datetimeFigureOut">
               <a:rPr lang="en-US" smtClean="0"/>
-              <a:t>10/19/2019</a:t>
+              <a:t>10/20/2019</a:t>
             </a:fld>
             <a:endParaRPr lang="en-US"/>
           </a:p>
@@ -769,7 +776,7 @@
           <a:p>
             <a:fld id="{AACD0CED-D901-47D3-A8C5-214804B68CB7}" type="datetimeFigureOut">
               <a:rPr lang="en-US" smtClean="0"/>
-              <a:t>10/19/2019</a:t>
+              <a:t>10/20/2019</a:t>
             </a:fld>
             <a:endParaRPr lang="en-US"/>
           </a:p>
@@ -1015,7 +1022,7 @@
           <a:p>
             <a:fld id="{AACD0CED-D901-47D3-A8C5-214804B68CB7}" type="datetimeFigureOut">
               <a:rPr lang="en-US" smtClean="0"/>
-              <a:t>10/19/2019</a:t>
+              <a:t>10/20/2019</a:t>
             </a:fld>
             <a:endParaRPr lang="en-US"/>
           </a:p>
@@ -1247,7 +1254,7 @@
           <a:p>
             <a:fld id="{AACD0CED-D901-47D3-A8C5-214804B68CB7}" type="datetimeFigureOut">
               <a:rPr lang="en-US" smtClean="0"/>
-              <a:t>10/19/2019</a:t>
+              <a:t>10/20/2019</a:t>
             </a:fld>
             <a:endParaRPr lang="en-US"/>
           </a:p>
@@ -1614,7 +1621,7 @@
           <a:p>
             <a:fld id="{AACD0CED-D901-47D3-A8C5-214804B68CB7}" type="datetimeFigureOut">
               <a:rPr lang="en-US" smtClean="0"/>
-              <a:t>10/19/2019</a:t>
+              <a:t>10/20/2019</a:t>
             </a:fld>
             <a:endParaRPr lang="en-US"/>
           </a:p>
@@ -1732,7 +1739,7 @@
           <a:p>
             <a:fld id="{AACD0CED-D901-47D3-A8C5-214804B68CB7}" type="datetimeFigureOut">
               <a:rPr lang="en-US" smtClean="0"/>
-              <a:t>10/19/2019</a:t>
+              <a:t>10/20/2019</a:t>
             </a:fld>
             <a:endParaRPr lang="en-US"/>
           </a:p>
@@ -1827,7 +1834,7 @@
           <a:p>
             <a:fld id="{AACD0CED-D901-47D3-A8C5-214804B68CB7}" type="datetimeFigureOut">
               <a:rPr lang="en-US" smtClean="0"/>
-              <a:t>10/19/2019</a:t>
+              <a:t>10/20/2019</a:t>
             </a:fld>
             <a:endParaRPr lang="en-US"/>
           </a:p>
@@ -2104,7 +2111,7 @@
           <a:p>
             <a:fld id="{AACD0CED-D901-47D3-A8C5-214804B68CB7}" type="datetimeFigureOut">
               <a:rPr lang="en-US" smtClean="0"/>
-              <a:t>10/19/2019</a:t>
+              <a:t>10/20/2019</a:t>
             </a:fld>
             <a:endParaRPr lang="en-US"/>
           </a:p>
@@ -2361,7 +2368,7 @@
           <a:p>
             <a:fld id="{AACD0CED-D901-47D3-A8C5-214804B68CB7}" type="datetimeFigureOut">
               <a:rPr lang="en-US" smtClean="0"/>
-              <a:t>10/19/2019</a:t>
+              <a:t>10/20/2019</a:t>
             </a:fld>
             <a:endParaRPr lang="en-US"/>
           </a:p>
@@ -2574,7 +2581,7 @@
           <a:p>
             <a:fld id="{AACD0CED-D901-47D3-A8C5-214804B68CB7}" type="datetimeFigureOut">
               <a:rPr lang="en-US" smtClean="0"/>
-              <a:t>10/19/2019</a:t>
+              <a:t>10/20/2019</a:t>
             </a:fld>
             <a:endParaRPr lang="en-US"/>
           </a:p>
@@ -3036,7 +3043,7 @@
               <a:rPr lang="en-US" dirty="0">
                 <a:latin typeface="BankGothic" panose="02000500000000000000" pitchFamily="2" charset="0"/>
               </a:rPr>
-              <a:t>Syed </a:t>
+              <a:t>Kent Roberts &amp; Syed </a:t>
             </a:r>
             <a:r>
               <a:rPr lang="en-US" dirty="0" err="1">
@@ -3048,7 +3055,7 @@
               <a:rPr lang="en-US" dirty="0">
                 <a:latin typeface="BankGothic" panose="02000500000000000000" pitchFamily="2" charset="0"/>
               </a:rPr>
-              <a:t> Rauf &amp; Kent Roberts</a:t>
+              <a:t> Rauf</a:t>
             </a:r>
           </a:p>
         </p:txBody>
@@ -3057,6 +3064,451 @@
     <p:extLst>
       <p:ext uri="{BB962C8B-B14F-4D97-AF65-F5344CB8AC3E}">
         <p14:creationId xmlns:p14="http://schemas.microsoft.com/office/powerpoint/2010/main" val="2665697684"/>
+      </p:ext>
+    </p:extLst>
+  </p:cSld>
+  <p:clrMapOvr>
+    <a:masterClrMapping/>
+  </p:clrMapOvr>
+</p:sld>
+</file>
+
+<file path=ppt/slides/slide10.xml><?xml version="1.0" encoding="utf-8"?>
+<p:sld xmlns:a="http://schemas.openxmlformats.org/drawingml/2006/main" xmlns:r="http://schemas.openxmlformats.org/officeDocument/2006/relationships" xmlns:p="http://schemas.openxmlformats.org/presentationml/2006/main">
+  <p:cSld>
+    <p:spTree>
+      <p:nvGrpSpPr>
+        <p:cNvPr id="1" name=""/>
+        <p:cNvGrpSpPr/>
+        <p:nvPr/>
+      </p:nvGrpSpPr>
+      <p:grpSpPr>
+        <a:xfrm>
+          <a:off x="0" y="0"/>
+          <a:ext cx="0" cy="0"/>
+          <a:chOff x="0" y="0"/>
+          <a:chExt cx="0" cy="0"/>
+        </a:xfrm>
+      </p:grpSpPr>
+      <p:sp>
+        <p:nvSpPr>
+          <p:cNvPr id="2" name="Title 1">
+            <a:extLst>
+              <a:ext uri="{FF2B5EF4-FFF2-40B4-BE49-F238E27FC236}">
+                <a16:creationId xmlns:a16="http://schemas.microsoft.com/office/drawing/2014/main" id="{AA39B519-9A69-40E6-9B18-C370C477CE64}"/>
+              </a:ext>
+            </a:extLst>
+          </p:cNvPr>
+          <p:cNvSpPr>
+            <a:spLocks noGrp="1"/>
+          </p:cNvSpPr>
+          <p:nvPr>
+            <p:ph type="title"/>
+          </p:nvPr>
+        </p:nvSpPr>
+        <p:spPr/>
+        <p:txBody>
+          <a:bodyPr/>
+          <a:lstStyle/>
+          <a:p>
+            <a:r>
+              <a:rPr lang="en-US" dirty="0">
+                <a:latin typeface="BankGothic" panose="02000500000000000000" pitchFamily="2" charset="0"/>
+              </a:rPr>
+              <a:t>Tank Dimensions</a:t>
+            </a:r>
+          </a:p>
+        </p:txBody>
+      </p:sp>
+      <p:sp>
+        <p:nvSpPr>
+          <p:cNvPr id="3" name="Content Placeholder 2">
+            <a:extLst>
+              <a:ext uri="{FF2B5EF4-FFF2-40B4-BE49-F238E27FC236}">
+                <a16:creationId xmlns:a16="http://schemas.microsoft.com/office/drawing/2014/main" id="{06F91432-A8AE-40C6-B954-5F9C4170117D}"/>
+              </a:ext>
+            </a:extLst>
+          </p:cNvPr>
+          <p:cNvSpPr>
+            <a:spLocks noGrp="1"/>
+          </p:cNvSpPr>
+          <p:nvPr>
+            <p:ph idx="1"/>
+          </p:nvPr>
+        </p:nvSpPr>
+        <p:spPr/>
+        <p:txBody>
+          <a:bodyPr/>
+          <a:lstStyle/>
+          <a:p>
+            <a:pPr marL="0" indent="0">
+              <a:buNone/>
+            </a:pPr>
+            <a:r>
+              <a:rPr lang="en-US" dirty="0">
+                <a:latin typeface="BankGothic" panose="02000500000000000000" pitchFamily="2" charset="0"/>
+              </a:rPr>
+              <a:t>Generally, tank systems were only considered if they were within reasonable dimensions</a:t>
+            </a:r>
+          </a:p>
+          <a:p>
+            <a:pPr marL="0" indent="0">
+              <a:buNone/>
+            </a:pPr>
+            <a:r>
+              <a:rPr lang="en-US" dirty="0">
+                <a:latin typeface="BankGothic" panose="02000500000000000000" pitchFamily="2" charset="0"/>
+              </a:rPr>
+              <a:t>For a more detailed breakdown, reference the </a:t>
+            </a:r>
+            <a:r>
+              <a:rPr lang="en-US" dirty="0">
+                <a:latin typeface="BankGothic" panose="02000500000000000000" pitchFamily="2" charset="0"/>
+                <a:hlinkClick r:id="rId2"/>
+              </a:rPr>
+              <a:t>google sheet document</a:t>
+            </a:r>
+            <a:r>
+              <a:rPr lang="en-US" dirty="0">
+                <a:latin typeface="BankGothic" panose="02000500000000000000" pitchFamily="2" charset="0"/>
+              </a:rPr>
+              <a:t>.</a:t>
+            </a:r>
+          </a:p>
+          <a:p>
+            <a:pPr marL="0" indent="0">
+              <a:buNone/>
+            </a:pPr>
+            <a:r>
+              <a:rPr lang="en-US" dirty="0">
+                <a:latin typeface="BankGothic" panose="02000500000000000000" pitchFamily="2" charset="0"/>
+              </a:rPr>
+              <a:t>An initial design is further presented with the 2X10070504-2 configuration…</a:t>
+            </a:r>
+          </a:p>
+        </p:txBody>
+      </p:sp>
+    </p:spTree>
+    <p:extLst>
+      <p:ext uri="{BB962C8B-B14F-4D97-AF65-F5344CB8AC3E}">
+        <p14:creationId xmlns:p14="http://schemas.microsoft.com/office/powerpoint/2010/main" val="3890386670"/>
+      </p:ext>
+    </p:extLst>
+  </p:cSld>
+  <p:clrMapOvr>
+    <a:masterClrMapping/>
+  </p:clrMapOvr>
+</p:sld>
+</file>
+
+<file path=ppt/slides/slide11.xml><?xml version="1.0" encoding="utf-8"?>
+<p:sld xmlns:a="http://schemas.openxmlformats.org/drawingml/2006/main" xmlns:r="http://schemas.openxmlformats.org/officeDocument/2006/relationships" xmlns:p="http://schemas.openxmlformats.org/presentationml/2006/main">
+  <p:cSld>
+    <p:spTree>
+      <p:nvGrpSpPr>
+        <p:cNvPr id="1" name=""/>
+        <p:cNvGrpSpPr/>
+        <p:nvPr/>
+      </p:nvGrpSpPr>
+      <p:grpSpPr>
+        <a:xfrm>
+          <a:off x="0" y="0"/>
+          <a:ext cx="0" cy="0"/>
+          <a:chOff x="0" y="0"/>
+          <a:chExt cx="0" cy="0"/>
+        </a:xfrm>
+      </p:grpSpPr>
+      <p:sp>
+        <p:nvSpPr>
+          <p:cNvPr id="2" name="Title 1">
+            <a:extLst>
+              <a:ext uri="{FF2B5EF4-FFF2-40B4-BE49-F238E27FC236}">
+                <a16:creationId xmlns:a16="http://schemas.microsoft.com/office/drawing/2014/main" id="{AA39B519-9A69-40E6-9B18-C370C477CE64}"/>
+              </a:ext>
+            </a:extLst>
+          </p:cNvPr>
+          <p:cNvSpPr>
+            <a:spLocks noGrp="1"/>
+          </p:cNvSpPr>
+          <p:nvPr>
+            <p:ph type="title"/>
+          </p:nvPr>
+        </p:nvSpPr>
+        <p:spPr/>
+        <p:txBody>
+          <a:bodyPr/>
+          <a:lstStyle/>
+          <a:p>
+            <a:r>
+              <a:rPr lang="en-US" dirty="0">
+                <a:latin typeface="BankGothic" panose="02000500000000000000" pitchFamily="2" charset="0"/>
+              </a:rPr>
+              <a:t>2X10070504-2 CAD</a:t>
+            </a:r>
+          </a:p>
+        </p:txBody>
+      </p:sp>
+    </p:spTree>
+    <p:extLst>
+      <p:ext uri="{BB962C8B-B14F-4D97-AF65-F5344CB8AC3E}">
+        <p14:creationId xmlns:p14="http://schemas.microsoft.com/office/powerpoint/2010/main" val="2424220015"/>
+      </p:ext>
+    </p:extLst>
+  </p:cSld>
+  <p:clrMapOvr>
+    <a:masterClrMapping/>
+  </p:clrMapOvr>
+</p:sld>
+</file>
+
+<file path=ppt/slides/slide12.xml><?xml version="1.0" encoding="utf-8"?>
+<p:sld xmlns:a="http://schemas.openxmlformats.org/drawingml/2006/main" xmlns:r="http://schemas.openxmlformats.org/officeDocument/2006/relationships" xmlns:p="http://schemas.openxmlformats.org/presentationml/2006/main">
+  <p:cSld>
+    <p:spTree>
+      <p:nvGrpSpPr>
+        <p:cNvPr id="1" name=""/>
+        <p:cNvGrpSpPr/>
+        <p:nvPr/>
+      </p:nvGrpSpPr>
+      <p:grpSpPr>
+        <a:xfrm>
+          <a:off x="0" y="0"/>
+          <a:ext cx="0" cy="0"/>
+          <a:chOff x="0" y="0"/>
+          <a:chExt cx="0" cy="0"/>
+        </a:xfrm>
+      </p:grpSpPr>
+      <p:sp>
+        <p:nvSpPr>
+          <p:cNvPr id="2" name="Title 1">
+            <a:extLst>
+              <a:ext uri="{FF2B5EF4-FFF2-40B4-BE49-F238E27FC236}">
+                <a16:creationId xmlns:a16="http://schemas.microsoft.com/office/drawing/2014/main" id="{AA39B519-9A69-40E6-9B18-C370C477CE64}"/>
+              </a:ext>
+            </a:extLst>
+          </p:cNvPr>
+          <p:cNvSpPr>
+            <a:spLocks noGrp="1"/>
+          </p:cNvSpPr>
+          <p:nvPr>
+            <p:ph type="title"/>
+          </p:nvPr>
+        </p:nvSpPr>
+        <p:spPr/>
+        <p:txBody>
+          <a:bodyPr/>
+          <a:lstStyle/>
+          <a:p>
+            <a:r>
+              <a:rPr lang="en-US" dirty="0">
+                <a:latin typeface="BankGothic" panose="02000500000000000000" pitchFamily="2" charset="0"/>
+              </a:rPr>
+              <a:t>Mass Flow Rate</a:t>
+            </a:r>
+          </a:p>
+        </p:txBody>
+      </p:sp>
+      <p:sp>
+        <p:nvSpPr>
+          <p:cNvPr id="3" name="Content Placeholder 2">
+            <a:extLst>
+              <a:ext uri="{FF2B5EF4-FFF2-40B4-BE49-F238E27FC236}">
+                <a16:creationId xmlns:a16="http://schemas.microsoft.com/office/drawing/2014/main" id="{96FA6180-4CA8-4170-8F5A-612086341A2D}"/>
+              </a:ext>
+            </a:extLst>
+          </p:cNvPr>
+          <p:cNvSpPr>
+            <a:spLocks noGrp="1"/>
+          </p:cNvSpPr>
+          <p:nvPr>
+            <p:ph idx="1"/>
+          </p:nvPr>
+        </p:nvSpPr>
+        <p:spPr>
+          <a:xfrm>
+            <a:off x="838200" y="1825625"/>
+            <a:ext cx="10515600" cy="4351338"/>
+          </a:xfrm>
+        </p:spPr>
+        <p:txBody>
+          <a:bodyPr/>
+          <a:lstStyle/>
+          <a:p>
+            <a:pPr marL="0" indent="0">
+              <a:buNone/>
+            </a:pPr>
+            <a:r>
+              <a:rPr lang="en-US" dirty="0">
+                <a:latin typeface="BankGothic" panose="02000500000000000000" pitchFamily="2" charset="0"/>
+              </a:rPr>
+              <a:t>On/Off Dump v. Regulated???</a:t>
+            </a:r>
+          </a:p>
+        </p:txBody>
+      </p:sp>
+    </p:spTree>
+    <p:extLst>
+      <p:ext uri="{BB962C8B-B14F-4D97-AF65-F5344CB8AC3E}">
+        <p14:creationId xmlns:p14="http://schemas.microsoft.com/office/powerpoint/2010/main" val="1956071271"/>
+      </p:ext>
+    </p:extLst>
+  </p:cSld>
+  <p:clrMapOvr>
+    <a:masterClrMapping/>
+  </p:clrMapOvr>
+</p:sld>
+</file>
+
+<file path=ppt/slides/slide13.xml><?xml version="1.0" encoding="utf-8"?>
+<p:sld xmlns:a="http://schemas.openxmlformats.org/drawingml/2006/main" xmlns:r="http://schemas.openxmlformats.org/officeDocument/2006/relationships" xmlns:p="http://schemas.openxmlformats.org/presentationml/2006/main">
+  <p:cSld>
+    <p:spTree>
+      <p:nvGrpSpPr>
+        <p:cNvPr id="1" name=""/>
+        <p:cNvGrpSpPr/>
+        <p:nvPr/>
+      </p:nvGrpSpPr>
+      <p:grpSpPr>
+        <a:xfrm>
+          <a:off x="0" y="0"/>
+          <a:ext cx="0" cy="0"/>
+          <a:chOff x="0" y="0"/>
+          <a:chExt cx="0" cy="0"/>
+        </a:xfrm>
+      </p:grpSpPr>
+      <p:sp>
+        <p:nvSpPr>
+          <p:cNvPr id="2" name="Title 1">
+            <a:extLst>
+              <a:ext uri="{FF2B5EF4-FFF2-40B4-BE49-F238E27FC236}">
+                <a16:creationId xmlns:a16="http://schemas.microsoft.com/office/drawing/2014/main" id="{AA39B519-9A69-40E6-9B18-C370C477CE64}"/>
+              </a:ext>
+            </a:extLst>
+          </p:cNvPr>
+          <p:cNvSpPr>
+            <a:spLocks noGrp="1"/>
+          </p:cNvSpPr>
+          <p:nvPr>
+            <p:ph type="title"/>
+          </p:nvPr>
+        </p:nvSpPr>
+        <p:spPr/>
+        <p:txBody>
+          <a:bodyPr/>
+          <a:lstStyle/>
+          <a:p>
+            <a:r>
+              <a:rPr lang="en-US" dirty="0">
+                <a:latin typeface="BankGothic" panose="02000500000000000000" pitchFamily="2" charset="0"/>
+              </a:rPr>
+              <a:t>Nozzle Design</a:t>
+            </a:r>
+          </a:p>
+        </p:txBody>
+      </p:sp>
+    </p:spTree>
+    <p:extLst>
+      <p:ext uri="{BB962C8B-B14F-4D97-AF65-F5344CB8AC3E}">
+        <p14:creationId xmlns:p14="http://schemas.microsoft.com/office/powerpoint/2010/main" val="1472454018"/>
+      </p:ext>
+    </p:extLst>
+  </p:cSld>
+  <p:clrMapOvr>
+    <a:masterClrMapping/>
+  </p:clrMapOvr>
+</p:sld>
+</file>
+
+<file path=ppt/slides/slide14.xml><?xml version="1.0" encoding="utf-8"?>
+<p:sld xmlns:a="http://schemas.openxmlformats.org/drawingml/2006/main" xmlns:r="http://schemas.openxmlformats.org/officeDocument/2006/relationships" xmlns:p="http://schemas.openxmlformats.org/presentationml/2006/main">
+  <p:cSld>
+    <p:spTree>
+      <p:nvGrpSpPr>
+        <p:cNvPr id="1" name=""/>
+        <p:cNvGrpSpPr/>
+        <p:nvPr/>
+      </p:nvGrpSpPr>
+      <p:grpSpPr>
+        <a:xfrm>
+          <a:off x="0" y="0"/>
+          <a:ext cx="0" cy="0"/>
+          <a:chOff x="0" y="0"/>
+          <a:chExt cx="0" cy="0"/>
+        </a:xfrm>
+      </p:grpSpPr>
+      <p:sp>
+        <p:nvSpPr>
+          <p:cNvPr id="2" name="Title 1">
+            <a:extLst>
+              <a:ext uri="{FF2B5EF4-FFF2-40B4-BE49-F238E27FC236}">
+                <a16:creationId xmlns:a16="http://schemas.microsoft.com/office/drawing/2014/main" id="{AE556A9A-3596-4736-AF68-D933C3F9F581}"/>
+              </a:ext>
+            </a:extLst>
+          </p:cNvPr>
+          <p:cNvSpPr>
+            <a:spLocks noGrp="1"/>
+          </p:cNvSpPr>
+          <p:nvPr>
+            <p:ph type="title"/>
+          </p:nvPr>
+        </p:nvSpPr>
+        <p:spPr/>
+        <p:txBody>
+          <a:bodyPr/>
+          <a:lstStyle/>
+          <a:p>
+            <a:r>
+              <a:rPr lang="en-US" dirty="0">
+                <a:latin typeface="BankGothic" panose="02000500000000000000" pitchFamily="2" charset="0"/>
+              </a:rPr>
+              <a:t>Valve Requirements</a:t>
+            </a:r>
+          </a:p>
+        </p:txBody>
+      </p:sp>
+      <p:sp>
+        <p:nvSpPr>
+          <p:cNvPr id="3" name="Content Placeholder 2">
+            <a:extLst>
+              <a:ext uri="{FF2B5EF4-FFF2-40B4-BE49-F238E27FC236}">
+                <a16:creationId xmlns:a16="http://schemas.microsoft.com/office/drawing/2014/main" id="{860EFB28-A7C1-4A63-9045-545F15802035}"/>
+              </a:ext>
+            </a:extLst>
+          </p:cNvPr>
+          <p:cNvSpPr>
+            <a:spLocks noGrp="1"/>
+          </p:cNvSpPr>
+          <p:nvPr>
+            <p:ph idx="1"/>
+          </p:nvPr>
+        </p:nvSpPr>
+        <p:spPr/>
+        <p:txBody>
+          <a:bodyPr/>
+          <a:lstStyle/>
+          <a:p>
+            <a:r>
+              <a:rPr lang="en-US" dirty="0">
+                <a:latin typeface="BankGothic" panose="02000500000000000000" pitchFamily="2" charset="0"/>
+              </a:rPr>
+              <a:t>Inlet Pressure ~4800psi</a:t>
+            </a:r>
+          </a:p>
+          <a:p>
+            <a:pPr lvl="1"/>
+            <a:r>
+              <a:rPr lang="en-US" dirty="0">
+                <a:latin typeface="BankGothic" panose="02000500000000000000" pitchFamily="2" charset="0"/>
+              </a:rPr>
+              <a:t>~ASME Class 2500</a:t>
+            </a:r>
+          </a:p>
+        </p:txBody>
+      </p:sp>
+    </p:spTree>
+    <p:extLst>
+      <p:ext uri="{BB962C8B-B14F-4D97-AF65-F5344CB8AC3E}">
+        <p14:creationId xmlns:p14="http://schemas.microsoft.com/office/powerpoint/2010/main" val="3768957478"/>
       </p:ext>
     </p:extLst>
   </p:cSld>
@@ -5223,7 +5675,7 @@
         <p:spPr>
           <a:xfrm>
             <a:off x="1207362" y="4909351"/>
-            <a:ext cx="10146438" cy="923330"/>
+            <a:ext cx="10146438" cy="1477328"/>
           </a:xfrm>
           <a:prstGeom prst="rect">
             <a:avLst/>
@@ -5252,7 +5704,7 @@
               <a:rPr lang="en-US" dirty="0">
                 <a:latin typeface="BankGothic" panose="02000500000000000000" pitchFamily="2" charset="0"/>
               </a:rPr>
-              <a:t>=Lower Temperature Limit of the Tank</a:t>
+              <a:t>=Lower Temperature Limit of the Tank &amp; Valve hardware</a:t>
             </a:r>
           </a:p>
           <a:p>
@@ -5309,6 +5761,43 @@
                 <a:latin typeface="BankGothic" panose="02000500000000000000" pitchFamily="2" charset="0"/>
               </a:rPr>
               <a:t>)</a:t>
+            </a:r>
+          </a:p>
+          <a:p>
+            <a:endParaRPr lang="en-US" dirty="0">
+              <a:latin typeface="BankGothic" panose="02000500000000000000" pitchFamily="2" charset="0"/>
+            </a:endParaRPr>
+          </a:p>
+          <a:p>
+            <a:r>
+              <a:rPr lang="en-US" dirty="0">
+                <a:latin typeface="BankGothic" panose="02000500000000000000" pitchFamily="2" charset="0"/>
+              </a:rPr>
+              <a:t>*Most systems with T</a:t>
+            </a:r>
+            <a:r>
+              <a:rPr lang="en-US" baseline="-25000" dirty="0">
+                <a:latin typeface="BankGothic" panose="02000500000000000000" pitchFamily="2" charset="0"/>
+              </a:rPr>
+              <a:t>2</a:t>
+            </a:r>
+            <a:r>
+              <a:rPr lang="en-US" dirty="0">
+                <a:latin typeface="BankGothic" panose="02000500000000000000" pitchFamily="2" charset="0"/>
+              </a:rPr>
+              <a:t>~-40F and P</a:t>
+            </a:r>
+            <a:r>
+              <a:rPr lang="en-US" baseline="-25000" dirty="0">
+                <a:latin typeface="BankGothic" panose="02000500000000000000" pitchFamily="2" charset="0"/>
+              </a:rPr>
+              <a:t>2</a:t>
+            </a:r>
+            <a:r>
+              <a:rPr lang="en-US" dirty="0">
+                <a:latin typeface="BankGothic" panose="02000500000000000000" pitchFamily="2" charset="0"/>
+              </a:rPr>
+              <a:t>~500psi are Temperature limited</a:t>
             </a:r>
           </a:p>
         </p:txBody>
@@ -5619,10 +6108,14 @@
           <a:lstStyle/>
           <a:p>
             <a:r>
+              <a:rPr lang="el-GR" dirty="0"/>
+              <a:t>Δ</a:t>
+            </a:r>
+            <a:r>
               <a:rPr lang="en-US" dirty="0">
                 <a:latin typeface="BankGothic" panose="02000500000000000000" pitchFamily="2" charset="0"/>
               </a:rPr>
-              <a:t>Final Mass, Pod Class</a:t>
+              <a:t>V as a Function of Pod Inert Mass and Tank Specifications</a:t>
             </a:r>
           </a:p>
         </p:txBody>
@@ -5657,7 +6150,7 @@
         </p:blipFill>
         <p:spPr>
           <a:xfrm>
-            <a:off x="3928760" y="1690688"/>
+            <a:off x="3928760" y="1743956"/>
             <a:ext cx="4334480" cy="638264"/>
           </a:xfrm>
         </p:spPr>
@@ -5690,7 +6183,7 @@
         </p:blipFill>
         <p:spPr>
           <a:xfrm>
-            <a:off x="4952840" y="2328952"/>
+            <a:off x="4952840" y="2710770"/>
             <a:ext cx="2286319" cy="362001"/>
           </a:xfrm>
           <a:prstGeom prst="rect">
@@ -5714,7 +6207,7 @@
         </p:nvCxnSpPr>
         <p:spPr>
           <a:xfrm>
-            <a:off x="2152096" y="5095776"/>
+            <a:off x="2152096" y="5264452"/>
             <a:ext cx="7887809" cy="0"/>
           </a:xfrm>
           <a:prstGeom prst="line">
@@ -5769,7 +6262,7 @@
         </p:blipFill>
         <p:spPr>
           <a:xfrm>
-            <a:off x="2299756" y="3144601"/>
+            <a:off x="2299756" y="3454589"/>
             <a:ext cx="7592485" cy="1724266"/>
           </a:xfrm>
           <a:prstGeom prst="rect">
@@ -5777,6 +6270,86 @@
           </a:prstGeom>
         </p:spPr>
       </p:pic>
+      <p:pic>
+        <p:nvPicPr>
+          <p:cNvPr id="4" name="Picture 3" descr="A picture containing ball&#10;&#10;Description automatically generated">
+            <a:extLst>
+              <a:ext uri="{FF2B5EF4-FFF2-40B4-BE49-F238E27FC236}">
+                <a16:creationId xmlns:a16="http://schemas.microsoft.com/office/drawing/2014/main" id="{2F378343-7E0D-464E-AA33-5C705988BBC5}"/>
+              </a:ext>
+            </a:extLst>
+          </p:cNvPr>
+          <p:cNvPicPr>
+            <a:picLocks noChangeAspect="1"/>
+          </p:cNvPicPr>
+          <p:nvPr/>
+        </p:nvPicPr>
+        <p:blipFill>
+          <a:blip r:embed="rId5">
+            <a:extLst>
+              <a:ext uri="{28A0092B-C50C-407E-A947-70E740481C1C}">
+                <a14:useLocalDpi xmlns:a14="http://schemas.microsoft.com/office/drawing/2010/main" val="0"/>
+              </a:ext>
+            </a:extLst>
+          </a:blip>
+          <a:stretch>
+            <a:fillRect/>
+          </a:stretch>
+        </p:blipFill>
+        <p:spPr>
+          <a:xfrm>
+            <a:off x="3900181" y="5560674"/>
+            <a:ext cx="4391638" cy="762106"/>
+          </a:xfrm>
+          <a:prstGeom prst="rect">
+            <a:avLst/>
+          </a:prstGeom>
+        </p:spPr>
+      </p:pic>
+      <p:cxnSp>
+        <p:nvCxnSpPr>
+          <p:cNvPr id="9" name="Straight Connector 8">
+            <a:extLst>
+              <a:ext uri="{FF2B5EF4-FFF2-40B4-BE49-F238E27FC236}">
+                <a16:creationId xmlns:a16="http://schemas.microsoft.com/office/drawing/2014/main" id="{EFD632A0-1A22-4F93-8982-AA223F25BF6A}"/>
+              </a:ext>
+            </a:extLst>
+          </p:cNvPr>
+          <p:cNvCxnSpPr>
+            <a:cxnSpLocks/>
+          </p:cNvCxnSpPr>
+          <p:nvPr/>
+        </p:nvCxnSpPr>
+        <p:spPr>
+          <a:xfrm>
+            <a:off x="3914471" y="6428905"/>
+            <a:ext cx="4363059" cy="0"/>
+          </a:xfrm>
+          <a:prstGeom prst="line">
+            <a:avLst/>
+          </a:prstGeom>
+          <a:ln>
+            <a:solidFill>
+              <a:srgbClr val="0070C0"/>
+            </a:solidFill>
+            <a:prstDash val="sysDash"/>
+          </a:ln>
+        </p:spPr>
+        <p:style>
+          <a:lnRef idx="1">
+            <a:schemeClr val="accent1"/>
+          </a:lnRef>
+          <a:fillRef idx="0">
+            <a:schemeClr val="accent1"/>
+          </a:fillRef>
+          <a:effectRef idx="0">
+            <a:schemeClr val="accent1"/>
+          </a:effectRef>
+          <a:fontRef idx="minor">
+            <a:schemeClr val="tx1"/>
+          </a:fontRef>
+        </p:style>
+      </p:cxnSp>
     </p:spTree>
     <p:extLst>
       <p:ext uri="{BB962C8B-B14F-4D97-AF65-F5344CB8AC3E}">
@@ -5812,7 +6385,7 @@
           <p:cNvPr id="2" name="Title 1">
             <a:extLst>
               <a:ext uri="{FF2B5EF4-FFF2-40B4-BE49-F238E27FC236}">
-                <a16:creationId xmlns:a16="http://schemas.microsoft.com/office/drawing/2014/main" id="{AE556A9A-3596-4736-AF68-D933C3F9F581}"/>
+                <a16:creationId xmlns:a16="http://schemas.microsoft.com/office/drawing/2014/main" id="{DB420E5E-A18D-4909-AECA-B823DB32F829}"/>
               </a:ext>
             </a:extLst>
           </p:cNvPr>
@@ -5825,61 +6398,930 @@
         </p:nvSpPr>
         <p:spPr/>
         <p:txBody>
-          <a:bodyPr/>
+          <a:bodyPr>
+            <a:normAutofit/>
+          </a:bodyPr>
           <a:lstStyle/>
           <a:p>
             <a:r>
               <a:rPr lang="en-US" dirty="0">
                 <a:latin typeface="BankGothic" panose="02000500000000000000" pitchFamily="2" charset="0"/>
               </a:rPr>
-              <a:t>Valve Requirements</a:t>
-            </a:r>
-          </a:p>
-        </p:txBody>
-      </p:sp>
-      <p:sp>
-        <p:nvSpPr>
-          <p:cNvPr id="3" name="Content Placeholder 2">
+              <a:t>Pod Inert mass as a function of </a:t>
+            </a:r>
+            <a:r>
+              <a:rPr lang="el-GR" dirty="0"/>
+              <a:t>Δ</a:t>
+            </a:r>
+            <a:r>
+              <a:rPr lang="en-US" dirty="0">
+                <a:latin typeface="BankGothic" panose="02000500000000000000" pitchFamily="2" charset="0"/>
+              </a:rPr>
+              <a:t>V and Tank Specifications</a:t>
+            </a:r>
+          </a:p>
+        </p:txBody>
+      </p:sp>
+      <p:cxnSp>
+        <p:nvCxnSpPr>
+          <p:cNvPr id="12" name="Straight Connector 11">
             <a:extLst>
               <a:ext uri="{FF2B5EF4-FFF2-40B4-BE49-F238E27FC236}">
-                <a16:creationId xmlns:a16="http://schemas.microsoft.com/office/drawing/2014/main" id="{860EFB28-A7C1-4A63-9045-545F15802035}"/>
+                <a16:creationId xmlns:a16="http://schemas.microsoft.com/office/drawing/2014/main" id="{CF53E949-2835-4C08-BE16-67BF5F9DE140}"/>
               </a:ext>
             </a:extLst>
           </p:cNvPr>
-          <p:cNvSpPr>
-            <a:spLocks noGrp="1"/>
-          </p:cNvSpPr>
-          <p:nvPr>
-            <p:ph idx="1"/>
-          </p:nvPr>
-        </p:nvSpPr>
-        <p:spPr/>
-        <p:txBody>
-          <a:bodyPr/>
-          <a:lstStyle/>
-          <a:p>
-            <a:r>
-              <a:rPr lang="en-US" dirty="0">
-                <a:latin typeface="BankGothic" panose="02000500000000000000" pitchFamily="2" charset="0"/>
-              </a:rPr>
-              <a:t>Inlet Pressure ~4800psi</a:t>
-            </a:r>
-          </a:p>
-          <a:p>
-            <a:pPr lvl="1"/>
-            <a:r>
-              <a:rPr lang="en-US" dirty="0">
-                <a:latin typeface="BankGothic" panose="02000500000000000000" pitchFamily="2" charset="0"/>
-              </a:rPr>
-              <a:t>~ASME Class 2500</a:t>
-            </a:r>
-          </a:p>
-        </p:txBody>
-      </p:sp>
+          <p:cNvCxnSpPr>
+            <a:cxnSpLocks/>
+          </p:cNvCxnSpPr>
+          <p:nvPr/>
+        </p:nvCxnSpPr>
+        <p:spPr>
+          <a:xfrm>
+            <a:off x="622916" y="3906168"/>
+            <a:ext cx="10946167" cy="0"/>
+          </a:xfrm>
+          <a:prstGeom prst="line">
+            <a:avLst/>
+          </a:prstGeom>
+          <a:ln>
+            <a:solidFill>
+              <a:srgbClr val="FF0000"/>
+            </a:solidFill>
+          </a:ln>
+        </p:spPr>
+        <p:style>
+          <a:lnRef idx="1">
+            <a:schemeClr val="accent1"/>
+          </a:lnRef>
+          <a:fillRef idx="0">
+            <a:schemeClr val="accent1"/>
+          </a:fillRef>
+          <a:effectRef idx="0">
+            <a:schemeClr val="accent1"/>
+          </a:effectRef>
+          <a:fontRef idx="minor">
+            <a:schemeClr val="tx1"/>
+          </a:fontRef>
+        </p:style>
+      </p:cxnSp>
+      <p:cxnSp>
+        <p:nvCxnSpPr>
+          <p:cNvPr id="9" name="Straight Connector 8">
+            <a:extLst>
+              <a:ext uri="{FF2B5EF4-FFF2-40B4-BE49-F238E27FC236}">
+                <a16:creationId xmlns:a16="http://schemas.microsoft.com/office/drawing/2014/main" id="{EFD632A0-1A22-4F93-8982-AA223F25BF6A}"/>
+              </a:ext>
+            </a:extLst>
+          </p:cNvPr>
+          <p:cNvCxnSpPr>
+            <a:cxnSpLocks/>
+          </p:cNvCxnSpPr>
+          <p:nvPr/>
+        </p:nvCxnSpPr>
+        <p:spPr>
+          <a:xfrm>
+            <a:off x="3769759" y="5976143"/>
+            <a:ext cx="4652481" cy="0"/>
+          </a:xfrm>
+          <a:prstGeom prst="line">
+            <a:avLst/>
+          </a:prstGeom>
+          <a:ln>
+            <a:solidFill>
+              <a:srgbClr val="0070C0"/>
+            </a:solidFill>
+            <a:prstDash val="sysDash"/>
+          </a:ln>
+        </p:spPr>
+        <p:style>
+          <a:lnRef idx="1">
+            <a:schemeClr val="accent1"/>
+          </a:lnRef>
+          <a:fillRef idx="0">
+            <a:schemeClr val="accent1"/>
+          </a:fillRef>
+          <a:effectRef idx="0">
+            <a:schemeClr val="accent1"/>
+          </a:effectRef>
+          <a:fontRef idx="minor">
+            <a:schemeClr val="tx1"/>
+          </a:fontRef>
+        </p:style>
+      </p:cxnSp>
+      <p:pic>
+        <p:nvPicPr>
+          <p:cNvPr id="10" name="Picture 9">
+            <a:extLst>
+              <a:ext uri="{FF2B5EF4-FFF2-40B4-BE49-F238E27FC236}">
+                <a16:creationId xmlns:a16="http://schemas.microsoft.com/office/drawing/2014/main" id="{4801BA8C-8840-44F6-BFDA-30BEB21B4BC6}"/>
+              </a:ext>
+            </a:extLst>
+          </p:cNvPr>
+          <p:cNvPicPr>
+            <a:picLocks noChangeAspect="1"/>
+          </p:cNvPicPr>
+          <p:nvPr/>
+        </p:nvPicPr>
+        <p:blipFill>
+          <a:blip r:embed="rId2">
+            <a:extLst>
+              <a:ext uri="{28A0092B-C50C-407E-A947-70E740481C1C}">
+                <a14:useLocalDpi xmlns:a14="http://schemas.microsoft.com/office/drawing/2010/main" val="0"/>
+              </a:ext>
+            </a:extLst>
+          </a:blip>
+          <a:stretch>
+            <a:fillRect/>
+          </a:stretch>
+        </p:blipFill>
+        <p:spPr>
+          <a:xfrm>
+            <a:off x="509907" y="2713673"/>
+            <a:ext cx="11172185" cy="970557"/>
+          </a:xfrm>
+          <a:prstGeom prst="rect">
+            <a:avLst/>
+          </a:prstGeom>
+        </p:spPr>
+      </p:pic>
+      <p:pic>
+        <p:nvPicPr>
+          <p:cNvPr id="13" name="Picture 12" descr="A picture containing meter, clock&#10;&#10;Description automatically generated">
+            <a:extLst>
+              <a:ext uri="{FF2B5EF4-FFF2-40B4-BE49-F238E27FC236}">
+                <a16:creationId xmlns:a16="http://schemas.microsoft.com/office/drawing/2014/main" id="{920EE5AB-FCA1-4DA9-9F4F-EB6B934BDFFA}"/>
+              </a:ext>
+            </a:extLst>
+          </p:cNvPr>
+          <p:cNvPicPr>
+            <a:picLocks noChangeAspect="1"/>
+          </p:cNvPicPr>
+          <p:nvPr/>
+        </p:nvPicPr>
+        <p:blipFill>
+          <a:blip r:embed="rId3">
+            <a:extLst>
+              <a:ext uri="{28A0092B-C50C-407E-A947-70E740481C1C}">
+                <a14:useLocalDpi xmlns:a14="http://schemas.microsoft.com/office/drawing/2010/main" val="0"/>
+              </a:ext>
+            </a:extLst>
+          </a:blip>
+          <a:stretch>
+            <a:fillRect/>
+          </a:stretch>
+        </p:blipFill>
+        <p:spPr>
+          <a:xfrm>
+            <a:off x="3637545" y="5078041"/>
+            <a:ext cx="4916908" cy="771280"/>
+          </a:xfrm>
+          <a:prstGeom prst="rect">
+            <a:avLst/>
+          </a:prstGeom>
+        </p:spPr>
+      </p:pic>
     </p:spTree>
     <p:extLst>
       <p:ext uri="{BB962C8B-B14F-4D97-AF65-F5344CB8AC3E}">
-        <p14:creationId xmlns:p14="http://schemas.microsoft.com/office/powerpoint/2010/main" val="3768957478"/>
+        <p14:creationId xmlns:p14="http://schemas.microsoft.com/office/powerpoint/2010/main" val="3277065021"/>
+      </p:ext>
+    </p:extLst>
+  </p:cSld>
+  <p:clrMapOvr>
+    <a:masterClrMapping/>
+  </p:clrMapOvr>
+</p:sld>
+</file>
+
+<file path=ppt/slides/slide8.xml><?xml version="1.0" encoding="utf-8"?>
+<p:sld xmlns:a="http://schemas.openxmlformats.org/drawingml/2006/main" xmlns:r="http://schemas.openxmlformats.org/officeDocument/2006/relationships" xmlns:p="http://schemas.openxmlformats.org/presentationml/2006/main">
+  <p:cSld>
+    <p:spTree>
+      <p:nvGrpSpPr>
+        <p:cNvPr id="1" name=""/>
+        <p:cNvGrpSpPr/>
+        <p:nvPr/>
+      </p:nvGrpSpPr>
+      <p:grpSpPr>
+        <a:xfrm>
+          <a:off x="0" y="0"/>
+          <a:ext cx="0" cy="0"/>
+          <a:chOff x="0" y="0"/>
+          <a:chExt cx="0" cy="0"/>
+        </a:xfrm>
+      </p:grpSpPr>
+      <p:sp>
+        <p:nvSpPr>
+          <p:cNvPr id="2" name="Title 1">
+            <a:extLst>
+              <a:ext uri="{FF2B5EF4-FFF2-40B4-BE49-F238E27FC236}">
+                <a16:creationId xmlns:a16="http://schemas.microsoft.com/office/drawing/2014/main" id="{24246012-30F4-4FEA-AA65-F84C427AA004}"/>
+              </a:ext>
+            </a:extLst>
+          </p:cNvPr>
+          <p:cNvSpPr>
+            <a:spLocks noGrp="1"/>
+          </p:cNvSpPr>
+          <p:nvPr>
+            <p:ph type="title"/>
+          </p:nvPr>
+        </p:nvSpPr>
+        <p:spPr>
+          <a:xfrm>
+            <a:off x="838200" y="-28608"/>
+            <a:ext cx="10515600" cy="1325563"/>
+          </a:xfrm>
+        </p:spPr>
+        <p:txBody>
+          <a:bodyPr>
+            <a:normAutofit/>
+          </a:bodyPr>
+          <a:lstStyle/>
+          <a:p>
+            <a:r>
+              <a:rPr lang="en-US" sz="3200" dirty="0">
+                <a:latin typeface="BankGothic" panose="02000500000000000000" pitchFamily="2" charset="0"/>
+              </a:rPr>
+              <a:t>Pod Inert Mass v. Tank System </a:t>
+            </a:r>
+            <a:r>
+              <a:rPr lang="el-GR" sz="3200" dirty="0"/>
+              <a:t>Δ</a:t>
+            </a:r>
+            <a:r>
+              <a:rPr lang="en-US" sz="3200" dirty="0">
+                <a:latin typeface="BankGothic" panose="02000500000000000000" pitchFamily="2" charset="0"/>
+              </a:rPr>
+              <a:t>V=500km/</a:t>
+            </a:r>
+            <a:r>
+              <a:rPr lang="en-US" sz="3200" dirty="0" err="1">
+                <a:latin typeface="BankGothic" panose="02000500000000000000" pitchFamily="2" charset="0"/>
+              </a:rPr>
+              <a:t>hr</a:t>
+            </a:r>
+            <a:r>
+              <a:rPr lang="en-US" sz="3200" dirty="0">
+                <a:latin typeface="BankGothic" panose="02000500000000000000" pitchFamily="2" charset="0"/>
+              </a:rPr>
+              <a:t> </a:t>
+            </a:r>
+          </a:p>
+        </p:txBody>
+      </p:sp>
+      <p:pic>
+        <p:nvPicPr>
+          <p:cNvPr id="5" name="Content Placeholder 4" descr="A screen shot of a computer&#10;&#10;Description automatically generated">
+            <a:extLst>
+              <a:ext uri="{FF2B5EF4-FFF2-40B4-BE49-F238E27FC236}">
+                <a16:creationId xmlns:a16="http://schemas.microsoft.com/office/drawing/2014/main" id="{B54DBC71-DB3E-48D0-A361-154894D89271}"/>
+              </a:ext>
+            </a:extLst>
+          </p:cNvPr>
+          <p:cNvPicPr>
+            <a:picLocks noGrp="1" noChangeAspect="1"/>
+          </p:cNvPicPr>
+          <p:nvPr>
+            <p:ph idx="1"/>
+          </p:nvPr>
+        </p:nvPicPr>
+        <p:blipFill rotWithShape="1">
+          <a:blip r:embed="rId2">
+            <a:extLst>
+              <a:ext uri="{28A0092B-C50C-407E-A947-70E740481C1C}">
+                <a14:useLocalDpi xmlns:a14="http://schemas.microsoft.com/office/drawing/2010/main" val="0"/>
+              </a:ext>
+            </a:extLst>
+          </a:blip>
+          <a:srcRect l="8889" t="7069" r="8176" b="4365"/>
+          <a:stretch/>
+        </p:blipFill>
+        <p:spPr>
+          <a:xfrm>
+            <a:off x="838200" y="1296955"/>
+            <a:ext cx="10755146" cy="5299788"/>
+          </a:xfrm>
+        </p:spPr>
+      </p:pic>
+      <p:cxnSp>
+        <p:nvCxnSpPr>
+          <p:cNvPr id="9" name="Straight Connector 8">
+            <a:extLst>
+              <a:ext uri="{FF2B5EF4-FFF2-40B4-BE49-F238E27FC236}">
+                <a16:creationId xmlns:a16="http://schemas.microsoft.com/office/drawing/2014/main" id="{22D80E47-97E9-4E67-AD3B-559017C1CBD9}"/>
+              </a:ext>
+            </a:extLst>
+          </p:cNvPr>
+          <p:cNvCxnSpPr/>
+          <p:nvPr/>
+        </p:nvCxnSpPr>
+        <p:spPr>
+          <a:xfrm>
+            <a:off x="6835806" y="3491146"/>
+            <a:ext cx="3480046" cy="0"/>
+          </a:xfrm>
+          <a:prstGeom prst="line">
+            <a:avLst/>
+          </a:prstGeom>
+          <a:ln w="38100">
+            <a:prstDash val="dash"/>
+          </a:ln>
+        </p:spPr>
+        <p:style>
+          <a:lnRef idx="1">
+            <a:schemeClr val="accent1"/>
+          </a:lnRef>
+          <a:fillRef idx="0">
+            <a:schemeClr val="accent1"/>
+          </a:fillRef>
+          <a:effectRef idx="0">
+            <a:schemeClr val="accent1"/>
+          </a:effectRef>
+          <a:fontRef idx="minor">
+            <a:schemeClr val="tx1"/>
+          </a:fontRef>
+        </p:style>
+      </p:cxnSp>
+      <p:cxnSp>
+        <p:nvCxnSpPr>
+          <p:cNvPr id="11" name="Straight Arrow Connector 10">
+            <a:extLst>
+              <a:ext uri="{FF2B5EF4-FFF2-40B4-BE49-F238E27FC236}">
+                <a16:creationId xmlns:a16="http://schemas.microsoft.com/office/drawing/2014/main" id="{C012415D-0DD3-4F56-9E7F-E7233DDC6B5E}"/>
+              </a:ext>
+            </a:extLst>
+          </p:cNvPr>
+          <p:cNvCxnSpPr/>
+          <p:nvPr/>
+        </p:nvCxnSpPr>
+        <p:spPr>
+          <a:xfrm>
+            <a:off x="7483875" y="3491146"/>
+            <a:ext cx="0" cy="1267285"/>
+          </a:xfrm>
+          <a:prstGeom prst="straightConnector1">
+            <a:avLst/>
+          </a:prstGeom>
+          <a:ln w="38100">
+            <a:tailEnd type="triangle"/>
+          </a:ln>
+        </p:spPr>
+        <p:style>
+          <a:lnRef idx="1">
+            <a:schemeClr val="accent1"/>
+          </a:lnRef>
+          <a:fillRef idx="0">
+            <a:schemeClr val="accent1"/>
+          </a:fillRef>
+          <a:effectRef idx="0">
+            <a:schemeClr val="accent1"/>
+          </a:effectRef>
+          <a:fontRef idx="minor">
+            <a:schemeClr val="tx1"/>
+          </a:fontRef>
+        </p:style>
+      </p:cxnSp>
+      <p:sp>
+        <p:nvSpPr>
+          <p:cNvPr id="12" name="TextBox 11">
+            <a:extLst>
+              <a:ext uri="{FF2B5EF4-FFF2-40B4-BE49-F238E27FC236}">
+                <a16:creationId xmlns:a16="http://schemas.microsoft.com/office/drawing/2014/main" id="{B339408F-80C5-49ED-A5CD-FEE324AA9C51}"/>
+              </a:ext>
+            </a:extLst>
+          </p:cNvPr>
+          <p:cNvSpPr txBox="1"/>
+          <p:nvPr/>
+        </p:nvSpPr>
+        <p:spPr>
+          <a:xfrm>
+            <a:off x="7642783" y="3570791"/>
+            <a:ext cx="3711007" cy="1200329"/>
+          </a:xfrm>
+          <a:prstGeom prst="rect">
+            <a:avLst/>
+          </a:prstGeom>
+          <a:noFill/>
+        </p:spPr>
+        <p:txBody>
+          <a:bodyPr wrap="square" rtlCol="0">
+            <a:spAutoFit/>
+          </a:bodyPr>
+          <a:lstStyle/>
+          <a:p>
+            <a:r>
+              <a:rPr lang="en-US" dirty="0">
+                <a:solidFill>
+                  <a:schemeClr val="accent1"/>
+                </a:solidFill>
+                <a:latin typeface="BankGothic" panose="02000500000000000000" pitchFamily="2" charset="0"/>
+              </a:rPr>
+              <a:t>Values Below 0 imply that the velocity (500km/</a:t>
+            </a:r>
+            <a:r>
+              <a:rPr lang="en-US" dirty="0" err="1">
+                <a:solidFill>
+                  <a:schemeClr val="accent1"/>
+                </a:solidFill>
+                <a:latin typeface="BankGothic" panose="02000500000000000000" pitchFamily="2" charset="0"/>
+              </a:rPr>
+              <a:t>hr</a:t>
+            </a:r>
+            <a:r>
+              <a:rPr lang="en-US" dirty="0">
+                <a:solidFill>
+                  <a:schemeClr val="accent1"/>
+                </a:solidFill>
+                <a:latin typeface="BankGothic" panose="02000500000000000000" pitchFamily="2" charset="0"/>
+              </a:rPr>
+              <a:t>) is unobtainable with the given tank system)</a:t>
+            </a:r>
+          </a:p>
+        </p:txBody>
+      </p:sp>
+    </p:spTree>
+    <p:extLst>
+      <p:ext uri="{BB962C8B-B14F-4D97-AF65-F5344CB8AC3E}">
+        <p14:creationId xmlns:p14="http://schemas.microsoft.com/office/powerpoint/2010/main" val="2820301343"/>
+      </p:ext>
+    </p:extLst>
+  </p:cSld>
+  <p:clrMapOvr>
+    <a:masterClrMapping/>
+  </p:clrMapOvr>
+</p:sld>
+</file>
+
+<file path=ppt/slides/slide9.xml><?xml version="1.0" encoding="utf-8"?>
+<p:sld xmlns:a="http://schemas.openxmlformats.org/drawingml/2006/main" xmlns:r="http://schemas.openxmlformats.org/officeDocument/2006/relationships" xmlns:p="http://schemas.openxmlformats.org/presentationml/2006/main">
+  <p:cSld>
+    <p:spTree>
+      <p:nvGrpSpPr>
+        <p:cNvPr id="1" name=""/>
+        <p:cNvGrpSpPr/>
+        <p:nvPr/>
+      </p:nvGrpSpPr>
+      <p:grpSpPr>
+        <a:xfrm>
+          <a:off x="0" y="0"/>
+          <a:ext cx="0" cy="0"/>
+          <a:chOff x="0" y="0"/>
+          <a:chExt cx="0" cy="0"/>
+        </a:xfrm>
+      </p:grpSpPr>
+      <p:pic>
+        <p:nvPicPr>
+          <p:cNvPr id="7" name="Picture 6" descr="A screenshot of a television screen&#10;&#10;Description automatically generated">
+            <a:extLst>
+              <a:ext uri="{FF2B5EF4-FFF2-40B4-BE49-F238E27FC236}">
+                <a16:creationId xmlns:a16="http://schemas.microsoft.com/office/drawing/2014/main" id="{6C0A6071-390D-4CE2-AB4A-DDFCDF98355B}"/>
+              </a:ext>
+            </a:extLst>
+          </p:cNvPr>
+          <p:cNvPicPr>
+            <a:picLocks noChangeAspect="1"/>
+          </p:cNvPicPr>
+          <p:nvPr/>
+        </p:nvPicPr>
+        <p:blipFill rotWithShape="1">
+          <a:blip r:embed="rId2">
+            <a:extLst>
+              <a:ext uri="{28A0092B-C50C-407E-A947-70E740481C1C}">
+                <a14:useLocalDpi xmlns:a14="http://schemas.microsoft.com/office/drawing/2010/main" val="0"/>
+              </a:ext>
+            </a:extLst>
+          </a:blip>
+          <a:srcRect t="6829"/>
+          <a:stretch/>
+        </p:blipFill>
+        <p:spPr>
+          <a:xfrm>
+            <a:off x="0" y="1376038"/>
+            <a:ext cx="12192000" cy="5481961"/>
+          </a:xfrm>
+          <a:prstGeom prst="rect">
+            <a:avLst/>
+          </a:prstGeom>
+        </p:spPr>
+      </p:pic>
+      <p:sp>
+        <p:nvSpPr>
+          <p:cNvPr id="2" name="Title 1">
+            <a:extLst>
+              <a:ext uri="{FF2B5EF4-FFF2-40B4-BE49-F238E27FC236}">
+                <a16:creationId xmlns:a16="http://schemas.microsoft.com/office/drawing/2014/main" id="{24246012-30F4-4FEA-AA65-F84C427AA004}"/>
+              </a:ext>
+            </a:extLst>
+          </p:cNvPr>
+          <p:cNvSpPr>
+            <a:spLocks noGrp="1"/>
+          </p:cNvSpPr>
+          <p:nvPr>
+            <p:ph type="title"/>
+          </p:nvPr>
+        </p:nvSpPr>
+        <p:spPr>
+          <a:xfrm>
+            <a:off x="838200" y="-28608"/>
+            <a:ext cx="10515600" cy="1325563"/>
+          </a:xfrm>
+        </p:spPr>
+        <p:txBody>
+          <a:bodyPr>
+            <a:normAutofit/>
+          </a:bodyPr>
+          <a:lstStyle/>
+          <a:p>
+            <a:r>
+              <a:rPr lang="el-GR" sz="3200" dirty="0"/>
+              <a:t>Δ</a:t>
+            </a:r>
+            <a:r>
+              <a:rPr lang="en-US" sz="3200" dirty="0">
+                <a:latin typeface="BankGothic" panose="02000500000000000000" pitchFamily="2" charset="0"/>
+              </a:rPr>
+              <a:t>V </a:t>
+            </a:r>
+            <a:r>
+              <a:rPr lang="en-US" sz="3200" dirty="0" err="1">
+                <a:latin typeface="BankGothic" panose="02000500000000000000" pitchFamily="2" charset="0"/>
+              </a:rPr>
+              <a:t>v</a:t>
+            </a:r>
+            <a:r>
+              <a:rPr lang="en-US" sz="3200" dirty="0">
+                <a:latin typeface="BankGothic" panose="02000500000000000000" pitchFamily="2" charset="0"/>
+              </a:rPr>
+              <a:t>. Tank System </a:t>
+            </a:r>
+            <a:r>
+              <a:rPr lang="en-US" sz="3200" dirty="0" err="1">
+                <a:latin typeface="BankGothic" panose="02000500000000000000" pitchFamily="2" charset="0"/>
+              </a:rPr>
+              <a:t>m</a:t>
+            </a:r>
+            <a:r>
+              <a:rPr lang="en-US" sz="3200" baseline="-25000" dirty="0" err="1">
+                <a:latin typeface="BankGothic" panose="02000500000000000000" pitchFamily="2" charset="0"/>
+              </a:rPr>
+              <a:t>InertPod</a:t>
+            </a:r>
+            <a:r>
+              <a:rPr lang="en-US" sz="3200" dirty="0">
+                <a:latin typeface="BankGothic" panose="02000500000000000000" pitchFamily="2" charset="0"/>
+              </a:rPr>
+              <a:t>=322[</a:t>
+            </a:r>
+            <a:r>
+              <a:rPr lang="en-US" sz="3200" dirty="0" err="1">
+                <a:latin typeface="BankGothic" panose="02000500000000000000" pitchFamily="2" charset="0"/>
+              </a:rPr>
+              <a:t>lb</a:t>
+            </a:r>
+            <a:r>
+              <a:rPr lang="en-US" sz="3200" dirty="0">
+                <a:latin typeface="BankGothic" panose="02000500000000000000" pitchFamily="2" charset="0"/>
+              </a:rPr>
+              <a:t>]</a:t>
+            </a:r>
+          </a:p>
+        </p:txBody>
+      </p:sp>
+      <p:cxnSp>
+        <p:nvCxnSpPr>
+          <p:cNvPr id="9" name="Straight Connector 8">
+            <a:extLst>
+              <a:ext uri="{FF2B5EF4-FFF2-40B4-BE49-F238E27FC236}">
+                <a16:creationId xmlns:a16="http://schemas.microsoft.com/office/drawing/2014/main" id="{22D80E47-97E9-4E67-AD3B-559017C1CBD9}"/>
+              </a:ext>
+            </a:extLst>
+          </p:cNvPr>
+          <p:cNvCxnSpPr>
+            <a:cxnSpLocks/>
+          </p:cNvCxnSpPr>
+          <p:nvPr/>
+        </p:nvCxnSpPr>
+        <p:spPr>
+          <a:xfrm>
+            <a:off x="1597981" y="2212762"/>
+            <a:ext cx="8123068" cy="0"/>
+          </a:xfrm>
+          <a:prstGeom prst="line">
+            <a:avLst/>
+          </a:prstGeom>
+          <a:ln w="38100">
+            <a:prstDash val="dash"/>
+          </a:ln>
+        </p:spPr>
+        <p:style>
+          <a:lnRef idx="1">
+            <a:schemeClr val="accent1"/>
+          </a:lnRef>
+          <a:fillRef idx="0">
+            <a:schemeClr val="accent1"/>
+          </a:fillRef>
+          <a:effectRef idx="0">
+            <a:schemeClr val="accent1"/>
+          </a:effectRef>
+          <a:fontRef idx="minor">
+            <a:schemeClr val="tx1"/>
+          </a:fontRef>
+        </p:style>
+      </p:cxnSp>
+      <p:sp>
+        <p:nvSpPr>
+          <p:cNvPr id="10" name="TextBox 9">
+            <a:extLst>
+              <a:ext uri="{FF2B5EF4-FFF2-40B4-BE49-F238E27FC236}">
+                <a16:creationId xmlns:a16="http://schemas.microsoft.com/office/drawing/2014/main" id="{2C1A1BD4-CD00-4127-8106-3E834B6E14B0}"/>
+              </a:ext>
+            </a:extLst>
+          </p:cNvPr>
+          <p:cNvSpPr txBox="1"/>
+          <p:nvPr/>
+        </p:nvSpPr>
+        <p:spPr>
+          <a:xfrm>
+            <a:off x="9721049" y="2028096"/>
+            <a:ext cx="521297" cy="307777"/>
+          </a:xfrm>
+          <a:prstGeom prst="rect">
+            <a:avLst/>
+          </a:prstGeom>
+          <a:noFill/>
+        </p:spPr>
+        <p:txBody>
+          <a:bodyPr wrap="none" rtlCol="0">
+            <a:spAutoFit/>
+          </a:bodyPr>
+          <a:lstStyle/>
+          <a:p>
+            <a:r>
+              <a:rPr lang="en-US" sz="1400" dirty="0">
+                <a:solidFill>
+                  <a:schemeClr val="accent1"/>
+                </a:solidFill>
+              </a:rPr>
+              <a:t>Goal</a:t>
+            </a:r>
+          </a:p>
+        </p:txBody>
+      </p:sp>
+      <p:cxnSp>
+        <p:nvCxnSpPr>
+          <p:cNvPr id="13" name="Straight Connector 12">
+            <a:extLst>
+              <a:ext uri="{FF2B5EF4-FFF2-40B4-BE49-F238E27FC236}">
+                <a16:creationId xmlns:a16="http://schemas.microsoft.com/office/drawing/2014/main" id="{64BE99F3-7DFF-4F3B-BFA6-F8D58FDDAAB2}"/>
+              </a:ext>
+            </a:extLst>
+          </p:cNvPr>
+          <p:cNvCxnSpPr>
+            <a:cxnSpLocks/>
+          </p:cNvCxnSpPr>
+          <p:nvPr/>
+        </p:nvCxnSpPr>
+        <p:spPr>
+          <a:xfrm>
+            <a:off x="1590579" y="2560471"/>
+            <a:ext cx="7207192" cy="0"/>
+          </a:xfrm>
+          <a:prstGeom prst="line">
+            <a:avLst/>
+          </a:prstGeom>
+          <a:ln w="38100">
+            <a:prstDash val="dash"/>
+          </a:ln>
+        </p:spPr>
+        <p:style>
+          <a:lnRef idx="1">
+            <a:schemeClr val="accent1"/>
+          </a:lnRef>
+          <a:fillRef idx="0">
+            <a:schemeClr val="accent1"/>
+          </a:fillRef>
+          <a:effectRef idx="0">
+            <a:schemeClr val="accent1"/>
+          </a:effectRef>
+          <a:fontRef idx="minor">
+            <a:schemeClr val="tx1"/>
+          </a:fontRef>
+        </p:style>
+      </p:cxnSp>
+      <p:sp>
+        <p:nvSpPr>
+          <p:cNvPr id="14" name="TextBox 13">
+            <a:extLst>
+              <a:ext uri="{FF2B5EF4-FFF2-40B4-BE49-F238E27FC236}">
+                <a16:creationId xmlns:a16="http://schemas.microsoft.com/office/drawing/2014/main" id="{27BA34E3-843A-4110-A9C7-9628275E6C75}"/>
+              </a:ext>
+            </a:extLst>
+          </p:cNvPr>
+          <p:cNvSpPr txBox="1"/>
+          <p:nvPr/>
+        </p:nvSpPr>
+        <p:spPr>
+          <a:xfrm>
+            <a:off x="8731804" y="2362373"/>
+            <a:ext cx="1605119" cy="646331"/>
+          </a:xfrm>
+          <a:prstGeom prst="rect">
+            <a:avLst/>
+          </a:prstGeom>
+          <a:noFill/>
+        </p:spPr>
+        <p:txBody>
+          <a:bodyPr wrap="none" rtlCol="0">
+            <a:noAutofit/>
+          </a:bodyPr>
+          <a:lstStyle/>
+          <a:p>
+            <a:r>
+              <a:rPr lang="en-US" sz="1400" dirty="0">
+                <a:solidFill>
+                  <a:schemeClr val="accent1"/>
+                </a:solidFill>
+              </a:rPr>
+              <a:t>Current Record</a:t>
+            </a:r>
+          </a:p>
+          <a:p>
+            <a:r>
+              <a:rPr lang="en-US" sz="1400" dirty="0">
+                <a:solidFill>
+                  <a:schemeClr val="accent1"/>
+                </a:solidFill>
+              </a:rPr>
+              <a:t>[463.5 km/</a:t>
+            </a:r>
+            <a:r>
+              <a:rPr lang="en-US" sz="1400" dirty="0" err="1">
+                <a:solidFill>
+                  <a:schemeClr val="accent1"/>
+                </a:solidFill>
+              </a:rPr>
+              <a:t>hr</a:t>
+            </a:r>
+            <a:r>
+              <a:rPr lang="en-US" sz="1400" dirty="0">
+                <a:solidFill>
+                  <a:schemeClr val="accent1"/>
+                </a:solidFill>
+              </a:rPr>
+              <a:t>]</a:t>
+            </a:r>
+          </a:p>
+          <a:p>
+            <a:r>
+              <a:rPr lang="en-US" sz="1400" dirty="0">
+                <a:solidFill>
+                  <a:schemeClr val="accent1"/>
+                </a:solidFill>
+              </a:rPr>
+              <a:t>(WARR)</a:t>
+            </a:r>
+          </a:p>
+        </p:txBody>
+      </p:sp>
+      <p:cxnSp>
+        <p:nvCxnSpPr>
+          <p:cNvPr id="17" name="Straight Connector 16">
+            <a:extLst>
+              <a:ext uri="{FF2B5EF4-FFF2-40B4-BE49-F238E27FC236}">
+                <a16:creationId xmlns:a16="http://schemas.microsoft.com/office/drawing/2014/main" id="{9DC63D35-F92A-4628-9C36-19B367146ED7}"/>
+              </a:ext>
+            </a:extLst>
+          </p:cNvPr>
+          <p:cNvCxnSpPr>
+            <a:cxnSpLocks/>
+          </p:cNvCxnSpPr>
+          <p:nvPr/>
+        </p:nvCxnSpPr>
+        <p:spPr>
+          <a:xfrm>
+            <a:off x="1590579" y="3366012"/>
+            <a:ext cx="7207192" cy="0"/>
+          </a:xfrm>
+          <a:prstGeom prst="line">
+            <a:avLst/>
+          </a:prstGeom>
+          <a:ln w="38100">
+            <a:prstDash val="dash"/>
+          </a:ln>
+        </p:spPr>
+        <p:style>
+          <a:lnRef idx="1">
+            <a:schemeClr val="accent1"/>
+          </a:lnRef>
+          <a:fillRef idx="0">
+            <a:schemeClr val="accent1"/>
+          </a:fillRef>
+          <a:effectRef idx="0">
+            <a:schemeClr val="accent1"/>
+          </a:effectRef>
+          <a:fontRef idx="minor">
+            <a:schemeClr val="tx1"/>
+          </a:fontRef>
+        </p:style>
+      </p:cxnSp>
+      <p:sp>
+        <p:nvSpPr>
+          <p:cNvPr id="18" name="TextBox 17">
+            <a:extLst>
+              <a:ext uri="{FF2B5EF4-FFF2-40B4-BE49-F238E27FC236}">
+                <a16:creationId xmlns:a16="http://schemas.microsoft.com/office/drawing/2014/main" id="{18A6D6F0-3C55-4908-BB63-A1865CC873E7}"/>
+              </a:ext>
+            </a:extLst>
+          </p:cNvPr>
+          <p:cNvSpPr txBox="1"/>
+          <p:nvPr/>
+        </p:nvSpPr>
+        <p:spPr>
+          <a:xfrm>
+            <a:off x="8731804" y="3167914"/>
+            <a:ext cx="1605119" cy="646331"/>
+          </a:xfrm>
+          <a:prstGeom prst="rect">
+            <a:avLst/>
+          </a:prstGeom>
+          <a:noFill/>
+        </p:spPr>
+        <p:txBody>
+          <a:bodyPr wrap="none" rtlCol="0">
+            <a:noAutofit/>
+          </a:bodyPr>
+          <a:lstStyle/>
+          <a:p>
+            <a:r>
+              <a:rPr lang="en-US" sz="1400" dirty="0" err="1">
+                <a:solidFill>
+                  <a:schemeClr val="accent1"/>
+                </a:solidFill>
+              </a:rPr>
+              <a:t>Swissloop</a:t>
+            </a:r>
+            <a:endParaRPr lang="en-US" sz="1400" dirty="0">
+              <a:solidFill>
+                <a:schemeClr val="accent1"/>
+              </a:solidFill>
+            </a:endParaRPr>
+          </a:p>
+          <a:p>
+            <a:r>
+              <a:rPr lang="en-US" sz="1400" dirty="0">
+                <a:solidFill>
+                  <a:schemeClr val="accent1"/>
+                </a:solidFill>
+              </a:rPr>
+              <a:t>[257 km/</a:t>
+            </a:r>
+            <a:r>
+              <a:rPr lang="en-US" sz="1400" dirty="0" err="1">
+                <a:solidFill>
+                  <a:schemeClr val="accent1"/>
+                </a:solidFill>
+              </a:rPr>
+              <a:t>hr</a:t>
+            </a:r>
+            <a:r>
+              <a:rPr lang="en-US" sz="1400" dirty="0">
+                <a:solidFill>
+                  <a:schemeClr val="accent1"/>
+                </a:solidFill>
+              </a:rPr>
+              <a:t>]</a:t>
+            </a:r>
+          </a:p>
+          <a:p>
+            <a:r>
+              <a:rPr lang="en-US" sz="1400" dirty="0">
+                <a:solidFill>
+                  <a:schemeClr val="accent1"/>
+                </a:solidFill>
+              </a:rPr>
+              <a:t>2019 2</a:t>
+            </a:r>
+            <a:r>
+              <a:rPr lang="en-US" sz="1400" baseline="30000" dirty="0">
+                <a:solidFill>
+                  <a:schemeClr val="accent1"/>
+                </a:solidFill>
+              </a:rPr>
+              <a:t>nd</a:t>
+            </a:r>
+            <a:endParaRPr lang="en-US" sz="1400" dirty="0">
+              <a:solidFill>
+                <a:schemeClr val="accent1"/>
+              </a:solidFill>
+            </a:endParaRPr>
+          </a:p>
+        </p:txBody>
+      </p:sp>
+    </p:spTree>
+    <p:extLst>
+      <p:ext uri="{BB962C8B-B14F-4D97-AF65-F5344CB8AC3E}">
+        <p14:creationId xmlns:p14="http://schemas.microsoft.com/office/powerpoint/2010/main" val="4156100190"/>
       </p:ext>
     </p:extLst>
   </p:cSld>

--- a/Presentations/CDR_Prop.pptx
+++ b/Presentations/CDR_Prop.pptx
@@ -24,7 +24,7 @@
     <p:sldId id="271" r:id="rId15"/>
     <p:sldId id="273" r:id="rId16"/>
     <p:sldId id="274" r:id="rId17"/>
-    <p:sldId id="275" r:id="rId18"/>
+    <p:sldId id="276" r:id="rId18"/>
   </p:sldIdLst>
   <p:sldSz cx="12192000" cy="6858000"/>
   <p:notesSz cx="6858000" cy="9144000"/>
@@ -213,7 +213,7 @@
           <a:p>
             <a:fld id="{DAF95EE5-D59C-41F0-A09C-6C55121059BD}" type="datetimeFigureOut">
               <a:rPr lang="en-US" smtClean="0"/>
-              <a:t>10/21/2019</a:t>
+              <a:t>10/22/2019</a:t>
             </a:fld>
             <a:endParaRPr lang="en-US"/>
           </a:p>
@@ -892,7 +892,7 @@
           <a:p>
             <a:fld id="{AACD0CED-D901-47D3-A8C5-214804B68CB7}" type="datetimeFigureOut">
               <a:rPr lang="en-US" smtClean="0"/>
-              <a:t>10/21/2019</a:t>
+              <a:t>10/22/2019</a:t>
             </a:fld>
             <a:endParaRPr lang="en-US"/>
           </a:p>
@@ -1062,7 +1062,7 @@
           <a:p>
             <a:fld id="{AACD0CED-D901-47D3-A8C5-214804B68CB7}" type="datetimeFigureOut">
               <a:rPr lang="en-US" smtClean="0"/>
-              <a:t>10/21/2019</a:t>
+              <a:t>10/22/2019</a:t>
             </a:fld>
             <a:endParaRPr lang="en-US"/>
           </a:p>
@@ -1242,7 +1242,7 @@
           <a:p>
             <a:fld id="{AACD0CED-D901-47D3-A8C5-214804B68CB7}" type="datetimeFigureOut">
               <a:rPr lang="en-US" smtClean="0"/>
-              <a:t>10/21/2019</a:t>
+              <a:t>10/22/2019</a:t>
             </a:fld>
             <a:endParaRPr lang="en-US"/>
           </a:p>
@@ -1412,7 +1412,7 @@
           <a:p>
             <a:fld id="{AACD0CED-D901-47D3-A8C5-214804B68CB7}" type="datetimeFigureOut">
               <a:rPr lang="en-US" smtClean="0"/>
-              <a:t>10/21/2019</a:t>
+              <a:t>10/22/2019</a:t>
             </a:fld>
             <a:endParaRPr lang="en-US"/>
           </a:p>
@@ -1658,7 +1658,7 @@
           <a:p>
             <a:fld id="{AACD0CED-D901-47D3-A8C5-214804B68CB7}" type="datetimeFigureOut">
               <a:rPr lang="en-US" smtClean="0"/>
-              <a:t>10/21/2019</a:t>
+              <a:t>10/22/2019</a:t>
             </a:fld>
             <a:endParaRPr lang="en-US"/>
           </a:p>
@@ -1890,7 +1890,7 @@
           <a:p>
             <a:fld id="{AACD0CED-D901-47D3-A8C5-214804B68CB7}" type="datetimeFigureOut">
               <a:rPr lang="en-US" smtClean="0"/>
-              <a:t>10/21/2019</a:t>
+              <a:t>10/22/2019</a:t>
             </a:fld>
             <a:endParaRPr lang="en-US"/>
           </a:p>
@@ -2257,7 +2257,7 @@
           <a:p>
             <a:fld id="{AACD0CED-D901-47D3-A8C5-214804B68CB7}" type="datetimeFigureOut">
               <a:rPr lang="en-US" smtClean="0"/>
-              <a:t>10/21/2019</a:t>
+              <a:t>10/22/2019</a:t>
             </a:fld>
             <a:endParaRPr lang="en-US"/>
           </a:p>
@@ -2375,7 +2375,7 @@
           <a:p>
             <a:fld id="{AACD0CED-D901-47D3-A8C5-214804B68CB7}" type="datetimeFigureOut">
               <a:rPr lang="en-US" smtClean="0"/>
-              <a:t>10/21/2019</a:t>
+              <a:t>10/22/2019</a:t>
             </a:fld>
             <a:endParaRPr lang="en-US"/>
           </a:p>
@@ -2470,7 +2470,7 @@
           <a:p>
             <a:fld id="{AACD0CED-D901-47D3-A8C5-214804B68CB7}" type="datetimeFigureOut">
               <a:rPr lang="en-US" smtClean="0"/>
-              <a:t>10/21/2019</a:t>
+              <a:t>10/22/2019</a:t>
             </a:fld>
             <a:endParaRPr lang="en-US"/>
           </a:p>
@@ -2747,7 +2747,7 @@
           <a:p>
             <a:fld id="{AACD0CED-D901-47D3-A8C5-214804B68CB7}" type="datetimeFigureOut">
               <a:rPr lang="en-US" smtClean="0"/>
-              <a:t>10/21/2019</a:t>
+              <a:t>10/22/2019</a:t>
             </a:fld>
             <a:endParaRPr lang="en-US"/>
           </a:p>
@@ -3004,7 +3004,7 @@
           <a:p>
             <a:fld id="{AACD0CED-D901-47D3-A8C5-214804B68CB7}" type="datetimeFigureOut">
               <a:rPr lang="en-US" smtClean="0"/>
-              <a:t>10/21/2019</a:t>
+              <a:t>10/22/2019</a:t>
             </a:fld>
             <a:endParaRPr lang="en-US"/>
           </a:p>
@@ -3217,7 +3217,7 @@
           <a:p>
             <a:fld id="{AACD0CED-D901-47D3-A8C5-214804B68CB7}" type="datetimeFigureOut">
               <a:rPr lang="en-US" smtClean="0"/>
-              <a:t>10/21/2019</a:t>
+              <a:t>10/22/2019</a:t>
             </a:fld>
             <a:endParaRPr lang="en-US"/>
           </a:p>
@@ -3950,6 +3950,42 @@
           </a:p>
         </p:txBody>
       </p:sp>
+      <p:pic>
+        <p:nvPicPr>
+          <p:cNvPr id="5" name="Picture 4" descr="A picture containing computer, table, desk, sitting&#10;&#10;Description automatically generated">
+            <a:extLst>
+              <a:ext uri="{FF2B5EF4-FFF2-40B4-BE49-F238E27FC236}">
+                <a16:creationId xmlns:a16="http://schemas.microsoft.com/office/drawing/2014/main" id="{E774D8AE-0D80-466C-BABC-469EF137FAB6}"/>
+              </a:ext>
+            </a:extLst>
+          </p:cNvPr>
+          <p:cNvPicPr>
+            <a:picLocks noChangeAspect="1"/>
+          </p:cNvPicPr>
+          <p:nvPr/>
+        </p:nvPicPr>
+        <p:blipFill>
+          <a:blip r:embed="rId2">
+            <a:extLst>
+              <a:ext uri="{28A0092B-C50C-407E-A947-70E740481C1C}">
+                <a14:useLocalDpi xmlns:a14="http://schemas.microsoft.com/office/drawing/2010/main" val="0"/>
+              </a:ext>
+            </a:extLst>
+          </a:blip>
+          <a:stretch>
+            <a:fillRect/>
+          </a:stretch>
+        </p:blipFill>
+        <p:spPr>
+          <a:xfrm>
+            <a:off x="2118049" y="1511727"/>
+            <a:ext cx="7685314" cy="3834545"/>
+          </a:xfrm>
+          <a:prstGeom prst="rect">
+            <a:avLst/>
+          </a:prstGeom>
+        </p:spPr>
+      </p:pic>
     </p:spTree>
     <p:extLst>
       <p:ext uri="{BB962C8B-B14F-4D97-AF65-F5344CB8AC3E}">
@@ -4359,6 +4395,9 @@
           <a:p>
             <a:r>
               <a:rPr lang="en-US" dirty="0">
+                <a:solidFill>
+                  <a:schemeClr val="accent6"/>
+                </a:solidFill>
                 <a:latin typeface="BankGothic" panose="02000500000000000000" pitchFamily="2" charset="0"/>
               </a:rPr>
               <a:t>2 X10070504-2 Mass Flow Rate</a:t>
@@ -4410,16 +4449,22 @@
               <a:rPr lang="en-US" dirty="0">
                 <a:latin typeface="BankGothic" panose="02000500000000000000" pitchFamily="2" charset="0"/>
               </a:rPr>
-              <a:t> Inert Pod mass, 500m thrusting length, 377 km/</a:t>
-            </a:r>
-            <a:r>
-              <a:rPr lang="en-US" dirty="0" err="1">
+              <a:t> Inert Pod mass, 600m thrusting length, </a:t>
+            </a:r>
+            <a:r>
+              <a:rPr lang="en-US" u="sng" dirty="0">
+                <a:latin typeface="BankGothic" panose="02000500000000000000" pitchFamily="2" charset="0"/>
+              </a:rPr>
+              <a:t>377 km/</a:t>
+            </a:r>
+            <a:r>
+              <a:rPr lang="en-US" u="sng" dirty="0" err="1">
                 <a:latin typeface="BankGothic" panose="02000500000000000000" pitchFamily="2" charset="0"/>
               </a:rPr>
               <a:t>hr</a:t>
             </a:r>
             <a:r>
-              <a:rPr lang="en-US" dirty="0">
+              <a:rPr lang="en-US" u="sng" dirty="0">
                 <a:latin typeface="BankGothic" panose="02000500000000000000" pitchFamily="2" charset="0"/>
               </a:rPr>
               <a:t> max v </a:t>
@@ -8317,7 +8362,7 @@
         </p:nvCxnSpPr>
         <p:spPr>
           <a:xfrm>
-            <a:off x="7967981" y="2092566"/>
+            <a:off x="8174466" y="2092213"/>
             <a:ext cx="0" cy="850530"/>
           </a:xfrm>
           <a:prstGeom prst="line">
@@ -8353,13 +8398,15 @@
               </a:ext>
             </a:extLst>
           </p:cNvPr>
-          <p:cNvCxnSpPr/>
+          <p:cNvCxnSpPr>
+            <a:cxnSpLocks/>
+          </p:cNvCxnSpPr>
           <p:nvPr/>
         </p:nvCxnSpPr>
         <p:spPr>
           <a:xfrm>
-            <a:off x="7967981" y="2935374"/>
-            <a:ext cx="474570" cy="0"/>
+            <a:off x="8174466" y="2935374"/>
+            <a:ext cx="268085" cy="0"/>
           </a:xfrm>
           <a:prstGeom prst="line">
             <a:avLst/>
@@ -10358,14 +10405,15 @@
             </a:extLst>
           </p:cNvPr>
           <p:cNvCxnSpPr>
+            <a:cxnSpLocks/>
             <a:stCxn id="113" idx="3"/>
           </p:cNvCxnSpPr>
           <p:nvPr/>
         </p:nvCxnSpPr>
         <p:spPr>
-          <a:xfrm flipV="1">
-            <a:off x="7492593" y="4091431"/>
-            <a:ext cx="710372" cy="1"/>
+          <a:xfrm>
+            <a:off x="7492593" y="4091432"/>
+            <a:ext cx="2647566" cy="0"/>
           </a:xfrm>
           <a:prstGeom prst="line">
             <a:avLst/>
@@ -10405,7 +10453,7 @@
         </p:nvGrpSpPr>
         <p:grpSpPr>
           <a:xfrm rot="16200000">
-            <a:off x="8565863" y="3501065"/>
+            <a:off x="10572219" y="3501065"/>
             <a:ext cx="559293" cy="1180730"/>
             <a:chOff x="9914878" y="2687518"/>
             <a:chExt cx="559293" cy="1180730"/>
@@ -10706,7 +10754,7 @@
         </p:nvGrpSpPr>
         <p:grpSpPr>
           <a:xfrm rot="16200000">
-            <a:off x="8565864" y="4129181"/>
+            <a:off x="10572220" y="4129181"/>
             <a:ext cx="559293" cy="1180730"/>
             <a:chOff x="9914878" y="2687518"/>
             <a:chExt cx="559293" cy="1180730"/>
@@ -11046,13 +11094,15 @@
               </a:ext>
             </a:extLst>
           </p:cNvPr>
-          <p:cNvCxnSpPr/>
+          <p:cNvCxnSpPr>
+            <a:cxnSpLocks/>
+          </p:cNvCxnSpPr>
           <p:nvPr/>
         </p:nvCxnSpPr>
         <p:spPr>
           <a:xfrm>
             <a:off x="7847779" y="4743826"/>
-            <a:ext cx="355186" cy="0"/>
+            <a:ext cx="2399265" cy="0"/>
           </a:xfrm>
           <a:prstGeom prst="line">
             <a:avLst/>
@@ -11165,7 +11215,7 @@
         </p:nvSpPr>
         <p:spPr>
           <a:xfrm>
-            <a:off x="6334490" y="784533"/>
+            <a:off x="6188001" y="856033"/>
             <a:ext cx="1781692" cy="646331"/>
           </a:xfrm>
           <a:prstGeom prst="rect">
@@ -11215,8 +11265,8 @@
         </p:nvSpPr>
         <p:spPr>
           <a:xfrm>
-            <a:off x="2940590" y="3211420"/>
-            <a:ext cx="1781692" cy="461665"/>
+            <a:off x="2940589" y="3122641"/>
+            <a:ext cx="1781692" cy="1061829"/>
           </a:xfrm>
           <a:prstGeom prst="rect">
             <a:avLst/>
@@ -11231,16 +11281,42 @@
           <a:p>
             <a:pPr algn="ctr"/>
             <a:r>
-              <a:rPr lang="en-US" sz="1200" dirty="0"/>
+              <a:rPr lang="en-US" sz="1050" dirty="0"/>
               <a:t>Manual Valve</a:t>
             </a:r>
           </a:p>
           <a:p>
             <a:pPr algn="ctr"/>
             <a:r>
-              <a:rPr lang="en-US" sz="1200" dirty="0"/>
-              <a:t>(Close during fill)</a:t>
-            </a:r>
+              <a:rPr lang="en-US" sz="1050" dirty="0"/>
+              <a:t>(Close during fill &amp; Prior to operation)</a:t>
+            </a:r>
+          </a:p>
+          <a:p>
+            <a:pPr algn="ctr"/>
+            <a:r>
+              <a:rPr lang="en-US" sz="1050" dirty="0"/>
+              <a:t>Flow-Tek Triad Models HP</a:t>
+            </a:r>
+          </a:p>
+          <a:p>
+            <a:pPr algn="ctr"/>
+            <a:r>
+              <a:rPr lang="en-US" sz="1050" dirty="0"/>
+              <a:t>1” </a:t>
+            </a:r>
+            <a:r>
+              <a:rPr lang="en-US" sz="1050" dirty="0" err="1"/>
+              <a:t>Cv</a:t>
+            </a:r>
+            <a:r>
+              <a:rPr lang="en-US" sz="1050" dirty="0"/>
+              <a:t> = 32 </a:t>
+            </a:r>
+          </a:p>
+          <a:p>
+            <a:pPr algn="ctr"/>
+            <a:endParaRPr lang="en-US" sz="1050" dirty="0"/>
           </a:p>
         </p:txBody>
       </p:sp>
@@ -11258,8 +11334,8 @@
         </p:nvSpPr>
         <p:spPr>
           <a:xfrm>
-            <a:off x="4498716" y="3162713"/>
-            <a:ext cx="1781692" cy="830997"/>
+            <a:off x="4498716" y="3109445"/>
+            <a:ext cx="1781692" cy="1061829"/>
           </a:xfrm>
           <a:prstGeom prst="rect">
             <a:avLst/>
@@ -11274,22 +11350,51 @@
           <a:p>
             <a:pPr algn="ctr"/>
             <a:r>
-              <a:rPr lang="en-US" sz="1200" dirty="0"/>
+              <a:rPr lang="en-US" sz="1050" dirty="0"/>
               <a:t>Primary Control Valve</a:t>
             </a:r>
           </a:p>
           <a:p>
             <a:pPr algn="ctr"/>
             <a:r>
-              <a:rPr lang="en-US" sz="1200" dirty="0"/>
-              <a:t>Flow-Tek Series M4 Class 2500 – V-Port Ball?</a:t>
+              <a:rPr lang="en-US" sz="1050" dirty="0"/>
+              <a:t>Flow-Tek Triad Models HP</a:t>
             </a:r>
           </a:p>
           <a:p>
             <a:pPr algn="ctr"/>
             <a:r>
-              <a:rPr lang="en-US" sz="1200" dirty="0"/>
-              <a:t>S70 Electric Actuator</a:t>
+              <a:rPr lang="en-US" sz="1050" dirty="0"/>
+              <a:t>1” </a:t>
+            </a:r>
+            <a:r>
+              <a:rPr lang="en-US" sz="1050" dirty="0" err="1"/>
+              <a:t>Cv</a:t>
+            </a:r>
+            <a:r>
+              <a:rPr lang="en-US" sz="1050" dirty="0"/>
+              <a:t> = 32 </a:t>
+            </a:r>
+          </a:p>
+          <a:p>
+            <a:pPr algn="ctr"/>
+            <a:r>
+              <a:rPr lang="en-US" sz="1050" dirty="0"/>
+              <a:t>V-Port Ball?</a:t>
+            </a:r>
+          </a:p>
+          <a:p>
+            <a:pPr algn="ctr"/>
+            <a:r>
+              <a:rPr lang="en-US" sz="1050" dirty="0"/>
+              <a:t>S70 Electric Actuator?</a:t>
+            </a:r>
+          </a:p>
+          <a:p>
+            <a:pPr algn="ctr"/>
+            <a:r>
+              <a:rPr lang="en-US" sz="1050" dirty="0"/>
+              <a:t>Default Closed</a:t>
             </a:r>
           </a:p>
         </p:txBody>
@@ -11308,8 +11413,8 @@
         </p:nvSpPr>
         <p:spPr>
           <a:xfrm>
-            <a:off x="6334490" y="3276194"/>
-            <a:ext cx="1995377" cy="646331"/>
+            <a:off x="6334157" y="3063688"/>
+            <a:ext cx="1995377" cy="830997"/>
           </a:xfrm>
           <a:prstGeom prst="rect">
             <a:avLst/>
@@ -11332,7 +11437,22 @@
             <a:pPr algn="ctr"/>
             <a:r>
               <a:rPr lang="en-US" sz="1200" dirty="0"/>
-              <a:t>TESCOM 44-4200-15A3?-005</a:t>
+              <a:t>TESCOM 26-1200</a:t>
+            </a:r>
+          </a:p>
+          <a:p>
+            <a:pPr algn="ctr"/>
+            <a:r>
+              <a:rPr lang="en-US" sz="1200" dirty="0"/>
+              <a:t>1/2” MS33649 </a:t>
+            </a:r>
+            <a:r>
+              <a:rPr lang="en-US" sz="1200" dirty="0" err="1"/>
+              <a:t>Cv</a:t>
+            </a:r>
+            <a:r>
+              <a:rPr lang="en-US" sz="1200" dirty="0"/>
+              <a:t> = 3.3</a:t>
             </a:r>
           </a:p>
         </p:txBody>
@@ -11351,7 +11471,7 @@
         </p:nvSpPr>
         <p:spPr>
           <a:xfrm>
-            <a:off x="7923709" y="3531632"/>
+            <a:off x="9930065" y="3531632"/>
             <a:ext cx="1781692" cy="276999"/>
           </a:xfrm>
           <a:prstGeom prst="rect">
@@ -11387,7 +11507,7 @@
         </p:nvGrpSpPr>
         <p:grpSpPr>
           <a:xfrm>
-            <a:off x="8442332" y="5183239"/>
+            <a:off x="5119834" y="5181341"/>
             <a:ext cx="702107" cy="825624"/>
             <a:chOff x="7849991" y="932155"/>
             <a:chExt cx="1828800" cy="2150528"/>
@@ -11717,7 +11837,7 @@
         </p:nvSpPr>
         <p:spPr>
           <a:xfrm>
-            <a:off x="7422033" y="5633505"/>
+            <a:off x="6213435" y="5616712"/>
             <a:ext cx="654651" cy="351051"/>
           </a:xfrm>
           <a:prstGeom prst="rect">
@@ -11755,311 +11875,6 @@
           </a:p>
         </p:txBody>
       </p:sp>
-      <p:grpSp>
-        <p:nvGrpSpPr>
-          <p:cNvPr id="153" name="Group 152">
-            <a:extLst>
-              <a:ext uri="{FF2B5EF4-FFF2-40B4-BE49-F238E27FC236}">
-                <a16:creationId xmlns:a16="http://schemas.microsoft.com/office/drawing/2014/main" id="{8BA2AFA8-73EA-4ED0-92F8-F89D946BC05F}"/>
-              </a:ext>
-            </a:extLst>
-          </p:cNvPr>
-          <p:cNvGrpSpPr/>
-          <p:nvPr/>
-        </p:nvGrpSpPr>
-        <p:grpSpPr>
-          <a:xfrm>
-            <a:off x="6170855" y="5474606"/>
-            <a:ext cx="701888" cy="521180"/>
-            <a:chOff x="7270810" y="4447713"/>
-            <a:chExt cx="2488698" cy="1847957"/>
-          </a:xfrm>
-        </p:grpSpPr>
-        <p:grpSp>
-          <p:nvGrpSpPr>
-            <p:cNvPr id="154" name="Group 153">
-              <a:extLst>
-                <a:ext uri="{FF2B5EF4-FFF2-40B4-BE49-F238E27FC236}">
-                  <a16:creationId xmlns:a16="http://schemas.microsoft.com/office/drawing/2014/main" id="{F4C65FC6-ACF8-4590-8896-553239A11B00}"/>
-                </a:ext>
-              </a:extLst>
-            </p:cNvPr>
-            <p:cNvGrpSpPr/>
-            <p:nvPr/>
-          </p:nvGrpSpPr>
-          <p:grpSpPr>
-            <a:xfrm>
-              <a:off x="7270810" y="4852223"/>
-              <a:ext cx="2488698" cy="1443447"/>
-              <a:chOff x="6706265" y="4948766"/>
-              <a:chExt cx="2286814" cy="1326353"/>
-            </a:xfrm>
-          </p:grpSpPr>
-          <p:grpSp>
-            <p:nvGrpSpPr>
-              <p:cNvPr id="157" name="Group 156">
-                <a:extLst>
-                  <a:ext uri="{FF2B5EF4-FFF2-40B4-BE49-F238E27FC236}">
-                    <a16:creationId xmlns:a16="http://schemas.microsoft.com/office/drawing/2014/main" id="{CA554BE8-94EC-4195-8418-1242B7B1A6CE}"/>
-                  </a:ext>
-                </a:extLst>
-              </p:cNvPr>
-              <p:cNvGrpSpPr/>
-              <p:nvPr/>
-            </p:nvGrpSpPr>
-            <p:grpSpPr>
-              <a:xfrm>
-                <a:off x="6706265" y="4948766"/>
-                <a:ext cx="2286814" cy="1326353"/>
-                <a:chOff x="7849991" y="2021978"/>
-                <a:chExt cx="1828801" cy="1060705"/>
-              </a:xfrm>
-            </p:grpSpPr>
-            <p:sp>
-              <p:nvSpPr>
-                <p:cNvPr id="159" name="Isosceles Triangle 158">
-                  <a:extLst>
-                    <a:ext uri="{FF2B5EF4-FFF2-40B4-BE49-F238E27FC236}">
-                      <a16:creationId xmlns:a16="http://schemas.microsoft.com/office/drawing/2014/main" id="{E9DCC02D-EE1F-4DBB-A4A3-857C147B2BDB}"/>
-                    </a:ext>
-                  </a:extLst>
-                </p:cNvPr>
-                <p:cNvSpPr/>
-                <p:nvPr/>
-              </p:nvSpPr>
-              <p:spPr>
-                <a:xfrm rot="5400000">
-                  <a:off x="7776839" y="2095130"/>
-                  <a:ext cx="1060704" cy="914400"/>
-                </a:xfrm>
-                <a:prstGeom prst="triangle">
-                  <a:avLst/>
-                </a:prstGeom>
-                <a:noFill/>
-                <a:ln>
-                  <a:solidFill>
-                    <a:schemeClr val="tx1"/>
-                  </a:solidFill>
-                </a:ln>
-              </p:spPr>
-              <p:style>
-                <a:lnRef idx="2">
-                  <a:schemeClr val="accent1">
-                    <a:shade val="50000"/>
-                  </a:schemeClr>
-                </a:lnRef>
-                <a:fillRef idx="1">
-                  <a:schemeClr val="accent1"/>
-                </a:fillRef>
-                <a:effectRef idx="0">
-                  <a:schemeClr val="accent1"/>
-                </a:effectRef>
-                <a:fontRef idx="minor">
-                  <a:schemeClr val="lt1"/>
-                </a:fontRef>
-              </p:style>
-              <p:txBody>
-                <a:bodyPr rtlCol="0" anchor="ctr"/>
-                <a:lstStyle/>
-                <a:p>
-                  <a:pPr algn="ctr"/>
-                  <a:endParaRPr lang="en-US"/>
-                </a:p>
-              </p:txBody>
-            </p:sp>
-            <p:sp>
-              <p:nvSpPr>
-                <p:cNvPr id="160" name="Isosceles Triangle 159">
-                  <a:extLst>
-                    <a:ext uri="{FF2B5EF4-FFF2-40B4-BE49-F238E27FC236}">
-                      <a16:creationId xmlns:a16="http://schemas.microsoft.com/office/drawing/2014/main" id="{013782EF-97C2-40E9-A749-66471AC4AAD9}"/>
-                    </a:ext>
-                  </a:extLst>
-                </p:cNvPr>
-                <p:cNvSpPr/>
-                <p:nvPr/>
-              </p:nvSpPr>
-              <p:spPr>
-                <a:xfrm rot="16200000">
-                  <a:off x="8691240" y="2095132"/>
-                  <a:ext cx="1060703" cy="914400"/>
-                </a:xfrm>
-                <a:prstGeom prst="triangle">
-                  <a:avLst/>
-                </a:prstGeom>
-                <a:noFill/>
-                <a:ln>
-                  <a:solidFill>
-                    <a:schemeClr val="tx1"/>
-                  </a:solidFill>
-                </a:ln>
-              </p:spPr>
-              <p:style>
-                <a:lnRef idx="2">
-                  <a:schemeClr val="accent1">
-                    <a:shade val="50000"/>
-                  </a:schemeClr>
-                </a:lnRef>
-                <a:fillRef idx="1">
-                  <a:schemeClr val="accent1"/>
-                </a:fillRef>
-                <a:effectRef idx="0">
-                  <a:schemeClr val="accent1"/>
-                </a:effectRef>
-                <a:fontRef idx="minor">
-                  <a:schemeClr val="lt1"/>
-                </a:fontRef>
-              </p:style>
-              <p:txBody>
-                <a:bodyPr rtlCol="0" anchor="ctr"/>
-                <a:lstStyle/>
-                <a:p>
-                  <a:pPr algn="ctr"/>
-                  <a:endParaRPr lang="en-US"/>
-                </a:p>
-              </p:txBody>
-            </p:sp>
-          </p:grpSp>
-          <p:sp>
-            <p:nvSpPr>
-              <p:cNvPr id="158" name="Oval 157">
-                <a:extLst>
-                  <a:ext uri="{FF2B5EF4-FFF2-40B4-BE49-F238E27FC236}">
-                    <a16:creationId xmlns:a16="http://schemas.microsoft.com/office/drawing/2014/main" id="{872240DE-596E-425C-803F-EE4439938ECF}"/>
-                  </a:ext>
-                </a:extLst>
-              </p:cNvPr>
-              <p:cNvSpPr/>
-              <p:nvPr/>
-            </p:nvSpPr>
-            <p:spPr>
-              <a:xfrm>
-                <a:off x="7392475" y="5154742"/>
-                <a:ext cx="914400" cy="914400"/>
-              </a:xfrm>
-              <a:prstGeom prst="ellipse">
-                <a:avLst/>
-              </a:prstGeom>
-              <a:noFill/>
-              <a:ln>
-                <a:solidFill>
-                  <a:schemeClr val="tx1"/>
-                </a:solidFill>
-              </a:ln>
-            </p:spPr>
-            <p:style>
-              <a:lnRef idx="2">
-                <a:schemeClr val="accent1">
-                  <a:shade val="50000"/>
-                </a:schemeClr>
-              </a:lnRef>
-              <a:fillRef idx="1">
-                <a:schemeClr val="accent1"/>
-              </a:fillRef>
-              <a:effectRef idx="0">
-                <a:schemeClr val="accent1"/>
-              </a:effectRef>
-              <a:fontRef idx="minor">
-                <a:schemeClr val="lt1"/>
-              </a:fontRef>
-            </p:style>
-            <p:txBody>
-              <a:bodyPr rtlCol="0" anchor="ctr"/>
-              <a:lstStyle/>
-              <a:p>
-                <a:pPr algn="ctr"/>
-                <a:endParaRPr lang="en-US"/>
-              </a:p>
-            </p:txBody>
-          </p:sp>
-        </p:grpSp>
-        <p:cxnSp>
-          <p:nvCxnSpPr>
-            <p:cNvPr id="155" name="Straight Connector 154">
-              <a:extLst>
-                <a:ext uri="{FF2B5EF4-FFF2-40B4-BE49-F238E27FC236}">
-                  <a16:creationId xmlns:a16="http://schemas.microsoft.com/office/drawing/2014/main" id="{A3F94162-FF2E-421F-96C7-4D7293F9B057}"/>
-                </a:ext>
-              </a:extLst>
-            </p:cNvPr>
-            <p:cNvCxnSpPr>
-              <a:stCxn id="160" idx="0"/>
-            </p:cNvCxnSpPr>
-            <p:nvPr/>
-          </p:nvCxnSpPr>
-          <p:spPr>
-            <a:xfrm flipH="1" flipV="1">
-              <a:off x="8515160" y="4447713"/>
-              <a:ext cx="0" cy="1126235"/>
-            </a:xfrm>
-            <a:prstGeom prst="line">
-              <a:avLst/>
-            </a:prstGeom>
-            <a:ln>
-              <a:solidFill>
-                <a:schemeClr val="tx1"/>
-              </a:solidFill>
-            </a:ln>
-          </p:spPr>
-          <p:style>
-            <a:lnRef idx="1">
-              <a:schemeClr val="accent1"/>
-            </a:lnRef>
-            <a:fillRef idx="0">
-              <a:schemeClr val="accent1"/>
-            </a:fillRef>
-            <a:effectRef idx="0">
-              <a:schemeClr val="accent1"/>
-            </a:effectRef>
-            <a:fontRef idx="minor">
-              <a:schemeClr val="tx1"/>
-            </a:fontRef>
-          </p:style>
-        </p:cxnSp>
-        <p:cxnSp>
-          <p:nvCxnSpPr>
-            <p:cNvPr id="156" name="Straight Connector 155">
-              <a:extLst>
-                <a:ext uri="{FF2B5EF4-FFF2-40B4-BE49-F238E27FC236}">
-                  <a16:creationId xmlns:a16="http://schemas.microsoft.com/office/drawing/2014/main" id="{B6FA0237-F418-495B-8FB0-18C1A0A51FED}"/>
-                </a:ext>
-              </a:extLst>
-            </p:cNvPr>
-            <p:cNvCxnSpPr>
-              <a:cxnSpLocks/>
-            </p:cNvCxnSpPr>
-            <p:nvPr/>
-          </p:nvCxnSpPr>
-          <p:spPr>
-            <a:xfrm>
-              <a:off x="7547047" y="4447713"/>
-              <a:ext cx="1936225" cy="0"/>
-            </a:xfrm>
-            <a:prstGeom prst="line">
-              <a:avLst/>
-            </a:prstGeom>
-            <a:ln>
-              <a:solidFill>
-                <a:schemeClr val="tx1"/>
-              </a:solidFill>
-            </a:ln>
-          </p:spPr>
-          <p:style>
-            <a:lnRef idx="1">
-              <a:schemeClr val="accent1"/>
-            </a:lnRef>
-            <a:fillRef idx="0">
-              <a:schemeClr val="accent1"/>
-            </a:fillRef>
-            <a:effectRef idx="0">
-              <a:schemeClr val="accent1"/>
-            </a:effectRef>
-            <a:fontRef idx="minor">
-              <a:schemeClr val="tx1"/>
-            </a:fontRef>
-          </p:style>
-        </p:cxnSp>
-      </p:grpSp>
       <p:cxnSp>
         <p:nvCxnSpPr>
           <p:cNvPr id="170" name="Straight Connector 169">
@@ -12112,13 +11927,16 @@
               </a:ext>
             </a:extLst>
           </p:cNvPr>
-          <p:cNvCxnSpPr/>
+          <p:cNvCxnSpPr>
+            <a:cxnSpLocks/>
+            <a:endCxn id="189" idx="3"/>
+          </p:cNvCxnSpPr>
           <p:nvPr/>
         </p:nvCxnSpPr>
         <p:spPr>
           <a:xfrm>
             <a:off x="7141539" y="5809031"/>
-            <a:ext cx="280191" cy="0"/>
+            <a:ext cx="535325" cy="970"/>
           </a:xfrm>
           <a:prstGeom prst="line">
             <a:avLst/>
@@ -12158,7 +11976,7 @@
         </p:nvGrpSpPr>
         <p:grpSpPr>
           <a:xfrm>
-            <a:off x="7145756" y="5225674"/>
+            <a:off x="7126070" y="4861196"/>
             <a:ext cx="412216" cy="306398"/>
             <a:chOff x="3708866" y="5903650"/>
             <a:chExt cx="1230200" cy="914400"/>
@@ -12317,7 +12135,7 @@
         </p:nvGrpSpPr>
         <p:grpSpPr>
           <a:xfrm>
-            <a:off x="9545156" y="5480069"/>
+            <a:off x="7676864" y="5492369"/>
             <a:ext cx="701888" cy="521180"/>
             <a:chOff x="7270810" y="4447713"/>
             <a:chExt cx="2488698" cy="1847957"/>
@@ -12610,49 +12428,6 @@
       </p:grpSp>
       <p:cxnSp>
         <p:nvCxnSpPr>
-          <p:cNvPr id="192" name="Straight Connector 191">
-            <a:extLst>
-              <a:ext uri="{FF2B5EF4-FFF2-40B4-BE49-F238E27FC236}">
-                <a16:creationId xmlns:a16="http://schemas.microsoft.com/office/drawing/2014/main" id="{24DA80DA-FEDD-4AFF-9058-EF3083064496}"/>
-              </a:ext>
-            </a:extLst>
-          </p:cNvPr>
-          <p:cNvCxnSpPr>
-            <a:stCxn id="152" idx="3"/>
-          </p:cNvCxnSpPr>
-          <p:nvPr/>
-        </p:nvCxnSpPr>
-        <p:spPr>
-          <a:xfrm>
-            <a:off x="8076684" y="5809031"/>
-            <a:ext cx="365867" cy="10700"/>
-          </a:xfrm>
-          <a:prstGeom prst="line">
-            <a:avLst/>
-          </a:prstGeom>
-          <a:ln>
-            <a:solidFill>
-              <a:schemeClr val="tx1"/>
-            </a:solidFill>
-          </a:ln>
-        </p:spPr>
-        <p:style>
-          <a:lnRef idx="1">
-            <a:schemeClr val="accent1"/>
-          </a:lnRef>
-          <a:fillRef idx="0">
-            <a:schemeClr val="accent1"/>
-          </a:fillRef>
-          <a:effectRef idx="0">
-            <a:schemeClr val="accent1"/>
-          </a:effectRef>
-          <a:fontRef idx="minor">
-            <a:schemeClr val="tx1"/>
-          </a:fontRef>
-        </p:style>
-      </p:cxnSp>
-      <p:cxnSp>
-        <p:nvCxnSpPr>
           <p:cNvPr id="194" name="Straight Connector 193">
             <a:extLst>
               <a:ext uri="{FF2B5EF4-FFF2-40B4-BE49-F238E27FC236}">
@@ -12661,13 +12436,13 @@
             </a:extLst>
           </p:cNvPr>
           <p:cNvCxnSpPr>
-            <a:stCxn id="148" idx="3"/>
+            <a:cxnSpLocks/>
           </p:cNvCxnSpPr>
           <p:nvPr/>
         </p:nvCxnSpPr>
         <p:spPr>
           <a:xfrm>
-            <a:off x="9144439" y="5805252"/>
+            <a:off x="5812827" y="5812528"/>
             <a:ext cx="400608" cy="0"/>
           </a:xfrm>
           <a:prstGeom prst="line">
@@ -12992,7 +12767,7 @@
         </p:nvSpPr>
         <p:spPr>
           <a:xfrm>
-            <a:off x="7564185" y="6216494"/>
+            <a:off x="7254284" y="6196671"/>
             <a:ext cx="3497209" cy="276999"/>
           </a:xfrm>
           <a:prstGeom prst="rect">
@@ -13009,7 +12784,7 @@
             <a:pPr algn="ctr"/>
             <a:r>
               <a:rPr lang="en-US" sz="1200" dirty="0"/>
-              <a:t>Low Pressure Diaphragm Reference System </a:t>
+              <a:t>Low Pressure Diaphragm Reference System</a:t>
             </a:r>
           </a:p>
         </p:txBody>
@@ -13316,7 +13091,7 @@
         <p:spPr>
           <a:xfrm>
             <a:off x="1979718" y="4572000"/>
-            <a:ext cx="0" cy="1678198"/>
+            <a:ext cx="0" cy="1864630"/>
           </a:xfrm>
           <a:prstGeom prst="line">
             <a:avLst/>
@@ -13476,7 +13251,7 @@
         </p:nvGrpSpPr>
         <p:grpSpPr>
           <a:xfrm>
-            <a:off x="2476867" y="5912188"/>
+            <a:off x="2476867" y="6098620"/>
             <a:ext cx="701888" cy="521180"/>
             <a:chOff x="7270810" y="4447713"/>
             <a:chExt cx="2488698" cy="1847957"/>
@@ -13781,7 +13556,7 @@
         </p:nvCxnSpPr>
         <p:spPr>
           <a:xfrm>
-            <a:off x="1979718" y="6250198"/>
+            <a:off x="1979718" y="6436630"/>
             <a:ext cx="497149" cy="0"/>
           </a:xfrm>
           <a:prstGeom prst="line">
@@ -13822,7 +13597,7 @@
         </p:nvCxnSpPr>
         <p:spPr>
           <a:xfrm>
-            <a:off x="3178755" y="6250198"/>
+            <a:off x="3178755" y="6436630"/>
             <a:ext cx="497149" cy="0"/>
           </a:xfrm>
           <a:prstGeom prst="line">
@@ -13858,18 +13633,20 @@
               </a:ext>
             </a:extLst>
           </p:cNvPr>
-          <p:cNvCxnSpPr/>
+          <p:cNvCxnSpPr>
+            <a:cxnSpLocks/>
+          </p:cNvCxnSpPr>
           <p:nvPr/>
         </p:nvCxnSpPr>
         <p:spPr>
           <a:xfrm>
-            <a:off x="10247044" y="5814381"/>
-            <a:ext cx="400608" cy="0"/>
+            <a:off x="1979718" y="5322292"/>
+            <a:ext cx="2239717" cy="493"/>
           </a:xfrm>
           <a:prstGeom prst="line">
             <a:avLst/>
           </a:prstGeom>
-          <a:ln>
+          <a:ln w="57150">
             <a:solidFill>
               <a:schemeClr val="tx1"/>
             </a:solidFill>
@@ -14390,7 +14167,7 @@
         </p:nvSpPr>
         <p:spPr>
           <a:xfrm>
-            <a:off x="3006857" y="6093149"/>
+            <a:off x="3006857" y="6279581"/>
             <a:ext cx="2535643" cy="276999"/>
           </a:xfrm>
           <a:prstGeom prst="rect">
@@ -14426,7 +14203,7 @@
         </p:nvSpPr>
         <p:spPr>
           <a:xfrm>
-            <a:off x="9964031" y="5683638"/>
+            <a:off x="7889706" y="5664853"/>
             <a:ext cx="2535643" cy="276999"/>
           </a:xfrm>
           <a:prstGeom prst="rect">
@@ -14443,7 +14220,7 @@
             <a:pPr algn="ctr"/>
             <a:r>
               <a:rPr lang="en-US" sz="1200" dirty="0"/>
-              <a:t>Low Pressure Fill</a:t>
+              <a:t>Low Pressure Relief</a:t>
             </a:r>
           </a:p>
         </p:txBody>
@@ -14534,7 +14311,7 @@
         </p:nvSpPr>
         <p:spPr>
           <a:xfrm>
-            <a:off x="1307614" y="2224181"/>
+            <a:off x="1403422" y="2329664"/>
             <a:ext cx="1781692" cy="276999"/>
           </a:xfrm>
           <a:prstGeom prst="rect">
@@ -14570,7 +14347,7 @@
         </p:nvSpPr>
         <p:spPr>
           <a:xfrm>
-            <a:off x="7110674" y="1824554"/>
+            <a:off x="7062156" y="2382975"/>
             <a:ext cx="1781692" cy="276999"/>
           </a:xfrm>
           <a:prstGeom prst="rect">
@@ -14606,7 +14383,7 @@
         </p:nvSpPr>
         <p:spPr>
           <a:xfrm>
-            <a:off x="6027934" y="4828005"/>
+            <a:off x="5992422" y="4872395"/>
             <a:ext cx="1781692" cy="276999"/>
           </a:xfrm>
           <a:prstGeom prst="rect">
@@ -14623,7 +14400,1101 @@
             <a:pPr algn="ctr"/>
             <a:r>
               <a:rPr lang="en-US" sz="1200" dirty="0"/>
-              <a:t>?psi</a:t>
+              <a:t>270psi</a:t>
+            </a:r>
+          </a:p>
+        </p:txBody>
+      </p:sp>
+      <p:grpSp>
+        <p:nvGrpSpPr>
+          <p:cNvPr id="163" name="Group 162">
+            <a:extLst>
+              <a:ext uri="{FF2B5EF4-FFF2-40B4-BE49-F238E27FC236}">
+                <a16:creationId xmlns:a16="http://schemas.microsoft.com/office/drawing/2014/main" id="{FDA7406D-EDD4-4B35-8C27-F7F8497E27D1}"/>
+              </a:ext>
+            </a:extLst>
+          </p:cNvPr>
+          <p:cNvGrpSpPr/>
+          <p:nvPr/>
+        </p:nvGrpSpPr>
+        <p:grpSpPr>
+          <a:xfrm rot="10800000">
+            <a:off x="1656556" y="1302687"/>
+            <a:ext cx="422807" cy="306391"/>
+            <a:chOff x="3677230" y="5903650"/>
+            <a:chExt cx="1261836" cy="914400"/>
+          </a:xfrm>
+        </p:grpSpPr>
+        <p:sp>
+          <p:nvSpPr>
+            <p:cNvPr id="164" name="Oval 163">
+              <a:extLst>
+                <a:ext uri="{FF2B5EF4-FFF2-40B4-BE49-F238E27FC236}">
+                  <a16:creationId xmlns:a16="http://schemas.microsoft.com/office/drawing/2014/main" id="{6F14AAFE-B261-4027-915C-5E7E7018B53F}"/>
+                </a:ext>
+              </a:extLst>
+            </p:cNvPr>
+            <p:cNvSpPr/>
+            <p:nvPr/>
+          </p:nvSpPr>
+          <p:spPr>
+            <a:xfrm rot="10800000">
+              <a:off x="4024666" y="5903650"/>
+              <a:ext cx="914400" cy="914400"/>
+            </a:xfrm>
+            <a:prstGeom prst="ellipse">
+              <a:avLst/>
+            </a:prstGeom>
+            <a:noFill/>
+            <a:ln>
+              <a:solidFill>
+                <a:schemeClr val="tx1"/>
+              </a:solidFill>
+            </a:ln>
+          </p:spPr>
+          <p:style>
+            <a:lnRef idx="2">
+              <a:schemeClr val="accent1">
+                <a:shade val="50000"/>
+              </a:schemeClr>
+            </a:lnRef>
+            <a:fillRef idx="1">
+              <a:schemeClr val="accent1"/>
+            </a:fillRef>
+            <a:effectRef idx="0">
+              <a:schemeClr val="accent1"/>
+            </a:effectRef>
+            <a:fontRef idx="minor">
+              <a:schemeClr val="lt1"/>
+            </a:fontRef>
+          </p:style>
+          <p:txBody>
+            <a:bodyPr rtlCol="0" anchor="ctr"/>
+            <a:lstStyle/>
+            <a:p>
+              <a:pPr algn="ctr"/>
+              <a:r>
+                <a:rPr lang="en-US" dirty="0"/>
+                <a:t>P</a:t>
+              </a:r>
+            </a:p>
+          </p:txBody>
+        </p:sp>
+        <p:cxnSp>
+          <p:nvCxnSpPr>
+            <p:cNvPr id="166" name="Straight Connector 165">
+              <a:extLst>
+                <a:ext uri="{FF2B5EF4-FFF2-40B4-BE49-F238E27FC236}">
+                  <a16:creationId xmlns:a16="http://schemas.microsoft.com/office/drawing/2014/main" id="{44CE7D57-9FA5-4A0E-B8B5-F7A3464DC0B2}"/>
+                </a:ext>
+              </a:extLst>
+            </p:cNvPr>
+            <p:cNvCxnSpPr>
+              <a:cxnSpLocks/>
+            </p:cNvCxnSpPr>
+            <p:nvPr/>
+          </p:nvCxnSpPr>
+          <p:spPr>
+            <a:xfrm rot="10800000" flipH="1">
+              <a:off x="3677230" y="6330070"/>
+              <a:ext cx="350073" cy="0"/>
+            </a:xfrm>
+            <a:prstGeom prst="line">
+              <a:avLst/>
+            </a:prstGeom>
+            <a:ln>
+              <a:solidFill>
+                <a:schemeClr val="tx1"/>
+              </a:solidFill>
+            </a:ln>
+          </p:spPr>
+          <p:style>
+            <a:lnRef idx="1">
+              <a:schemeClr val="accent1"/>
+            </a:lnRef>
+            <a:fillRef idx="0">
+              <a:schemeClr val="accent1"/>
+            </a:fillRef>
+            <a:effectRef idx="0">
+              <a:schemeClr val="accent1"/>
+            </a:effectRef>
+            <a:fontRef idx="minor">
+              <a:schemeClr val="tx1"/>
+            </a:fontRef>
+          </p:style>
+        </p:cxnSp>
+      </p:grpSp>
+      <p:grpSp>
+        <p:nvGrpSpPr>
+          <p:cNvPr id="175" name="Group 174">
+            <a:extLst>
+              <a:ext uri="{FF2B5EF4-FFF2-40B4-BE49-F238E27FC236}">
+                <a16:creationId xmlns:a16="http://schemas.microsoft.com/office/drawing/2014/main" id="{2C773926-1D3B-4D35-82F4-C74CE1B24995}"/>
+              </a:ext>
+            </a:extLst>
+          </p:cNvPr>
+          <p:cNvGrpSpPr/>
+          <p:nvPr/>
+        </p:nvGrpSpPr>
+        <p:grpSpPr>
+          <a:xfrm rot="10800000">
+            <a:off x="1835911" y="1604313"/>
+            <a:ext cx="422807" cy="306391"/>
+            <a:chOff x="3677230" y="5903650"/>
+            <a:chExt cx="1261836" cy="914400"/>
+          </a:xfrm>
+        </p:grpSpPr>
+        <p:sp>
+          <p:nvSpPr>
+            <p:cNvPr id="176" name="Oval 175">
+              <a:extLst>
+                <a:ext uri="{FF2B5EF4-FFF2-40B4-BE49-F238E27FC236}">
+                  <a16:creationId xmlns:a16="http://schemas.microsoft.com/office/drawing/2014/main" id="{6EF046DB-DAD2-480B-B0D8-F75D9F560E9E}"/>
+                </a:ext>
+              </a:extLst>
+            </p:cNvPr>
+            <p:cNvSpPr/>
+            <p:nvPr/>
+          </p:nvSpPr>
+          <p:spPr>
+            <a:xfrm rot="10800000">
+              <a:off x="4024666" y="5903650"/>
+              <a:ext cx="914400" cy="914400"/>
+            </a:xfrm>
+            <a:prstGeom prst="ellipse">
+              <a:avLst/>
+            </a:prstGeom>
+            <a:noFill/>
+            <a:ln>
+              <a:solidFill>
+                <a:schemeClr val="tx1"/>
+              </a:solidFill>
+            </a:ln>
+          </p:spPr>
+          <p:style>
+            <a:lnRef idx="2">
+              <a:schemeClr val="accent1">
+                <a:shade val="50000"/>
+              </a:schemeClr>
+            </a:lnRef>
+            <a:fillRef idx="1">
+              <a:schemeClr val="accent1"/>
+            </a:fillRef>
+            <a:effectRef idx="0">
+              <a:schemeClr val="accent1"/>
+            </a:effectRef>
+            <a:fontRef idx="minor">
+              <a:schemeClr val="lt1"/>
+            </a:fontRef>
+          </p:style>
+          <p:txBody>
+            <a:bodyPr rtlCol="0" anchor="ctr"/>
+            <a:lstStyle/>
+            <a:p>
+              <a:pPr algn="ctr"/>
+              <a:r>
+                <a:rPr lang="en-US" dirty="0"/>
+                <a:t>T</a:t>
+              </a:r>
+            </a:p>
+          </p:txBody>
+        </p:sp>
+        <p:cxnSp>
+          <p:nvCxnSpPr>
+            <p:cNvPr id="177" name="Straight Connector 176">
+              <a:extLst>
+                <a:ext uri="{FF2B5EF4-FFF2-40B4-BE49-F238E27FC236}">
+                  <a16:creationId xmlns:a16="http://schemas.microsoft.com/office/drawing/2014/main" id="{3525645D-9877-49AE-8C64-D5A101F3D535}"/>
+                </a:ext>
+              </a:extLst>
+            </p:cNvPr>
+            <p:cNvCxnSpPr>
+              <a:cxnSpLocks/>
+            </p:cNvCxnSpPr>
+            <p:nvPr/>
+          </p:nvCxnSpPr>
+          <p:spPr>
+            <a:xfrm rot="10800000" flipH="1">
+              <a:off x="3677230" y="6330070"/>
+              <a:ext cx="350073" cy="0"/>
+            </a:xfrm>
+            <a:prstGeom prst="line">
+              <a:avLst/>
+            </a:prstGeom>
+            <a:ln>
+              <a:solidFill>
+                <a:schemeClr val="tx1"/>
+              </a:solidFill>
+            </a:ln>
+          </p:spPr>
+          <p:style>
+            <a:lnRef idx="1">
+              <a:schemeClr val="accent1"/>
+            </a:lnRef>
+            <a:fillRef idx="0">
+              <a:schemeClr val="accent1"/>
+            </a:fillRef>
+            <a:effectRef idx="0">
+              <a:schemeClr val="accent1"/>
+            </a:effectRef>
+            <a:fontRef idx="minor">
+              <a:schemeClr val="tx1"/>
+            </a:fontRef>
+          </p:style>
+        </p:cxnSp>
+      </p:grpSp>
+      <p:grpSp>
+        <p:nvGrpSpPr>
+          <p:cNvPr id="26" name="Group 25">
+            <a:extLst>
+              <a:ext uri="{FF2B5EF4-FFF2-40B4-BE49-F238E27FC236}">
+                <a16:creationId xmlns:a16="http://schemas.microsoft.com/office/drawing/2014/main" id="{9F0551B7-D624-46A0-A828-6F33A840A2B1}"/>
+              </a:ext>
+            </a:extLst>
+          </p:cNvPr>
+          <p:cNvGrpSpPr/>
+          <p:nvPr/>
+        </p:nvGrpSpPr>
+        <p:grpSpPr>
+          <a:xfrm>
+            <a:off x="8698705" y="3640882"/>
+            <a:ext cx="306392" cy="445438"/>
+            <a:chOff x="-944436" y="1660040"/>
+            <a:chExt cx="773087" cy="1123927"/>
+          </a:xfrm>
+        </p:grpSpPr>
+        <p:sp>
+          <p:nvSpPr>
+            <p:cNvPr id="193" name="Oval 192">
+              <a:extLst>
+                <a:ext uri="{FF2B5EF4-FFF2-40B4-BE49-F238E27FC236}">
+                  <a16:creationId xmlns:a16="http://schemas.microsoft.com/office/drawing/2014/main" id="{39AA2AE1-D87D-4C4E-83F8-40FE461289B9}"/>
+                </a:ext>
+              </a:extLst>
+            </p:cNvPr>
+            <p:cNvSpPr/>
+            <p:nvPr/>
+          </p:nvSpPr>
+          <p:spPr>
+            <a:xfrm>
+              <a:off x="-944436" y="1660040"/>
+              <a:ext cx="773087" cy="773088"/>
+            </a:xfrm>
+            <a:prstGeom prst="ellipse">
+              <a:avLst/>
+            </a:prstGeom>
+            <a:noFill/>
+            <a:ln>
+              <a:solidFill>
+                <a:schemeClr val="tx1"/>
+              </a:solidFill>
+            </a:ln>
+          </p:spPr>
+          <p:style>
+            <a:lnRef idx="2">
+              <a:schemeClr val="accent1">
+                <a:shade val="50000"/>
+              </a:schemeClr>
+            </a:lnRef>
+            <a:fillRef idx="1">
+              <a:schemeClr val="accent1"/>
+            </a:fillRef>
+            <a:effectRef idx="0">
+              <a:schemeClr val="accent1"/>
+            </a:effectRef>
+            <a:fontRef idx="minor">
+              <a:schemeClr val="lt1"/>
+            </a:fontRef>
+          </p:style>
+          <p:txBody>
+            <a:bodyPr rtlCol="0" anchor="ctr"/>
+            <a:lstStyle/>
+            <a:p>
+              <a:pPr algn="ctr"/>
+              <a:r>
+                <a:rPr lang="en-US" dirty="0"/>
+                <a:t>T</a:t>
+              </a:r>
+            </a:p>
+          </p:txBody>
+        </p:sp>
+        <p:cxnSp>
+          <p:nvCxnSpPr>
+            <p:cNvPr id="25" name="Straight Connector 24">
+              <a:extLst>
+                <a:ext uri="{FF2B5EF4-FFF2-40B4-BE49-F238E27FC236}">
+                  <a16:creationId xmlns:a16="http://schemas.microsoft.com/office/drawing/2014/main" id="{FD84DA6C-4D77-4998-8B5F-2254270B7128}"/>
+                </a:ext>
+              </a:extLst>
+            </p:cNvPr>
+            <p:cNvCxnSpPr>
+              <a:stCxn id="193" idx="4"/>
+            </p:cNvCxnSpPr>
+            <p:nvPr/>
+          </p:nvCxnSpPr>
+          <p:spPr>
+            <a:xfrm flipH="1">
+              <a:off x="-557893" y="2433128"/>
+              <a:ext cx="1" cy="350839"/>
+            </a:xfrm>
+            <a:prstGeom prst="line">
+              <a:avLst/>
+            </a:prstGeom>
+            <a:ln>
+              <a:solidFill>
+                <a:schemeClr val="tx1"/>
+              </a:solidFill>
+            </a:ln>
+          </p:spPr>
+          <p:style>
+            <a:lnRef idx="1">
+              <a:schemeClr val="accent1"/>
+            </a:lnRef>
+            <a:fillRef idx="0">
+              <a:schemeClr val="accent1"/>
+            </a:fillRef>
+            <a:effectRef idx="0">
+              <a:schemeClr val="accent1"/>
+            </a:effectRef>
+            <a:fontRef idx="minor">
+              <a:schemeClr val="tx1"/>
+            </a:fontRef>
+          </p:style>
+        </p:cxnSp>
+      </p:grpSp>
+      <p:grpSp>
+        <p:nvGrpSpPr>
+          <p:cNvPr id="197" name="Group 196">
+            <a:extLst>
+              <a:ext uri="{FF2B5EF4-FFF2-40B4-BE49-F238E27FC236}">
+                <a16:creationId xmlns:a16="http://schemas.microsoft.com/office/drawing/2014/main" id="{0840DD39-D552-4EF8-A8E5-7CAD6DADA788}"/>
+              </a:ext>
+            </a:extLst>
+          </p:cNvPr>
+          <p:cNvGrpSpPr/>
+          <p:nvPr/>
+        </p:nvGrpSpPr>
+        <p:grpSpPr>
+          <a:xfrm>
+            <a:off x="9077935" y="3643438"/>
+            <a:ext cx="306392" cy="445438"/>
+            <a:chOff x="-944436" y="1660040"/>
+            <a:chExt cx="773087" cy="1123927"/>
+          </a:xfrm>
+        </p:grpSpPr>
+        <p:sp>
+          <p:nvSpPr>
+            <p:cNvPr id="205" name="Oval 204">
+              <a:extLst>
+                <a:ext uri="{FF2B5EF4-FFF2-40B4-BE49-F238E27FC236}">
+                  <a16:creationId xmlns:a16="http://schemas.microsoft.com/office/drawing/2014/main" id="{ACA61D8D-69E6-47A7-A19D-53CADF177A65}"/>
+                </a:ext>
+              </a:extLst>
+            </p:cNvPr>
+            <p:cNvSpPr/>
+            <p:nvPr/>
+          </p:nvSpPr>
+          <p:spPr>
+            <a:xfrm>
+              <a:off x="-944436" y="1660040"/>
+              <a:ext cx="773087" cy="773088"/>
+            </a:xfrm>
+            <a:prstGeom prst="ellipse">
+              <a:avLst/>
+            </a:prstGeom>
+            <a:noFill/>
+            <a:ln>
+              <a:solidFill>
+                <a:schemeClr val="tx1"/>
+              </a:solidFill>
+            </a:ln>
+          </p:spPr>
+          <p:style>
+            <a:lnRef idx="2">
+              <a:schemeClr val="accent1">
+                <a:shade val="50000"/>
+              </a:schemeClr>
+            </a:lnRef>
+            <a:fillRef idx="1">
+              <a:schemeClr val="accent1"/>
+            </a:fillRef>
+            <a:effectRef idx="0">
+              <a:schemeClr val="accent1"/>
+            </a:effectRef>
+            <a:fontRef idx="minor">
+              <a:schemeClr val="lt1"/>
+            </a:fontRef>
+          </p:style>
+          <p:txBody>
+            <a:bodyPr rtlCol="0" anchor="ctr"/>
+            <a:lstStyle/>
+            <a:p>
+              <a:pPr algn="ctr"/>
+              <a:r>
+                <a:rPr lang="en-US" dirty="0"/>
+                <a:t>P</a:t>
+              </a:r>
+            </a:p>
+          </p:txBody>
+        </p:sp>
+        <p:cxnSp>
+          <p:nvCxnSpPr>
+            <p:cNvPr id="207" name="Straight Connector 206">
+              <a:extLst>
+                <a:ext uri="{FF2B5EF4-FFF2-40B4-BE49-F238E27FC236}">
+                  <a16:creationId xmlns:a16="http://schemas.microsoft.com/office/drawing/2014/main" id="{AAFD4776-4490-43D1-9AB5-16180A0B9555}"/>
+                </a:ext>
+              </a:extLst>
+            </p:cNvPr>
+            <p:cNvCxnSpPr>
+              <a:stCxn id="205" idx="4"/>
+            </p:cNvCxnSpPr>
+            <p:nvPr/>
+          </p:nvCxnSpPr>
+          <p:spPr>
+            <a:xfrm flipH="1">
+              <a:off x="-557893" y="2433128"/>
+              <a:ext cx="1" cy="350839"/>
+            </a:xfrm>
+            <a:prstGeom prst="line">
+              <a:avLst/>
+            </a:prstGeom>
+            <a:ln>
+              <a:solidFill>
+                <a:schemeClr val="tx1"/>
+              </a:solidFill>
+            </a:ln>
+          </p:spPr>
+          <p:style>
+            <a:lnRef idx="1">
+              <a:schemeClr val="accent1"/>
+            </a:lnRef>
+            <a:fillRef idx="0">
+              <a:schemeClr val="accent1"/>
+            </a:fillRef>
+            <a:effectRef idx="0">
+              <a:schemeClr val="accent1"/>
+            </a:effectRef>
+            <a:fontRef idx="minor">
+              <a:schemeClr val="tx1"/>
+            </a:fontRef>
+          </p:style>
+        </p:cxnSp>
+      </p:grpSp>
+      <p:grpSp>
+        <p:nvGrpSpPr>
+          <p:cNvPr id="208" name="Group 207">
+            <a:extLst>
+              <a:ext uri="{FF2B5EF4-FFF2-40B4-BE49-F238E27FC236}">
+                <a16:creationId xmlns:a16="http://schemas.microsoft.com/office/drawing/2014/main" id="{84160211-781E-47AA-99B8-6C3B2B64F370}"/>
+              </a:ext>
+            </a:extLst>
+          </p:cNvPr>
+          <p:cNvGrpSpPr/>
+          <p:nvPr/>
+        </p:nvGrpSpPr>
+        <p:grpSpPr>
+          <a:xfrm rot="5400000">
+            <a:off x="8441023" y="886628"/>
+            <a:ext cx="575469" cy="572852"/>
+            <a:chOff x="6706267" y="4948765"/>
+            <a:chExt cx="1812921" cy="1804668"/>
+          </a:xfrm>
+        </p:grpSpPr>
+        <p:grpSp>
+          <p:nvGrpSpPr>
+            <p:cNvPr id="210" name="Group 209">
+              <a:extLst>
+                <a:ext uri="{FF2B5EF4-FFF2-40B4-BE49-F238E27FC236}">
+                  <a16:creationId xmlns:a16="http://schemas.microsoft.com/office/drawing/2014/main" id="{6DBB0E89-9A75-487D-9538-BFCEF42F79C6}"/>
+                </a:ext>
+              </a:extLst>
+            </p:cNvPr>
+            <p:cNvGrpSpPr/>
+            <p:nvPr/>
+          </p:nvGrpSpPr>
+          <p:grpSpPr>
+            <a:xfrm>
+              <a:off x="6706267" y="4948765"/>
+              <a:ext cx="1812921" cy="1804668"/>
+              <a:chOff x="7849991" y="2021978"/>
+              <a:chExt cx="1449821" cy="1443221"/>
+            </a:xfrm>
+          </p:grpSpPr>
+          <p:sp>
+            <p:nvSpPr>
+              <p:cNvPr id="221" name="Isosceles Triangle 220">
+                <a:extLst>
+                  <a:ext uri="{FF2B5EF4-FFF2-40B4-BE49-F238E27FC236}">
+                    <a16:creationId xmlns:a16="http://schemas.microsoft.com/office/drawing/2014/main" id="{028B722B-F7D4-473A-AC22-85D38FEC644E}"/>
+                  </a:ext>
+                </a:extLst>
+              </p:cNvPr>
+              <p:cNvSpPr/>
+              <p:nvPr/>
+            </p:nvSpPr>
+            <p:spPr>
+              <a:xfrm rot="5400000">
+                <a:off x="7776839" y="2095130"/>
+                <a:ext cx="1060704" cy="914400"/>
+              </a:xfrm>
+              <a:prstGeom prst="triangle">
+                <a:avLst/>
+              </a:prstGeom>
+              <a:noFill/>
+              <a:ln>
+                <a:solidFill>
+                  <a:schemeClr val="tx1"/>
+                </a:solidFill>
+              </a:ln>
+            </p:spPr>
+            <p:style>
+              <a:lnRef idx="2">
+                <a:schemeClr val="accent1">
+                  <a:shade val="50000"/>
+                </a:schemeClr>
+              </a:lnRef>
+              <a:fillRef idx="1">
+                <a:schemeClr val="accent1"/>
+              </a:fillRef>
+              <a:effectRef idx="0">
+                <a:schemeClr val="accent1"/>
+              </a:effectRef>
+              <a:fontRef idx="minor">
+                <a:schemeClr val="lt1"/>
+              </a:fontRef>
+            </p:style>
+            <p:txBody>
+              <a:bodyPr rtlCol="0" anchor="ctr"/>
+              <a:lstStyle/>
+              <a:p>
+                <a:pPr algn="ctr"/>
+                <a:endParaRPr lang="en-US"/>
+              </a:p>
+            </p:txBody>
+          </p:sp>
+          <p:sp>
+            <p:nvSpPr>
+              <p:cNvPr id="230" name="Isosceles Triangle 229">
+                <a:extLst>
+                  <a:ext uri="{FF2B5EF4-FFF2-40B4-BE49-F238E27FC236}">
+                    <a16:creationId xmlns:a16="http://schemas.microsoft.com/office/drawing/2014/main" id="{3598A042-3FAC-4841-985E-903DEFA693C0}"/>
+                  </a:ext>
+                </a:extLst>
+              </p:cNvPr>
+              <p:cNvSpPr/>
+              <p:nvPr/>
+            </p:nvSpPr>
+            <p:spPr>
+              <a:xfrm>
+                <a:off x="8239107" y="2550801"/>
+                <a:ext cx="1060705" cy="914398"/>
+              </a:xfrm>
+              <a:prstGeom prst="triangle">
+                <a:avLst/>
+              </a:prstGeom>
+              <a:noFill/>
+              <a:ln>
+                <a:solidFill>
+                  <a:schemeClr val="tx1"/>
+                </a:solidFill>
+              </a:ln>
+            </p:spPr>
+            <p:style>
+              <a:lnRef idx="2">
+                <a:schemeClr val="accent1">
+                  <a:shade val="50000"/>
+                </a:schemeClr>
+              </a:lnRef>
+              <a:fillRef idx="1">
+                <a:schemeClr val="accent1"/>
+              </a:fillRef>
+              <a:effectRef idx="0">
+                <a:schemeClr val="accent1"/>
+              </a:effectRef>
+              <a:fontRef idx="minor">
+                <a:schemeClr val="lt1"/>
+              </a:fontRef>
+            </p:style>
+            <p:txBody>
+              <a:bodyPr rtlCol="0" anchor="ctr"/>
+              <a:lstStyle/>
+              <a:p>
+                <a:pPr algn="ctr"/>
+                <a:endParaRPr lang="en-US"/>
+              </a:p>
+            </p:txBody>
+          </p:sp>
+        </p:grpSp>
+        <p:sp>
+          <p:nvSpPr>
+            <p:cNvPr id="216" name="Oval 215">
+              <a:extLst>
+                <a:ext uri="{FF2B5EF4-FFF2-40B4-BE49-F238E27FC236}">
+                  <a16:creationId xmlns:a16="http://schemas.microsoft.com/office/drawing/2014/main" id="{29B6A265-FF73-4728-A789-AFD2B874B72E}"/>
+                </a:ext>
+              </a:extLst>
+            </p:cNvPr>
+            <p:cNvSpPr/>
+            <p:nvPr/>
+          </p:nvSpPr>
+          <p:spPr>
+            <a:xfrm>
+              <a:off x="7392475" y="5154742"/>
+              <a:ext cx="914400" cy="914400"/>
+            </a:xfrm>
+            <a:prstGeom prst="ellipse">
+              <a:avLst/>
+            </a:prstGeom>
+            <a:solidFill>
+              <a:schemeClr val="bg1"/>
+            </a:solidFill>
+            <a:ln>
+              <a:solidFill>
+                <a:schemeClr val="tx1"/>
+              </a:solidFill>
+            </a:ln>
+          </p:spPr>
+          <p:style>
+            <a:lnRef idx="2">
+              <a:schemeClr val="accent1">
+                <a:shade val="50000"/>
+              </a:schemeClr>
+            </a:lnRef>
+            <a:fillRef idx="1">
+              <a:schemeClr val="accent1"/>
+            </a:fillRef>
+            <a:effectRef idx="0">
+              <a:schemeClr val="accent1"/>
+            </a:effectRef>
+            <a:fontRef idx="minor">
+              <a:schemeClr val="lt1"/>
+            </a:fontRef>
+          </p:style>
+          <p:txBody>
+            <a:bodyPr rtlCol="0" anchor="ctr"/>
+            <a:lstStyle/>
+            <a:p>
+              <a:pPr algn="ctr"/>
+              <a:endParaRPr lang="en-US"/>
+            </a:p>
+          </p:txBody>
+        </p:sp>
+      </p:grpSp>
+      <p:grpSp>
+        <p:nvGrpSpPr>
+          <p:cNvPr id="30" name="Group 29">
+            <a:extLst>
+              <a:ext uri="{FF2B5EF4-FFF2-40B4-BE49-F238E27FC236}">
+                <a16:creationId xmlns:a16="http://schemas.microsoft.com/office/drawing/2014/main" id="{25D3AA11-889A-46C6-99C8-04AF0C29BB3A}"/>
+              </a:ext>
+            </a:extLst>
+          </p:cNvPr>
+          <p:cNvGrpSpPr/>
+          <p:nvPr/>
+        </p:nvGrpSpPr>
+        <p:grpSpPr>
+          <a:xfrm flipV="1">
+            <a:off x="8175627" y="1241402"/>
+            <a:ext cx="268085" cy="850530"/>
+            <a:chOff x="8326866" y="2244613"/>
+            <a:chExt cx="268085" cy="850530"/>
+          </a:xfrm>
+        </p:grpSpPr>
+        <p:cxnSp>
+          <p:nvCxnSpPr>
+            <p:cNvPr id="231" name="Straight Connector 230">
+              <a:extLst>
+                <a:ext uri="{FF2B5EF4-FFF2-40B4-BE49-F238E27FC236}">
+                  <a16:creationId xmlns:a16="http://schemas.microsoft.com/office/drawing/2014/main" id="{3FFF759C-4493-45FC-B6A0-127B22DFF489}"/>
+                </a:ext>
+              </a:extLst>
+            </p:cNvPr>
+            <p:cNvCxnSpPr>
+              <a:cxnSpLocks/>
+            </p:cNvCxnSpPr>
+            <p:nvPr/>
+          </p:nvCxnSpPr>
+          <p:spPr>
+            <a:xfrm>
+              <a:off x="8326866" y="2244613"/>
+              <a:ext cx="0" cy="850530"/>
+            </a:xfrm>
+            <a:prstGeom prst="line">
+              <a:avLst/>
+            </a:prstGeom>
+            <a:ln>
+              <a:solidFill>
+                <a:schemeClr val="tx1"/>
+              </a:solidFill>
+            </a:ln>
+          </p:spPr>
+          <p:style>
+            <a:lnRef idx="1">
+              <a:schemeClr val="accent1"/>
+            </a:lnRef>
+            <a:fillRef idx="0">
+              <a:schemeClr val="accent1"/>
+            </a:fillRef>
+            <a:effectRef idx="0">
+              <a:schemeClr val="accent1"/>
+            </a:effectRef>
+            <a:fontRef idx="minor">
+              <a:schemeClr val="tx1"/>
+            </a:fontRef>
+          </p:style>
+        </p:cxnSp>
+        <p:cxnSp>
+          <p:nvCxnSpPr>
+            <p:cNvPr id="232" name="Straight Connector 231">
+              <a:extLst>
+                <a:ext uri="{FF2B5EF4-FFF2-40B4-BE49-F238E27FC236}">
+                  <a16:creationId xmlns:a16="http://schemas.microsoft.com/office/drawing/2014/main" id="{5202BFDC-F55F-4C52-AB8D-5127878744B9}"/>
+                </a:ext>
+              </a:extLst>
+            </p:cNvPr>
+            <p:cNvCxnSpPr>
+              <a:cxnSpLocks/>
+            </p:cNvCxnSpPr>
+            <p:nvPr/>
+          </p:nvCxnSpPr>
+          <p:spPr>
+            <a:xfrm>
+              <a:off x="8326866" y="3087774"/>
+              <a:ext cx="268085" cy="0"/>
+            </a:xfrm>
+            <a:prstGeom prst="line">
+              <a:avLst/>
+            </a:prstGeom>
+            <a:ln>
+              <a:solidFill>
+                <a:schemeClr val="tx1"/>
+              </a:solidFill>
+            </a:ln>
+          </p:spPr>
+          <p:style>
+            <a:lnRef idx="1">
+              <a:schemeClr val="accent1"/>
+            </a:lnRef>
+            <a:fillRef idx="0">
+              <a:schemeClr val="accent1"/>
+            </a:fillRef>
+            <a:effectRef idx="0">
+              <a:schemeClr val="accent1"/>
+            </a:effectRef>
+            <a:fontRef idx="minor">
+              <a:schemeClr val="tx1"/>
+            </a:fontRef>
+          </p:style>
+        </p:cxnSp>
+      </p:grpSp>
+      <p:sp>
+        <p:nvSpPr>
+          <p:cNvPr id="236" name="TextBox 235">
+            <a:extLst>
+              <a:ext uri="{FF2B5EF4-FFF2-40B4-BE49-F238E27FC236}">
+                <a16:creationId xmlns:a16="http://schemas.microsoft.com/office/drawing/2014/main" id="{DEC927A4-14A2-424F-9171-6068065C1FB0}"/>
+              </a:ext>
+            </a:extLst>
+          </p:cNvPr>
+          <p:cNvSpPr txBox="1"/>
+          <p:nvPr/>
+        </p:nvSpPr>
+        <p:spPr>
+          <a:xfrm>
+            <a:off x="8347963" y="578144"/>
+            <a:ext cx="952505" cy="276999"/>
+          </a:xfrm>
+          <a:prstGeom prst="rect">
+            <a:avLst/>
+          </a:prstGeom>
+          <a:noFill/>
+        </p:spPr>
+        <p:txBody>
+          <a:bodyPr wrap="none" rtlCol="0">
+            <a:spAutoFit/>
+          </a:bodyPr>
+          <a:lstStyle/>
+          <a:p>
+            <a:pPr algn="ctr"/>
+            <a:r>
+              <a:rPr lang="en-US" sz="1200" dirty="0"/>
+              <a:t>Safety Relief</a:t>
+            </a:r>
+          </a:p>
+        </p:txBody>
+      </p:sp>
+      <p:grpSp>
+        <p:nvGrpSpPr>
+          <p:cNvPr id="238" name="Group 237">
+            <a:extLst>
+              <a:ext uri="{FF2B5EF4-FFF2-40B4-BE49-F238E27FC236}">
+                <a16:creationId xmlns:a16="http://schemas.microsoft.com/office/drawing/2014/main" id="{F69ED3B2-505E-4A94-804E-0F6BB436D83B}"/>
+              </a:ext>
+            </a:extLst>
+          </p:cNvPr>
+          <p:cNvGrpSpPr/>
+          <p:nvPr/>
+        </p:nvGrpSpPr>
+        <p:grpSpPr>
+          <a:xfrm rot="10800000">
+            <a:off x="7136982" y="5218645"/>
+            <a:ext cx="424044" cy="306397"/>
+            <a:chOff x="4024666" y="5903650"/>
+            <a:chExt cx="1265502" cy="914400"/>
+          </a:xfrm>
+        </p:grpSpPr>
+        <p:sp>
+          <p:nvSpPr>
+            <p:cNvPr id="239" name="Oval 238">
+              <a:extLst>
+                <a:ext uri="{FF2B5EF4-FFF2-40B4-BE49-F238E27FC236}">
+                  <a16:creationId xmlns:a16="http://schemas.microsoft.com/office/drawing/2014/main" id="{C36B4E2B-815F-4F17-8DC8-2432B601012D}"/>
+                </a:ext>
+              </a:extLst>
+            </p:cNvPr>
+            <p:cNvSpPr/>
+            <p:nvPr/>
+          </p:nvSpPr>
+          <p:spPr>
+            <a:xfrm rot="10800000">
+              <a:off x="4024666" y="5903650"/>
+              <a:ext cx="914400" cy="914400"/>
+            </a:xfrm>
+            <a:prstGeom prst="ellipse">
+              <a:avLst/>
+            </a:prstGeom>
+            <a:noFill/>
+            <a:ln>
+              <a:solidFill>
+                <a:schemeClr val="tx1"/>
+              </a:solidFill>
+            </a:ln>
+          </p:spPr>
+          <p:style>
+            <a:lnRef idx="2">
+              <a:schemeClr val="accent1">
+                <a:shade val="50000"/>
+              </a:schemeClr>
+            </a:lnRef>
+            <a:fillRef idx="1">
+              <a:schemeClr val="accent1"/>
+            </a:fillRef>
+            <a:effectRef idx="0">
+              <a:schemeClr val="accent1"/>
+            </a:effectRef>
+            <a:fontRef idx="minor">
+              <a:schemeClr val="lt1"/>
+            </a:fontRef>
+          </p:style>
+          <p:txBody>
+            <a:bodyPr rtlCol="0" anchor="ctr"/>
+            <a:lstStyle/>
+            <a:p>
+              <a:pPr algn="ctr"/>
+              <a:r>
+                <a:rPr lang="en-US" dirty="0"/>
+                <a:t>P</a:t>
+              </a:r>
+            </a:p>
+          </p:txBody>
+        </p:sp>
+        <p:cxnSp>
+          <p:nvCxnSpPr>
+            <p:cNvPr id="244" name="Straight Connector 243">
+              <a:extLst>
+                <a:ext uri="{FF2B5EF4-FFF2-40B4-BE49-F238E27FC236}">
+                  <a16:creationId xmlns:a16="http://schemas.microsoft.com/office/drawing/2014/main" id="{00361C04-5D9A-46DA-A3BF-C0064BC2CCB1}"/>
+                </a:ext>
+              </a:extLst>
+            </p:cNvPr>
+            <p:cNvCxnSpPr>
+              <a:cxnSpLocks/>
+            </p:cNvCxnSpPr>
+            <p:nvPr/>
+          </p:nvCxnSpPr>
+          <p:spPr>
+            <a:xfrm rot="10800000" flipH="1">
+              <a:off x="4940095" y="6355392"/>
+              <a:ext cx="350073" cy="0"/>
+            </a:xfrm>
+            <a:prstGeom prst="line">
+              <a:avLst/>
+            </a:prstGeom>
+            <a:ln>
+              <a:solidFill>
+                <a:schemeClr val="tx1"/>
+              </a:solidFill>
+            </a:ln>
+          </p:spPr>
+          <p:style>
+            <a:lnRef idx="1">
+              <a:schemeClr val="accent1"/>
+            </a:lnRef>
+            <a:fillRef idx="0">
+              <a:schemeClr val="accent1"/>
+            </a:fillRef>
+            <a:effectRef idx="0">
+              <a:schemeClr val="accent1"/>
+            </a:effectRef>
+            <a:fontRef idx="minor">
+              <a:schemeClr val="tx1"/>
+            </a:fontRef>
+          </p:style>
+        </p:cxnSp>
+      </p:grpSp>
+      <p:sp>
+        <p:nvSpPr>
+          <p:cNvPr id="245" name="TextBox 244">
+            <a:extLst>
+              <a:ext uri="{FF2B5EF4-FFF2-40B4-BE49-F238E27FC236}">
+                <a16:creationId xmlns:a16="http://schemas.microsoft.com/office/drawing/2014/main" id="{5C4E82E7-8604-46EC-8281-C02EBC2C929A}"/>
+              </a:ext>
+            </a:extLst>
+          </p:cNvPr>
+          <p:cNvSpPr txBox="1"/>
+          <p:nvPr/>
+        </p:nvSpPr>
+        <p:spPr>
+          <a:xfrm>
+            <a:off x="7457117" y="4076127"/>
+            <a:ext cx="1781692" cy="276999"/>
+          </a:xfrm>
+          <a:prstGeom prst="rect">
+            <a:avLst/>
+          </a:prstGeom>
+          <a:noFill/>
+        </p:spPr>
+        <p:txBody>
+          <a:bodyPr wrap="square" rtlCol="0">
+            <a:spAutoFit/>
+          </a:bodyPr>
+          <a:lstStyle/>
+          <a:p>
+            <a:pPr algn="ctr"/>
+            <a:r>
+              <a:rPr lang="en-US" sz="1200" dirty="0"/>
+              <a:t>270psi</a:t>
+            </a:r>
+          </a:p>
+        </p:txBody>
+      </p:sp>
+      <p:cxnSp>
+        <p:nvCxnSpPr>
+          <p:cNvPr id="11" name="Straight Connector 10">
+            <a:extLst>
+              <a:ext uri="{FF2B5EF4-FFF2-40B4-BE49-F238E27FC236}">
+                <a16:creationId xmlns:a16="http://schemas.microsoft.com/office/drawing/2014/main" id="{AD0756DF-49A2-415E-98FB-CAEEA84CCEE3}"/>
+              </a:ext>
+            </a:extLst>
+          </p:cNvPr>
+          <p:cNvCxnSpPr/>
+          <p:nvPr/>
+        </p:nvCxnSpPr>
+        <p:spPr>
+          <a:xfrm>
+            <a:off x="4219435" y="5322292"/>
+            <a:ext cx="0" cy="481062"/>
+          </a:xfrm>
+          <a:prstGeom prst="line">
+            <a:avLst/>
+          </a:prstGeom>
+          <a:ln w="57150">
+            <a:solidFill>
+              <a:schemeClr val="tx1"/>
+            </a:solidFill>
+          </a:ln>
+        </p:spPr>
+        <p:style>
+          <a:lnRef idx="1">
+            <a:schemeClr val="accent1"/>
+          </a:lnRef>
+          <a:fillRef idx="0">
+            <a:schemeClr val="accent1"/>
+          </a:fillRef>
+          <a:effectRef idx="0">
+            <a:schemeClr val="accent1"/>
+          </a:effectRef>
+          <a:fontRef idx="minor">
+            <a:schemeClr val="tx1"/>
+          </a:fontRef>
+        </p:style>
+      </p:cxnSp>
+      <p:cxnSp>
+        <p:nvCxnSpPr>
+          <p:cNvPr id="17" name="Straight Connector 16">
+            <a:extLst>
+              <a:ext uri="{FF2B5EF4-FFF2-40B4-BE49-F238E27FC236}">
+                <a16:creationId xmlns:a16="http://schemas.microsoft.com/office/drawing/2014/main" id="{D564AD5D-1719-4058-ACA3-FAFA8562C41E}"/>
+              </a:ext>
+            </a:extLst>
+          </p:cNvPr>
+          <p:cNvCxnSpPr>
+            <a:endCxn id="147" idx="3"/>
+          </p:cNvCxnSpPr>
+          <p:nvPr/>
+        </p:nvCxnSpPr>
+        <p:spPr>
+          <a:xfrm>
+            <a:off x="4219435" y="5803354"/>
+            <a:ext cx="900399" cy="0"/>
+          </a:xfrm>
+          <a:prstGeom prst="line">
+            <a:avLst/>
+          </a:prstGeom>
+          <a:ln w="57150">
+            <a:solidFill>
+              <a:schemeClr val="tx1"/>
+            </a:solidFill>
+          </a:ln>
+        </p:spPr>
+        <p:style>
+          <a:lnRef idx="1">
+            <a:schemeClr val="accent1"/>
+          </a:lnRef>
+          <a:fillRef idx="0">
+            <a:schemeClr val="accent1"/>
+          </a:fillRef>
+          <a:effectRef idx="0">
+            <a:schemeClr val="accent1"/>
+          </a:effectRef>
+          <a:fontRef idx="minor">
+            <a:schemeClr val="tx1"/>
+          </a:fontRef>
+        </p:style>
+      </p:cxnSp>
+      <p:sp>
+        <p:nvSpPr>
+          <p:cNvPr id="195" name="TextBox 194">
+            <a:extLst>
+              <a:ext uri="{FF2B5EF4-FFF2-40B4-BE49-F238E27FC236}">
+                <a16:creationId xmlns:a16="http://schemas.microsoft.com/office/drawing/2014/main" id="{875DC460-08D5-4370-9CCF-FD6F611B6025}"/>
+              </a:ext>
+            </a:extLst>
+          </p:cNvPr>
+          <p:cNvSpPr txBox="1"/>
+          <p:nvPr/>
+        </p:nvSpPr>
+        <p:spPr>
+          <a:xfrm>
+            <a:off x="4228880" y="6027371"/>
+            <a:ext cx="2535643" cy="276999"/>
+          </a:xfrm>
+          <a:prstGeom prst="rect">
+            <a:avLst/>
+          </a:prstGeom>
+          <a:noFill/>
+        </p:spPr>
+        <p:txBody>
+          <a:bodyPr wrap="square" rtlCol="0">
+            <a:spAutoFit/>
+          </a:bodyPr>
+          <a:lstStyle/>
+          <a:p>
+            <a:pPr algn="ctr"/>
+            <a:r>
+              <a:rPr lang="en-US" sz="1200" dirty="0"/>
+              <a:t>Pilot Pressure Reg.</a:t>
             </a:r>
           </a:p>
         </p:txBody>
@@ -14631,7 +15502,7 @@
     </p:spTree>
     <p:extLst>
       <p:ext uri="{BB962C8B-B14F-4D97-AF65-F5344CB8AC3E}">
-        <p14:creationId xmlns:p14="http://schemas.microsoft.com/office/powerpoint/2010/main" val="2054263699"/>
+        <p14:creationId xmlns:p14="http://schemas.microsoft.com/office/powerpoint/2010/main" val="3257462193"/>
       </p:ext>
     </p:extLst>
   </p:cSld>

--- a/Presentations/CDR_Prop.pptx
+++ b/Presentations/CDR_Prop.pptx
@@ -5,7 +5,7 @@
     <p:sldMasterId id="2147483660" r:id="rId1"/>
   </p:sldMasterIdLst>
   <p:notesMasterIdLst>
-    <p:notesMasterId r:id="rId19"/>
+    <p:notesMasterId r:id="rId20"/>
   </p:notesMasterIdLst>
   <p:sldIdLst>
     <p:sldId id="256" r:id="rId2"/>
@@ -19,12 +19,13 @@
     <p:sldId id="266" r:id="rId10"/>
     <p:sldId id="267" r:id="rId11"/>
     <p:sldId id="269" r:id="rId12"/>
-    <p:sldId id="270" r:id="rId13"/>
-    <p:sldId id="272" r:id="rId14"/>
-    <p:sldId id="271" r:id="rId15"/>
-    <p:sldId id="273" r:id="rId16"/>
-    <p:sldId id="274" r:id="rId17"/>
-    <p:sldId id="276" r:id="rId18"/>
+    <p:sldId id="277" r:id="rId13"/>
+    <p:sldId id="270" r:id="rId14"/>
+    <p:sldId id="272" r:id="rId15"/>
+    <p:sldId id="271" r:id="rId16"/>
+    <p:sldId id="273" r:id="rId17"/>
+    <p:sldId id="274" r:id="rId18"/>
+    <p:sldId id="276" r:id="rId19"/>
   </p:sldIdLst>
   <p:sldSz cx="12192000" cy="6858000"/>
   <p:notesSz cx="6858000" cy="9144000"/>
@@ -213,7 +214,7 @@
           <a:p>
             <a:fld id="{DAF95EE5-D59C-41F0-A09C-6C55121059BD}" type="datetimeFigureOut">
               <a:rPr lang="en-US" smtClean="0"/>
-              <a:t>10/22/2019</a:t>
+              <a:t>10/23/2019</a:t>
             </a:fld>
             <a:endParaRPr lang="en-US"/>
           </a:p>
@@ -568,7 +569,7 @@
           <a:p>
             <a:fld id="{48C3B1C2-1956-4499-AC70-BCE365EAD749}" type="slidenum">
               <a:rPr lang="en-US" smtClean="0"/>
-              <a:t>14</a:t>
+              <a:t>15</a:t>
             </a:fld>
             <a:endParaRPr lang="en-US"/>
           </a:p>
@@ -655,7 +656,7 @@
           <a:p>
             <a:fld id="{48C3B1C2-1956-4499-AC70-BCE365EAD749}" type="slidenum">
               <a:rPr lang="en-US" smtClean="0"/>
-              <a:t>15</a:t>
+              <a:t>16</a:t>
             </a:fld>
             <a:endParaRPr lang="en-US"/>
           </a:p>
@@ -742,7 +743,7 @@
           <a:p>
             <a:fld id="{48C3B1C2-1956-4499-AC70-BCE365EAD749}" type="slidenum">
               <a:rPr lang="en-US" smtClean="0"/>
-              <a:t>16</a:t>
+              <a:t>17</a:t>
             </a:fld>
             <a:endParaRPr lang="en-US"/>
           </a:p>
@@ -892,7 +893,7 @@
           <a:p>
             <a:fld id="{AACD0CED-D901-47D3-A8C5-214804B68CB7}" type="datetimeFigureOut">
               <a:rPr lang="en-US" smtClean="0"/>
-              <a:t>10/22/2019</a:t>
+              <a:t>10/23/2019</a:t>
             </a:fld>
             <a:endParaRPr lang="en-US"/>
           </a:p>
@@ -1062,7 +1063,7 @@
           <a:p>
             <a:fld id="{AACD0CED-D901-47D3-A8C5-214804B68CB7}" type="datetimeFigureOut">
               <a:rPr lang="en-US" smtClean="0"/>
-              <a:t>10/22/2019</a:t>
+              <a:t>10/23/2019</a:t>
             </a:fld>
             <a:endParaRPr lang="en-US"/>
           </a:p>
@@ -1242,7 +1243,7 @@
           <a:p>
             <a:fld id="{AACD0CED-D901-47D3-A8C5-214804B68CB7}" type="datetimeFigureOut">
               <a:rPr lang="en-US" smtClean="0"/>
-              <a:t>10/22/2019</a:t>
+              <a:t>10/23/2019</a:t>
             </a:fld>
             <a:endParaRPr lang="en-US"/>
           </a:p>
@@ -1412,7 +1413,7 @@
           <a:p>
             <a:fld id="{AACD0CED-D901-47D3-A8C5-214804B68CB7}" type="datetimeFigureOut">
               <a:rPr lang="en-US" smtClean="0"/>
-              <a:t>10/22/2019</a:t>
+              <a:t>10/23/2019</a:t>
             </a:fld>
             <a:endParaRPr lang="en-US"/>
           </a:p>
@@ -1658,7 +1659,7 @@
           <a:p>
             <a:fld id="{AACD0CED-D901-47D3-A8C5-214804B68CB7}" type="datetimeFigureOut">
               <a:rPr lang="en-US" smtClean="0"/>
-              <a:t>10/22/2019</a:t>
+              <a:t>10/23/2019</a:t>
             </a:fld>
             <a:endParaRPr lang="en-US"/>
           </a:p>
@@ -1890,7 +1891,7 @@
           <a:p>
             <a:fld id="{AACD0CED-D901-47D3-A8C5-214804B68CB7}" type="datetimeFigureOut">
               <a:rPr lang="en-US" smtClean="0"/>
-              <a:t>10/22/2019</a:t>
+              <a:t>10/23/2019</a:t>
             </a:fld>
             <a:endParaRPr lang="en-US"/>
           </a:p>
@@ -2257,7 +2258,7 @@
           <a:p>
             <a:fld id="{AACD0CED-D901-47D3-A8C5-214804B68CB7}" type="datetimeFigureOut">
               <a:rPr lang="en-US" smtClean="0"/>
-              <a:t>10/22/2019</a:t>
+              <a:t>10/23/2019</a:t>
             </a:fld>
             <a:endParaRPr lang="en-US"/>
           </a:p>
@@ -2375,7 +2376,7 @@
           <a:p>
             <a:fld id="{AACD0CED-D901-47D3-A8C5-214804B68CB7}" type="datetimeFigureOut">
               <a:rPr lang="en-US" smtClean="0"/>
-              <a:t>10/22/2019</a:t>
+              <a:t>10/23/2019</a:t>
             </a:fld>
             <a:endParaRPr lang="en-US"/>
           </a:p>
@@ -2470,7 +2471,7 @@
           <a:p>
             <a:fld id="{AACD0CED-D901-47D3-A8C5-214804B68CB7}" type="datetimeFigureOut">
               <a:rPr lang="en-US" smtClean="0"/>
-              <a:t>10/22/2019</a:t>
+              <a:t>10/23/2019</a:t>
             </a:fld>
             <a:endParaRPr lang="en-US"/>
           </a:p>
@@ -2747,7 +2748,7 @@
           <a:p>
             <a:fld id="{AACD0CED-D901-47D3-A8C5-214804B68CB7}" type="datetimeFigureOut">
               <a:rPr lang="en-US" smtClean="0"/>
-              <a:t>10/22/2019</a:t>
+              <a:t>10/23/2019</a:t>
             </a:fld>
             <a:endParaRPr lang="en-US"/>
           </a:p>
@@ -3004,7 +3005,7 @@
           <a:p>
             <a:fld id="{AACD0CED-D901-47D3-A8C5-214804B68CB7}" type="datetimeFigureOut">
               <a:rPr lang="en-US" smtClean="0"/>
-              <a:t>10/22/2019</a:t>
+              <a:t>10/23/2019</a:t>
             </a:fld>
             <a:endParaRPr lang="en-US"/>
           </a:p>
@@ -3217,7 +3218,7 @@
           <a:p>
             <a:fld id="{AACD0CED-D901-47D3-A8C5-214804B68CB7}" type="datetimeFigureOut">
               <a:rPr lang="en-US" smtClean="0"/>
-              <a:t>10/22/2019</a:t>
+              <a:t>10/23/2019</a:t>
             </a:fld>
             <a:endParaRPr lang="en-US"/>
           </a:p>
@@ -3638,7 +3639,12 @@
             <p:ph type="ctrTitle"/>
           </p:nvPr>
         </p:nvSpPr>
-        <p:spPr/>
+        <p:spPr>
+          <a:xfrm>
+            <a:off x="1524000" y="1122363"/>
+            <a:ext cx="9144000" cy="2387600"/>
+          </a:xfrm>
+        </p:spPr>
         <p:txBody>
           <a:bodyPr>
             <a:normAutofit fontScale="90000"/>
@@ -3670,7 +3676,12 @@
             <p:ph type="subTitle" idx="1"/>
           </p:nvPr>
         </p:nvSpPr>
-        <p:spPr/>
+        <p:spPr>
+          <a:xfrm>
+            <a:off x="1524000" y="3602038"/>
+            <a:ext cx="9144000" cy="1655762"/>
+          </a:xfrm>
+        </p:spPr>
         <p:txBody>
           <a:bodyPr/>
           <a:lstStyle/>
@@ -3919,8 +3930,8 @@
         </p:nvSpPr>
         <p:spPr>
           <a:xfrm>
-            <a:off x="1022781" y="5635268"/>
-            <a:ext cx="10146438" cy="923330"/>
+            <a:off x="6096000" y="5292546"/>
+            <a:ext cx="5888092" cy="1200329"/>
           </a:xfrm>
           <a:prstGeom prst="rect">
             <a:avLst/>
@@ -3952,10 +3963,10 @@
       </p:sp>
       <p:pic>
         <p:nvPicPr>
-          <p:cNvPr id="5" name="Picture 4" descr="A picture containing computer, table, desk, sitting&#10;&#10;Description automatically generated">
+          <p:cNvPr id="6" name="Picture 5" descr="A picture containing lamp, light&#10;&#10;Description automatically generated">
             <a:extLst>
               <a:ext uri="{FF2B5EF4-FFF2-40B4-BE49-F238E27FC236}">
-                <a16:creationId xmlns:a16="http://schemas.microsoft.com/office/drawing/2014/main" id="{E774D8AE-0D80-466C-BABC-469EF137FAB6}"/>
+                <a16:creationId xmlns:a16="http://schemas.microsoft.com/office/drawing/2014/main" id="{D2AA7603-59BD-42DF-A49A-05B3B10B2C44}"/>
               </a:ext>
             </a:extLst>
           </p:cNvPr>
@@ -3978,8 +3989,8 @@
         </p:blipFill>
         <p:spPr>
           <a:xfrm>
-            <a:off x="2118049" y="1511727"/>
-            <a:ext cx="7685314" cy="3834545"/>
+            <a:off x="0" y="154155"/>
+            <a:ext cx="12733617" cy="5877055"/>
           </a:xfrm>
           <a:prstGeom prst="rect">
             <a:avLst/>
@@ -4000,6 +4011,144 @@
 </file>
 
 <file path=ppt/slides/slide12.xml><?xml version="1.0" encoding="utf-8"?>
+<p:sld xmlns:a="http://schemas.openxmlformats.org/drawingml/2006/main" xmlns:r="http://schemas.openxmlformats.org/officeDocument/2006/relationships" xmlns:p="http://schemas.openxmlformats.org/presentationml/2006/main">
+  <p:cSld>
+    <p:spTree>
+      <p:nvGrpSpPr>
+        <p:cNvPr id="1" name=""/>
+        <p:cNvGrpSpPr/>
+        <p:nvPr/>
+      </p:nvGrpSpPr>
+      <p:grpSpPr>
+        <a:xfrm>
+          <a:off x="0" y="0"/>
+          <a:ext cx="0" cy="0"/>
+          <a:chOff x="0" y="0"/>
+          <a:chExt cx="0" cy="0"/>
+        </a:xfrm>
+      </p:grpSpPr>
+      <p:pic>
+        <p:nvPicPr>
+          <p:cNvPr id="4" name="Picture 3" descr="A picture containing circuit&#10;&#10;Description automatically generated">
+            <a:extLst>
+              <a:ext uri="{FF2B5EF4-FFF2-40B4-BE49-F238E27FC236}">
+                <a16:creationId xmlns:a16="http://schemas.microsoft.com/office/drawing/2014/main" id="{6785E31C-D0E2-406E-99AB-358B442DBC7B}"/>
+              </a:ext>
+            </a:extLst>
+          </p:cNvPr>
+          <p:cNvPicPr>
+            <a:picLocks noChangeAspect="1"/>
+          </p:cNvPicPr>
+          <p:nvPr/>
+        </p:nvPicPr>
+        <p:blipFill>
+          <a:blip r:embed="rId2">
+            <a:extLst>
+              <a:ext uri="{28A0092B-C50C-407E-A947-70E740481C1C}">
+                <a14:useLocalDpi xmlns:a14="http://schemas.microsoft.com/office/drawing/2010/main" val="0"/>
+              </a:ext>
+            </a:extLst>
+          </a:blip>
+          <a:stretch>
+            <a:fillRect/>
+          </a:stretch>
+        </p:blipFill>
+        <p:spPr>
+          <a:xfrm>
+            <a:off x="-1725814" y="1031032"/>
+            <a:ext cx="10391191" cy="4795935"/>
+          </a:xfrm>
+          <a:prstGeom prst="rect">
+            <a:avLst/>
+          </a:prstGeom>
+        </p:spPr>
+      </p:pic>
+      <p:pic>
+        <p:nvPicPr>
+          <p:cNvPr id="6" name="Picture 5" descr="A picture containing black, sitting, dark, light&#10;&#10;Description automatically generated">
+            <a:extLst>
+              <a:ext uri="{FF2B5EF4-FFF2-40B4-BE49-F238E27FC236}">
+                <a16:creationId xmlns:a16="http://schemas.microsoft.com/office/drawing/2014/main" id="{2C95B923-118F-4699-8A4C-FC9B1B0C214F}"/>
+              </a:ext>
+            </a:extLst>
+          </p:cNvPr>
+          <p:cNvPicPr>
+            <a:picLocks noChangeAspect="1"/>
+          </p:cNvPicPr>
+          <p:nvPr/>
+        </p:nvPicPr>
+        <p:blipFill>
+          <a:blip r:embed="rId3">
+            <a:extLst>
+              <a:ext uri="{28A0092B-C50C-407E-A947-70E740481C1C}">
+                <a14:useLocalDpi xmlns:a14="http://schemas.microsoft.com/office/drawing/2010/main" val="0"/>
+              </a:ext>
+            </a:extLst>
+          </a:blip>
+          <a:stretch>
+            <a:fillRect/>
+          </a:stretch>
+        </p:blipFill>
+        <p:spPr>
+          <a:xfrm>
+            <a:off x="5439742" y="3428999"/>
+            <a:ext cx="7176798" cy="3312369"/>
+          </a:xfrm>
+          <a:prstGeom prst="rect">
+            <a:avLst/>
+          </a:prstGeom>
+        </p:spPr>
+      </p:pic>
+      <p:pic>
+        <p:nvPicPr>
+          <p:cNvPr id="8" name="Picture 7" descr="A close up of a logo&#10;&#10;Description automatically generated">
+            <a:extLst>
+              <a:ext uri="{FF2B5EF4-FFF2-40B4-BE49-F238E27FC236}">
+                <a16:creationId xmlns:a16="http://schemas.microsoft.com/office/drawing/2014/main" id="{03A47B9E-AA77-4CE1-AB36-595CD0AE8BBB}"/>
+              </a:ext>
+            </a:extLst>
+          </p:cNvPr>
+          <p:cNvPicPr>
+            <a:picLocks noChangeAspect="1"/>
+          </p:cNvPicPr>
+          <p:nvPr/>
+        </p:nvPicPr>
+        <p:blipFill>
+          <a:blip r:embed="rId4">
+            <a:extLst>
+              <a:ext uri="{28A0092B-C50C-407E-A947-70E740481C1C}">
+                <a14:useLocalDpi xmlns:a14="http://schemas.microsoft.com/office/drawing/2010/main" val="0"/>
+              </a:ext>
+            </a:extLst>
+          </a:blip>
+          <a:stretch>
+            <a:fillRect/>
+          </a:stretch>
+        </p:blipFill>
+        <p:spPr>
+          <a:xfrm rot="5400000">
+            <a:off x="5356934" y="-517852"/>
+            <a:ext cx="8238155" cy="3802226"/>
+          </a:xfrm>
+          <a:prstGeom prst="rect">
+            <a:avLst/>
+          </a:prstGeom>
+        </p:spPr>
+      </p:pic>
+    </p:spTree>
+    <p:extLst>
+      <p:ext uri="{BB962C8B-B14F-4D97-AF65-F5344CB8AC3E}">
+        <p14:creationId xmlns:p14="http://schemas.microsoft.com/office/powerpoint/2010/main" val="1911672780"/>
+      </p:ext>
+    </p:extLst>
+  </p:cSld>
+  <p:clrMapOvr>
+    <a:masterClrMapping/>
+  </p:clrMapOvr>
+</p:sld>
+</file>
+
+<file path=ppt/slides/slide13.xml><?xml version="1.0" encoding="utf-8"?>
 <p:sld xmlns:a="http://schemas.openxmlformats.org/drawingml/2006/main" xmlns:r="http://schemas.openxmlformats.org/officeDocument/2006/relationships" xmlns:p="http://schemas.openxmlformats.org/presentationml/2006/main">
   <p:cSld>
     <p:spTree>
@@ -4355,7 +4504,7 @@
 </p:sld>
 </file>
 
-<file path=ppt/slides/slide13.xml><?xml version="1.0" encoding="utf-8"?>
+<file path=ppt/slides/slide14.xml><?xml version="1.0" encoding="utf-8"?>
 <p:sld xmlns:a="http://schemas.openxmlformats.org/drawingml/2006/main" xmlns:r="http://schemas.openxmlformats.org/officeDocument/2006/relationships" xmlns:p="http://schemas.openxmlformats.org/presentationml/2006/main">
   <p:cSld>
     <p:spTree>
@@ -4705,7 +4854,7 @@
 </p:sld>
 </file>
 
-<file path=ppt/slides/slide14.xml><?xml version="1.0" encoding="utf-8"?>
+<file path=ppt/slides/slide15.xml><?xml version="1.0" encoding="utf-8"?>
 <p:sld xmlns:a="http://schemas.openxmlformats.org/drawingml/2006/main" xmlns:r="http://schemas.openxmlformats.org/officeDocument/2006/relationships" xmlns:p="http://schemas.openxmlformats.org/presentationml/2006/main">
   <p:cSld>
     <p:spTree>
@@ -7147,7 +7296,7 @@
 </p:sld>
 </file>
 
-<file path=ppt/slides/slide15.xml><?xml version="1.0" encoding="utf-8"?>
+<file path=ppt/slides/slide16.xml><?xml version="1.0" encoding="utf-8"?>
 <p:sld xmlns:a="http://schemas.openxmlformats.org/drawingml/2006/main" xmlns:r="http://schemas.openxmlformats.org/officeDocument/2006/relationships" xmlns:p="http://schemas.openxmlformats.org/presentationml/2006/main">
   <p:cSld>
     <p:spTree>
@@ -7365,7 +7514,7 @@
 </p:sld>
 </file>
 
-<file path=ppt/slides/slide16.xml><?xml version="1.0" encoding="utf-8"?>
+<file path=ppt/slides/slide17.xml><?xml version="1.0" encoding="utf-8"?>
 <p:sld xmlns:a="http://schemas.openxmlformats.org/drawingml/2006/main" xmlns:r="http://schemas.openxmlformats.org/officeDocument/2006/relationships" xmlns:p="http://schemas.openxmlformats.org/presentationml/2006/main">
   <p:cSld>
     <p:spTree>
@@ -7608,7 +7757,7 @@
 </p:sld>
 </file>
 
-<file path=ppt/slides/slide17.xml><?xml version="1.0" encoding="utf-8"?>
+<file path=ppt/slides/slide18.xml><?xml version="1.0" encoding="utf-8"?>
 <p:sld xmlns:a="http://schemas.openxmlformats.org/drawingml/2006/main" xmlns:r="http://schemas.openxmlformats.org/officeDocument/2006/relationships" xmlns:p="http://schemas.openxmlformats.org/presentationml/2006/main">
   <p:cSld>
     <p:spTree>
@@ -11246,7 +11395,7 @@
             <a:pPr algn="ctr"/>
             <a:r>
               <a:rPr lang="en-US" sz="1200" dirty="0"/>
-              <a:t>TESCOM BB13A(L2?)?B?</a:t>
+              <a:t>TESCOM BB13AL2?B?</a:t>
             </a:r>
           </a:p>
         </p:txBody>
@@ -12552,48 +12701,6 @@
           </a:fontRef>
         </p:style>
       </p:cxnSp>
-      <p:cxnSp>
-        <p:nvCxnSpPr>
-          <p:cNvPr id="199" name="Straight Connector 198">
-            <a:extLst>
-              <a:ext uri="{FF2B5EF4-FFF2-40B4-BE49-F238E27FC236}">
-                <a16:creationId xmlns:a16="http://schemas.microsoft.com/office/drawing/2014/main" id="{DC049295-CBF3-4FDB-843F-CF6CE50C07BB}"/>
-              </a:ext>
-            </a:extLst>
-          </p:cNvPr>
-          <p:cNvCxnSpPr/>
-          <p:nvPr/>
-        </p:nvCxnSpPr>
-        <p:spPr>
-          <a:xfrm flipV="1">
-            <a:off x="6359122" y="2103645"/>
-            <a:ext cx="0" cy="831729"/>
-          </a:xfrm>
-          <a:prstGeom prst="line">
-            <a:avLst/>
-          </a:prstGeom>
-          <a:ln w="57150">
-            <a:solidFill>
-              <a:schemeClr val="tx1"/>
-            </a:solidFill>
-            <a:prstDash val="solid"/>
-          </a:ln>
-        </p:spPr>
-        <p:style>
-          <a:lnRef idx="1">
-            <a:schemeClr val="accent1"/>
-          </a:lnRef>
-          <a:fillRef idx="0">
-            <a:schemeClr val="accent1"/>
-          </a:fillRef>
-          <a:effectRef idx="0">
-            <a:schemeClr val="accent1"/>
-          </a:effectRef>
-          <a:fontRef idx="minor">
-            <a:schemeClr val="tx1"/>
-          </a:fontRef>
-        </p:style>
-      </p:cxnSp>
       <p:grpSp>
         <p:nvGrpSpPr>
           <p:cNvPr id="200" name="Group 199">
@@ -12914,126 +13021,6 @@
               <a:extLst>
                 <a:ext uri="{FF2B5EF4-FFF2-40B4-BE49-F238E27FC236}">
                   <a16:creationId xmlns:a16="http://schemas.microsoft.com/office/drawing/2014/main" id="{3CF2128A-C1F2-4BFE-8844-F889A27C4AF5}"/>
-                </a:ext>
-              </a:extLst>
-            </p:cNvPr>
-            <p:cNvCxnSpPr>
-              <a:cxnSpLocks/>
-            </p:cNvCxnSpPr>
-            <p:nvPr/>
-          </p:nvCxnSpPr>
-          <p:spPr>
-            <a:xfrm>
-              <a:off x="-186431" y="1769771"/>
-              <a:ext cx="1060704" cy="0"/>
-            </a:xfrm>
-            <a:prstGeom prst="line">
-              <a:avLst/>
-            </a:prstGeom>
-            <a:grpFill/>
-            <a:ln>
-              <a:solidFill>
-                <a:schemeClr val="tx1"/>
-              </a:solidFill>
-            </a:ln>
-          </p:spPr>
-          <p:style>
-            <a:lnRef idx="1">
-              <a:schemeClr val="accent1"/>
-            </a:lnRef>
-            <a:fillRef idx="0">
-              <a:schemeClr val="accent1"/>
-            </a:fillRef>
-            <a:effectRef idx="0">
-              <a:schemeClr val="accent1"/>
-            </a:effectRef>
-            <a:fontRef idx="minor">
-              <a:schemeClr val="tx1"/>
-            </a:fontRef>
-          </p:style>
-        </p:cxnSp>
-      </p:grpSp>
-      <p:grpSp>
-        <p:nvGrpSpPr>
-          <p:cNvPr id="213" name="Group 212">
-            <a:extLst>
-              <a:ext uri="{FF2B5EF4-FFF2-40B4-BE49-F238E27FC236}">
-                <a16:creationId xmlns:a16="http://schemas.microsoft.com/office/drawing/2014/main" id="{5B658CA9-3A8D-4952-88D4-17FCDBD94A4F}"/>
-              </a:ext>
-            </a:extLst>
-          </p:cNvPr>
-          <p:cNvGrpSpPr/>
-          <p:nvPr/>
-        </p:nvGrpSpPr>
-        <p:grpSpPr>
-          <a:xfrm>
-            <a:off x="6229494" y="2329164"/>
-            <a:ext cx="243258" cy="214976"/>
-            <a:chOff x="-186431" y="1769771"/>
-            <a:chExt cx="1060704" cy="937382"/>
-          </a:xfrm>
-          <a:solidFill>
-            <a:schemeClr val="bg1"/>
-          </a:solidFill>
-        </p:grpSpPr>
-        <p:sp>
-          <p:nvSpPr>
-            <p:cNvPr id="214" name="Isosceles Triangle 213">
-              <a:extLst>
-                <a:ext uri="{FF2B5EF4-FFF2-40B4-BE49-F238E27FC236}">
-                  <a16:creationId xmlns:a16="http://schemas.microsoft.com/office/drawing/2014/main" id="{84E435D9-38A3-4E3B-9FF1-ADDE75384799}"/>
-                </a:ext>
-              </a:extLst>
-            </p:cNvPr>
-            <p:cNvSpPr/>
-            <p:nvPr/>
-          </p:nvSpPr>
-          <p:spPr>
-            <a:xfrm>
-              <a:off x="-186431" y="1792753"/>
-              <a:ext cx="1060704" cy="914400"/>
-            </a:xfrm>
-            <a:prstGeom prst="triangle">
-              <a:avLst/>
-            </a:prstGeom>
-            <a:grpFill/>
-            <a:ln>
-              <a:solidFill>
-                <a:schemeClr val="tx1"/>
-              </a:solidFill>
-            </a:ln>
-          </p:spPr>
-          <p:style>
-            <a:lnRef idx="2">
-              <a:schemeClr val="accent1">
-                <a:shade val="50000"/>
-              </a:schemeClr>
-            </a:lnRef>
-            <a:fillRef idx="1">
-              <a:schemeClr val="accent1"/>
-            </a:fillRef>
-            <a:effectRef idx="0">
-              <a:schemeClr val="accent1"/>
-            </a:effectRef>
-            <a:fontRef idx="minor">
-              <a:schemeClr val="lt1"/>
-            </a:fontRef>
-          </p:style>
-          <p:txBody>
-            <a:bodyPr rtlCol="0" anchor="ctr"/>
-            <a:lstStyle/>
-            <a:p>
-              <a:pPr algn="ctr"/>
-              <a:endParaRPr lang="en-US"/>
-            </a:p>
-          </p:txBody>
-        </p:sp>
-        <p:cxnSp>
-          <p:nvCxnSpPr>
-            <p:cNvPr id="215" name="Straight Connector 214">
-              <a:extLst>
-                <a:ext uri="{FF2B5EF4-FFF2-40B4-BE49-F238E27FC236}">
-                  <a16:creationId xmlns:a16="http://schemas.microsoft.com/office/drawing/2014/main" id="{D016E8C9-5C21-407F-BE57-9AB4501F67FC}"/>
                 </a:ext>
               </a:extLst>
             </p:cNvPr>
@@ -14239,7 +14226,7 @@
         </p:nvSpPr>
         <p:spPr>
           <a:xfrm>
-            <a:off x="5820945" y="6331987"/>
+            <a:off x="5855739" y="6426879"/>
             <a:ext cx="974167" cy="276999"/>
           </a:xfrm>
           <a:prstGeom prst="rect">
@@ -14347,7 +14334,7 @@
         </p:nvSpPr>
         <p:spPr>
           <a:xfrm>
-            <a:off x="7062156" y="2382975"/>
+            <a:off x="7009305" y="2392501"/>
             <a:ext cx="1781692" cy="276999"/>
           </a:xfrm>
           <a:prstGeom prst="rect">
@@ -14364,7 +14351,7 @@
             <a:pPr algn="ctr"/>
             <a:r>
               <a:rPr lang="en-US" sz="1200" dirty="0"/>
-              <a:t>?psi</a:t>
+              <a:t>~125psi</a:t>
             </a:r>
           </a:p>
         </p:txBody>
@@ -15477,8 +15464,8 @@
         </p:nvSpPr>
         <p:spPr>
           <a:xfrm>
-            <a:off x="4228880" y="6027371"/>
-            <a:ext cx="2535643" cy="276999"/>
+            <a:off x="4301086" y="5973416"/>
+            <a:ext cx="2535643" cy="461665"/>
           </a:xfrm>
           <a:prstGeom prst="rect">
             <a:avLst/>
@@ -15495,6 +15482,13 @@
             <a:r>
               <a:rPr lang="en-US" sz="1200" dirty="0"/>
               <a:t>Pilot Pressure Reg.</a:t>
+            </a:r>
+          </a:p>
+          <a:p>
+            <a:pPr algn="ctr"/>
+            <a:r>
+              <a:rPr lang="en-US" sz="1200" dirty="0"/>
+              <a:t>TESCOM BB13AH1?B?</a:t>
             </a:r>
           </a:p>
         </p:txBody>

--- a/Presentations/CDR_Prop.pptx
+++ b/Presentations/CDR_Prop.pptx
@@ -530,30 +530,26 @@
           <a:bodyPr/>
           <a:lstStyle/>
           <a:p>
-            <a:pPr marL="0" marR="0" lvl="0" indent="0" algn="l" defTabSz="914400" rtl="0" eaLnBrk="1" fontAlgn="auto" latinLnBrk="0" hangingPunct="1">
-              <a:lnSpc>
-                <a:spcPct val="100000"/>
-              </a:lnSpc>
-              <a:spcBef>
-                <a:spcPts val="0"/>
-              </a:spcBef>
-              <a:spcAft>
-                <a:spcPts val="0"/>
-              </a:spcAft>
-              <a:buClrTx/>
-              <a:buSzTx/>
-              <a:buFontTx/>
-              <a:buNone/>
-              <a:tabLst/>
-              <a:defRPr/>
-            </a:pPr>
             <a:r>
               <a:rPr lang="en-US" dirty="0"/>
-              <a:t>Dual-Bell operational advantage, test at 1 atm, system will preform predicable, go straight to test without disassembling the high-pressure system (and draining/refilling the tanks &lt;- takes time (ISOTHERMAL))</a:t>
-            </a:r>
-          </a:p>
-          <a:p>
-            <a:endParaRPr lang="en-US" dirty="0"/>
+              <a:t>To use a lighter, lower </a:t>
+            </a:r>
+            <a:r>
+              <a:rPr lang="en-US" dirty="0" err="1"/>
+              <a:t>Cv</a:t>
+            </a:r>
+            <a:r>
+              <a:rPr lang="en-US" dirty="0"/>
+              <a:t> regulator, we need to increase the thrusting length. A higher </a:t>
+            </a:r>
+            <a:r>
+              <a:rPr lang="en-US" dirty="0" err="1"/>
+              <a:t>C_v</a:t>
+            </a:r>
+            <a:r>
+              <a:rPr lang="en-US" dirty="0"/>
+              <a:t> means a higher nozzle inlet pressure for a given flow rate and thus a smaller throat.</a:t>
+            </a:r>
           </a:p>
         </p:txBody>
       </p:sp>
@@ -574,7 +570,7 @@
           <a:p>
             <a:fld id="{48C3B1C2-1956-4499-AC70-BCE365EAD749}" type="slidenum">
               <a:rPr lang="en-US" smtClean="0"/>
-              <a:t>20</a:t>
+              <a:t>14</a:t>
             </a:fld>
             <a:endParaRPr lang="en-US"/>
           </a:p>
@@ -583,7 +579,7 @@
     </p:spTree>
     <p:extLst>
       <p:ext uri="{BB962C8B-B14F-4D97-AF65-F5344CB8AC3E}">
-        <p14:creationId xmlns:p14="http://schemas.microsoft.com/office/powerpoint/2010/main" val="1771089403"/>
+        <p14:creationId xmlns:p14="http://schemas.microsoft.com/office/powerpoint/2010/main" val="3078911558"/>
       </p:ext>
     </p:extLst>
   </p:cSld>
@@ -637,10 +633,7 @@
           <a:bodyPr/>
           <a:lstStyle/>
           <a:p>
-            <a:r>
-              <a:rPr lang="en-US" dirty="0"/>
-              <a:t>Dual-Bell operational advantage</a:t>
-            </a:r>
+            <a:endParaRPr lang="en-US" dirty="0"/>
           </a:p>
         </p:txBody>
       </p:sp>
@@ -661,6 +654,200 @@
           <a:p>
             <a:fld id="{48C3B1C2-1956-4499-AC70-BCE365EAD749}" type="slidenum">
               <a:rPr lang="en-US" smtClean="0"/>
+              <a:t>18</a:t>
+            </a:fld>
+            <a:endParaRPr lang="en-US"/>
+          </a:p>
+        </p:txBody>
+      </p:sp>
+    </p:spTree>
+    <p:extLst>
+      <p:ext uri="{BB962C8B-B14F-4D97-AF65-F5344CB8AC3E}">
+        <p14:creationId xmlns:p14="http://schemas.microsoft.com/office/powerpoint/2010/main" val="1330723332"/>
+      </p:ext>
+    </p:extLst>
+  </p:cSld>
+  <p:clrMapOvr>
+    <a:masterClrMapping/>
+  </p:clrMapOvr>
+</p:notes>
+</file>
+
+<file path=ppt/notesSlides/notesSlide3.xml><?xml version="1.0" encoding="utf-8"?>
+<p:notes xmlns:a="http://schemas.openxmlformats.org/drawingml/2006/main" xmlns:r="http://schemas.openxmlformats.org/officeDocument/2006/relationships" xmlns:p="http://schemas.openxmlformats.org/presentationml/2006/main">
+  <p:cSld>
+    <p:spTree>
+      <p:nvGrpSpPr>
+        <p:cNvPr id="1" name=""/>
+        <p:cNvGrpSpPr/>
+        <p:nvPr/>
+      </p:nvGrpSpPr>
+      <p:grpSpPr>
+        <a:xfrm>
+          <a:off x="0" y="0"/>
+          <a:ext cx="0" cy="0"/>
+          <a:chOff x="0" y="0"/>
+          <a:chExt cx="0" cy="0"/>
+        </a:xfrm>
+      </p:grpSpPr>
+      <p:sp>
+        <p:nvSpPr>
+          <p:cNvPr id="2" name="Slide Image Placeholder 1"/>
+          <p:cNvSpPr>
+            <a:spLocks noGrp="1" noRot="1" noChangeAspect="1"/>
+          </p:cNvSpPr>
+          <p:nvPr>
+            <p:ph type="sldImg"/>
+          </p:nvPr>
+        </p:nvSpPr>
+        <p:spPr/>
+      </p:sp>
+      <p:sp>
+        <p:nvSpPr>
+          <p:cNvPr id="3" name="Notes Placeholder 2"/>
+          <p:cNvSpPr>
+            <a:spLocks noGrp="1"/>
+          </p:cNvSpPr>
+          <p:nvPr>
+            <p:ph type="body" idx="1"/>
+          </p:nvPr>
+        </p:nvSpPr>
+        <p:spPr/>
+        <p:txBody>
+          <a:bodyPr/>
+          <a:lstStyle/>
+          <a:p>
+            <a:pPr marL="0" marR="0" lvl="0" indent="0" algn="l" defTabSz="914400" rtl="0" eaLnBrk="1" fontAlgn="auto" latinLnBrk="0" hangingPunct="1">
+              <a:lnSpc>
+                <a:spcPct val="100000"/>
+              </a:lnSpc>
+              <a:spcBef>
+                <a:spcPts val="0"/>
+              </a:spcBef>
+              <a:spcAft>
+                <a:spcPts val="0"/>
+              </a:spcAft>
+              <a:buClrTx/>
+              <a:buSzTx/>
+              <a:buFontTx/>
+              <a:buNone/>
+              <a:tabLst/>
+              <a:defRPr/>
+            </a:pPr>
+            <a:r>
+              <a:rPr lang="en-US" dirty="0"/>
+              <a:t>Dual-Bell operational advantage, test at 1 atm, system will preform predicable, go straight to test without disassembling the high-pressure system (and draining/refilling the tanks &lt;- takes time (ISOTHERMAL))</a:t>
+            </a:r>
+          </a:p>
+          <a:p>
+            <a:endParaRPr lang="en-US" dirty="0"/>
+          </a:p>
+        </p:txBody>
+      </p:sp>
+      <p:sp>
+        <p:nvSpPr>
+          <p:cNvPr id="4" name="Slide Number Placeholder 3"/>
+          <p:cNvSpPr>
+            <a:spLocks noGrp="1"/>
+          </p:cNvSpPr>
+          <p:nvPr>
+            <p:ph type="sldNum" sz="quarter" idx="5"/>
+          </p:nvPr>
+        </p:nvSpPr>
+        <p:spPr/>
+        <p:txBody>
+          <a:bodyPr/>
+          <a:lstStyle/>
+          <a:p>
+            <a:fld id="{48C3B1C2-1956-4499-AC70-BCE365EAD749}" type="slidenum">
+              <a:rPr lang="en-US" smtClean="0"/>
+              <a:t>20</a:t>
+            </a:fld>
+            <a:endParaRPr lang="en-US"/>
+          </a:p>
+        </p:txBody>
+      </p:sp>
+    </p:spTree>
+    <p:extLst>
+      <p:ext uri="{BB962C8B-B14F-4D97-AF65-F5344CB8AC3E}">
+        <p14:creationId xmlns:p14="http://schemas.microsoft.com/office/powerpoint/2010/main" val="1771089403"/>
+      </p:ext>
+    </p:extLst>
+  </p:cSld>
+  <p:clrMapOvr>
+    <a:masterClrMapping/>
+  </p:clrMapOvr>
+</p:notes>
+</file>
+
+<file path=ppt/notesSlides/notesSlide4.xml><?xml version="1.0" encoding="utf-8"?>
+<p:notes xmlns:a="http://schemas.openxmlformats.org/drawingml/2006/main" xmlns:r="http://schemas.openxmlformats.org/officeDocument/2006/relationships" xmlns:p="http://schemas.openxmlformats.org/presentationml/2006/main">
+  <p:cSld>
+    <p:spTree>
+      <p:nvGrpSpPr>
+        <p:cNvPr id="1" name=""/>
+        <p:cNvGrpSpPr/>
+        <p:nvPr/>
+      </p:nvGrpSpPr>
+      <p:grpSpPr>
+        <a:xfrm>
+          <a:off x="0" y="0"/>
+          <a:ext cx="0" cy="0"/>
+          <a:chOff x="0" y="0"/>
+          <a:chExt cx="0" cy="0"/>
+        </a:xfrm>
+      </p:grpSpPr>
+      <p:sp>
+        <p:nvSpPr>
+          <p:cNvPr id="2" name="Slide Image Placeholder 1"/>
+          <p:cNvSpPr>
+            <a:spLocks noGrp="1" noRot="1" noChangeAspect="1"/>
+          </p:cNvSpPr>
+          <p:nvPr>
+            <p:ph type="sldImg"/>
+          </p:nvPr>
+        </p:nvSpPr>
+        <p:spPr/>
+      </p:sp>
+      <p:sp>
+        <p:nvSpPr>
+          <p:cNvPr id="3" name="Notes Placeholder 2"/>
+          <p:cNvSpPr>
+            <a:spLocks noGrp="1"/>
+          </p:cNvSpPr>
+          <p:nvPr>
+            <p:ph type="body" idx="1"/>
+          </p:nvPr>
+        </p:nvSpPr>
+        <p:spPr/>
+        <p:txBody>
+          <a:bodyPr/>
+          <a:lstStyle/>
+          <a:p>
+            <a:r>
+              <a:rPr lang="en-US" dirty="0"/>
+              <a:t>Dual-Bell operational advantage</a:t>
+            </a:r>
+          </a:p>
+        </p:txBody>
+      </p:sp>
+      <p:sp>
+        <p:nvSpPr>
+          <p:cNvPr id="4" name="Slide Number Placeholder 3"/>
+          <p:cNvSpPr>
+            <a:spLocks noGrp="1"/>
+          </p:cNvSpPr>
+          <p:nvPr>
+            <p:ph type="sldNum" sz="quarter" idx="5"/>
+          </p:nvPr>
+        </p:nvSpPr>
+        <p:spPr/>
+        <p:txBody>
+          <a:bodyPr/>
+          <a:lstStyle/>
+          <a:p>
+            <a:fld id="{48C3B1C2-1956-4499-AC70-BCE365EAD749}" type="slidenum">
+              <a:rPr lang="en-US" smtClean="0"/>
               <a:t>21</a:t>
             </a:fld>
             <a:endParaRPr lang="en-US"/>
@@ -680,7 +867,7 @@
 </p:notes>
 </file>
 
-<file path=ppt/notesSlides/notesSlide3.xml><?xml version="1.0" encoding="utf-8"?>
+<file path=ppt/notesSlides/notesSlide5.xml><?xml version="1.0" encoding="utf-8"?>
 <p:notes xmlns:a="http://schemas.openxmlformats.org/drawingml/2006/main" xmlns:r="http://schemas.openxmlformats.org/officeDocument/2006/relationships" xmlns:p="http://schemas.openxmlformats.org/presentationml/2006/main">
   <p:cSld>
     <p:spTree>
@@ -4235,42 +4422,6 @@
           <a:chExt cx="0" cy="0"/>
         </a:xfrm>
       </p:grpSpPr>
-      <p:pic>
-        <p:nvPicPr>
-          <p:cNvPr id="4" name="Picture 3" descr="A picture containing sitting, table, remote, computer&#10;&#10;Description automatically generated">
-            <a:extLst>
-              <a:ext uri="{FF2B5EF4-FFF2-40B4-BE49-F238E27FC236}">
-                <a16:creationId xmlns:a16="http://schemas.microsoft.com/office/drawing/2014/main" id="{081C0324-282A-4168-9B57-7F896ED3DB9B}"/>
-              </a:ext>
-            </a:extLst>
-          </p:cNvPr>
-          <p:cNvPicPr>
-            <a:picLocks noChangeAspect="1"/>
-          </p:cNvPicPr>
-          <p:nvPr/>
-        </p:nvPicPr>
-        <p:blipFill>
-          <a:blip r:embed="rId2">
-            <a:extLst>
-              <a:ext uri="{28A0092B-C50C-407E-A947-70E740481C1C}">
-                <a14:useLocalDpi xmlns:a14="http://schemas.microsoft.com/office/drawing/2010/main" val="0"/>
-              </a:ext>
-            </a:extLst>
-          </a:blip>
-          <a:stretch>
-            <a:fillRect/>
-          </a:stretch>
-        </p:blipFill>
-        <p:spPr>
-          <a:xfrm>
-            <a:off x="-2126599" y="1"/>
-            <a:ext cx="14858996" cy="6857999"/>
-          </a:xfrm>
-          <a:prstGeom prst="rect">
-            <a:avLst/>
-          </a:prstGeom>
-        </p:spPr>
-      </p:pic>
       <p:sp>
         <p:nvSpPr>
           <p:cNvPr id="2" name="Title 1">
@@ -4312,6 +4463,42 @@
           </a:p>
         </p:txBody>
       </p:sp>
+      <p:pic>
+        <p:nvPicPr>
+          <p:cNvPr id="5" name="Picture 4" descr="A picture containing table, sitting, photo, computer&#10;&#10;Description automatically generated">
+            <a:extLst>
+              <a:ext uri="{FF2B5EF4-FFF2-40B4-BE49-F238E27FC236}">
+                <a16:creationId xmlns:a16="http://schemas.microsoft.com/office/drawing/2014/main" id="{15D4B734-2A5C-46BF-8083-D17CBB7B22F9}"/>
+              </a:ext>
+            </a:extLst>
+          </p:cNvPr>
+          <p:cNvPicPr>
+            <a:picLocks noChangeAspect="1"/>
+          </p:cNvPicPr>
+          <p:nvPr/>
+        </p:nvPicPr>
+        <p:blipFill>
+          <a:blip r:embed="rId2">
+            <a:extLst>
+              <a:ext uri="{28A0092B-C50C-407E-A947-70E740481C1C}">
+                <a14:useLocalDpi xmlns:a14="http://schemas.microsoft.com/office/drawing/2010/main" val="0"/>
+              </a:ext>
+            </a:extLst>
+          </a:blip>
+          <a:stretch>
+            <a:fillRect/>
+          </a:stretch>
+        </p:blipFill>
+        <p:spPr>
+          <a:xfrm>
+            <a:off x="0" y="0"/>
+            <a:ext cx="12191999" cy="6858000"/>
+          </a:xfrm>
+          <a:prstGeom prst="rect">
+            <a:avLst/>
+          </a:prstGeom>
+        </p:spPr>
+      </p:pic>
     </p:spTree>
     <p:extLst>
       <p:ext uri="{BB962C8B-B14F-4D97-AF65-F5344CB8AC3E}">
@@ -4529,7 +4716,7 @@
         <p:spPr>
           <a:xfrm>
             <a:off x="1207362" y="1524907"/>
-            <a:ext cx="10146438" cy="369332"/>
+            <a:ext cx="10146438" cy="646331"/>
           </a:xfrm>
           <a:prstGeom prst="rect">
             <a:avLst/>
@@ -4570,7 +4757,19 @@
               <a:rPr lang="en-US" dirty="0">
                 <a:latin typeface="BankGothic" panose="02000500000000000000" pitchFamily="2" charset="0"/>
               </a:rPr>
-              <a:t> max v </a:t>
+              <a:t> max v, </a:t>
+            </a:r>
+            <a:r>
+              <a:rPr lang="en-US" dirty="0" err="1">
+                <a:latin typeface="BankGothic" panose="02000500000000000000" pitchFamily="2" charset="0"/>
+              </a:rPr>
+              <a:t>Cv</a:t>
+            </a:r>
+            <a:r>
+              <a:rPr lang="en-US" dirty="0">
+                <a:latin typeface="BankGothic" panose="02000500000000000000" pitchFamily="2" charset="0"/>
+              </a:rPr>
+              <a:t> = 12 Reg (60lb!!!!)…. Maybe Unregulated offers better performance??? </a:t>
             </a:r>
           </a:p>
         </p:txBody>
@@ -4590,7 +4789,7 @@
           <p:nvPr/>
         </p:nvPicPr>
         <p:blipFill>
-          <a:blip r:embed="rId2">
+          <a:blip r:embed="rId3">
             <a:extLst>
               <a:ext uri="{28A0092B-C50C-407E-A947-70E740481C1C}">
                 <a14:useLocalDpi xmlns:a14="http://schemas.microsoft.com/office/drawing/2010/main" val="0"/>
@@ -5284,6 +5483,176 @@
                 <a:latin typeface="BankGothic" panose="02000500000000000000" pitchFamily="2" charset="0"/>
               </a:rPr>
               <a:t>The inert mass (everything except for the tanks and propellent) is probably significantly more than the 322lb assumption, give a 430lb loaded tank system…</a:t>
+            </a:r>
+          </a:p>
+        </p:txBody>
+      </p:sp>
+      <p:sp>
+        <p:nvSpPr>
+          <p:cNvPr id="17" name="TextBox 16">
+            <a:extLst>
+              <a:ext uri="{FF2B5EF4-FFF2-40B4-BE49-F238E27FC236}">
+                <a16:creationId xmlns:a16="http://schemas.microsoft.com/office/drawing/2014/main" id="{D80C5C00-69C8-4420-A50A-5C6670CE39C4}"/>
+              </a:ext>
+            </a:extLst>
+          </p:cNvPr>
+          <p:cNvSpPr txBox="1"/>
+          <p:nvPr/>
+        </p:nvSpPr>
+        <p:spPr>
+          <a:xfrm>
+            <a:off x="9571106" y="3729706"/>
+            <a:ext cx="2047355" cy="369332"/>
+          </a:xfrm>
+          <a:prstGeom prst="rect">
+            <a:avLst/>
+          </a:prstGeom>
+          <a:noFill/>
+        </p:spPr>
+        <p:txBody>
+          <a:bodyPr wrap="none" rtlCol="0">
+            <a:spAutoFit/>
+          </a:bodyPr>
+          <a:lstStyle/>
+          <a:p>
+            <a:r>
+              <a:rPr lang="en-US" dirty="0" err="1">
+                <a:latin typeface="Times New Roman" panose="02020603050405020304" pitchFamily="18" charset="0"/>
+                <a:cs typeface="Times New Roman" panose="02020603050405020304" pitchFamily="18" charset="0"/>
+              </a:rPr>
+              <a:t>p</a:t>
+            </a:r>
+            <a:r>
+              <a:rPr lang="en-US" baseline="-25000" dirty="0" err="1">
+                <a:latin typeface="Times New Roman" panose="02020603050405020304" pitchFamily="18" charset="0"/>
+                <a:cs typeface="Times New Roman" panose="02020603050405020304" pitchFamily="18" charset="0"/>
+              </a:rPr>
+              <a:t>Nozzle_inlet</a:t>
+            </a:r>
+            <a:r>
+              <a:rPr lang="en-US" baseline="-25000" dirty="0">
+                <a:latin typeface="Times New Roman" panose="02020603050405020304" pitchFamily="18" charset="0"/>
+                <a:cs typeface="Times New Roman" panose="02020603050405020304" pitchFamily="18" charset="0"/>
+              </a:rPr>
+              <a:t> </a:t>
+            </a:r>
+            <a:r>
+              <a:rPr lang="en-US" dirty="0">
+                <a:latin typeface="Times New Roman" panose="02020603050405020304" pitchFamily="18" charset="0"/>
+                <a:cs typeface="Times New Roman" panose="02020603050405020304" pitchFamily="18" charset="0"/>
+              </a:rPr>
+              <a:t>= 1496psi</a:t>
+            </a:r>
+          </a:p>
+        </p:txBody>
+      </p:sp>
+      <p:sp>
+        <p:nvSpPr>
+          <p:cNvPr id="18" name="TextBox 17">
+            <a:extLst>
+              <a:ext uri="{FF2B5EF4-FFF2-40B4-BE49-F238E27FC236}">
+                <a16:creationId xmlns:a16="http://schemas.microsoft.com/office/drawing/2014/main" id="{33542651-2308-478C-9808-E672D7135CAD}"/>
+              </a:ext>
+            </a:extLst>
+          </p:cNvPr>
+          <p:cNvSpPr txBox="1"/>
+          <p:nvPr/>
+        </p:nvSpPr>
+        <p:spPr>
+          <a:xfrm>
+            <a:off x="9390397" y="5138477"/>
+            <a:ext cx="2459328" cy="369332"/>
+          </a:xfrm>
+          <a:prstGeom prst="rect">
+            <a:avLst/>
+          </a:prstGeom>
+          <a:noFill/>
+        </p:spPr>
+        <p:txBody>
+          <a:bodyPr wrap="none" rtlCol="0">
+            <a:spAutoFit/>
+          </a:bodyPr>
+          <a:lstStyle/>
+          <a:p>
+            <a:r>
+              <a:rPr lang="en-US" dirty="0">
+                <a:latin typeface="Times New Roman" panose="02020603050405020304" pitchFamily="18" charset="0"/>
+                <a:cs typeface="Times New Roman" panose="02020603050405020304" pitchFamily="18" charset="0"/>
+              </a:rPr>
+              <a:t>Hp-d-</a:t>
+            </a:r>
+            <a:r>
+              <a:rPr lang="en-US" dirty="0" err="1">
+                <a:latin typeface="Times New Roman" panose="02020603050405020304" pitchFamily="18" charset="0"/>
+                <a:cs typeface="Times New Roman" panose="02020603050405020304" pitchFamily="18" charset="0"/>
+              </a:rPr>
+              <a:t>Orifice</a:t>
+            </a:r>
+            <a:r>
+              <a:rPr lang="en-US" baseline="-25000" dirty="0" err="1">
+                <a:latin typeface="Times New Roman" panose="02020603050405020304" pitchFamily="18" charset="0"/>
+                <a:cs typeface="Times New Roman" panose="02020603050405020304" pitchFamily="18" charset="0"/>
+              </a:rPr>
+              <a:t>min</a:t>
+            </a:r>
+            <a:r>
+              <a:rPr lang="en-US" dirty="0">
+                <a:latin typeface="Times New Roman" panose="02020603050405020304" pitchFamily="18" charset="0"/>
+                <a:cs typeface="Times New Roman" panose="02020603050405020304" pitchFamily="18" charset="0"/>
+              </a:rPr>
+              <a:t>= 0.41 in</a:t>
+            </a:r>
+          </a:p>
+        </p:txBody>
+      </p:sp>
+      <p:sp>
+        <p:nvSpPr>
+          <p:cNvPr id="21" name="TextBox 20">
+            <a:extLst>
+              <a:ext uri="{FF2B5EF4-FFF2-40B4-BE49-F238E27FC236}">
+                <a16:creationId xmlns:a16="http://schemas.microsoft.com/office/drawing/2014/main" id="{66DB1CC8-5B43-423A-B8E6-2AF66092074B}"/>
+              </a:ext>
+            </a:extLst>
+          </p:cNvPr>
+          <p:cNvSpPr txBox="1"/>
+          <p:nvPr/>
+        </p:nvSpPr>
+        <p:spPr>
+          <a:xfrm>
+            <a:off x="10047198" y="4191963"/>
+            <a:ext cx="1095172" cy="369332"/>
+          </a:xfrm>
+          <a:prstGeom prst="rect">
+            <a:avLst/>
+          </a:prstGeom>
+          <a:noFill/>
+        </p:spPr>
+        <p:txBody>
+          <a:bodyPr wrap="none" rtlCol="0">
+            <a:spAutoFit/>
+          </a:bodyPr>
+          <a:lstStyle/>
+          <a:p>
+            <a:r>
+              <a:rPr lang="en-US" dirty="0">
+                <a:latin typeface="Times New Roman" panose="02020603050405020304" pitchFamily="18" charset="0"/>
+                <a:cs typeface="Times New Roman" panose="02020603050405020304" pitchFamily="18" charset="0"/>
+              </a:rPr>
+              <a:t>d</a:t>
+            </a:r>
+            <a:r>
+              <a:rPr lang="en-US" baseline="-25000" dirty="0">
+                <a:latin typeface="Times New Roman" panose="02020603050405020304" pitchFamily="18" charset="0"/>
+                <a:cs typeface="Times New Roman" panose="02020603050405020304" pitchFamily="18" charset="0"/>
+              </a:rPr>
+              <a:t>t </a:t>
+            </a:r>
+            <a:r>
+              <a:rPr lang="en-US" dirty="0">
+                <a:latin typeface="Times New Roman" panose="02020603050405020304" pitchFamily="18" charset="0"/>
+                <a:cs typeface="Times New Roman" panose="02020603050405020304" pitchFamily="18" charset="0"/>
+              </a:rPr>
+              <a:t>= 0.7 in</a:t>
             </a:r>
           </a:p>
         </p:txBody>
@@ -5418,42 +5787,6 @@
           <a:chExt cx="0" cy="0"/>
         </a:xfrm>
       </p:grpSpPr>
-      <p:pic>
-        <p:nvPicPr>
-          <p:cNvPr id="5" name="Picture 4" descr="A picture containing sitting, remote, table, light&#10;&#10;Description automatically generated">
-            <a:extLst>
-              <a:ext uri="{FF2B5EF4-FFF2-40B4-BE49-F238E27FC236}">
-                <a16:creationId xmlns:a16="http://schemas.microsoft.com/office/drawing/2014/main" id="{E7E718B7-5A24-4455-9592-0AB356537026}"/>
-              </a:ext>
-            </a:extLst>
-          </p:cNvPr>
-          <p:cNvPicPr>
-            <a:picLocks noChangeAspect="1"/>
-          </p:cNvPicPr>
-          <p:nvPr/>
-        </p:nvPicPr>
-        <p:blipFill>
-          <a:blip r:embed="rId2">
-            <a:extLst>
-              <a:ext uri="{28A0092B-C50C-407E-A947-70E740481C1C}">
-                <a14:useLocalDpi xmlns:a14="http://schemas.microsoft.com/office/drawing/2010/main" val="0"/>
-              </a:ext>
-            </a:extLst>
-          </a:blip>
-          <a:stretch>
-            <a:fillRect/>
-          </a:stretch>
-        </p:blipFill>
-        <p:spPr>
-          <a:xfrm>
-            <a:off x="-2137488" y="1"/>
-            <a:ext cx="14942531" cy="6896554"/>
-          </a:xfrm>
-          <a:prstGeom prst="rect">
-            <a:avLst/>
-          </a:prstGeom>
-        </p:spPr>
-      </p:pic>
       <p:sp>
         <p:nvSpPr>
           <p:cNvPr id="2" name="Title 1">
@@ -5484,6 +5817,42 @@
           </a:p>
         </p:txBody>
       </p:sp>
+      <p:pic>
+        <p:nvPicPr>
+          <p:cNvPr id="4" name="Picture 3" descr="A picture containing sitting, table, remote, black&#10;&#10;Description automatically generated">
+            <a:extLst>
+              <a:ext uri="{FF2B5EF4-FFF2-40B4-BE49-F238E27FC236}">
+                <a16:creationId xmlns:a16="http://schemas.microsoft.com/office/drawing/2014/main" id="{568FB9F9-BCA1-4EA9-8CFE-B910571B011C}"/>
+              </a:ext>
+            </a:extLst>
+          </p:cNvPr>
+          <p:cNvPicPr>
+            <a:picLocks noChangeAspect="1"/>
+          </p:cNvPicPr>
+          <p:nvPr/>
+        </p:nvPicPr>
+        <p:blipFill>
+          <a:blip r:embed="rId2">
+            <a:extLst>
+              <a:ext uri="{28A0092B-C50C-407E-A947-70E740481C1C}">
+                <a14:useLocalDpi xmlns:a14="http://schemas.microsoft.com/office/drawing/2010/main" val="0"/>
+              </a:ext>
+            </a:extLst>
+          </a:blip>
+          <a:stretch>
+            <a:fillRect/>
+          </a:stretch>
+        </p:blipFill>
+        <p:spPr>
+          <a:xfrm>
+            <a:off x="1" y="0"/>
+            <a:ext cx="12191998" cy="6858000"/>
+          </a:xfrm>
+          <a:prstGeom prst="rect">
+            <a:avLst/>
+          </a:prstGeom>
+        </p:spPr>
+      </p:pic>
     </p:spTree>
     <p:extLst>
       <p:ext uri="{BB962C8B-B14F-4D97-AF65-F5344CB8AC3E}">
@@ -5667,7 +6036,7 @@
           <p:nvPr/>
         </p:nvPicPr>
         <p:blipFill>
-          <a:blip r:embed="rId2">
+          <a:blip r:embed="rId3">
             <a:extLst>
               <a:ext uri="{28A0092B-C50C-407E-A947-70E740481C1C}">
                 <a14:useLocalDpi xmlns:a14="http://schemas.microsoft.com/office/drawing/2010/main" val="0"/>
@@ -5737,7 +6106,7 @@
         <p:spPr>
           <a:xfrm>
             <a:off x="1207362" y="1524907"/>
-            <a:ext cx="10146438" cy="369332"/>
+            <a:ext cx="10146438" cy="646331"/>
           </a:xfrm>
           <a:prstGeom prst="rect">
             <a:avLst/>
@@ -5778,7 +6147,19 @@
               <a:rPr lang="en-US" dirty="0">
                 <a:latin typeface="BankGothic" panose="02000500000000000000" pitchFamily="2" charset="0"/>
               </a:rPr>
-              <a:t> max v </a:t>
+              <a:t> max v, </a:t>
+            </a:r>
+            <a:r>
+              <a:rPr lang="en-US" dirty="0" err="1">
+                <a:latin typeface="BankGothic" panose="02000500000000000000" pitchFamily="2" charset="0"/>
+              </a:rPr>
+              <a:t>Cv</a:t>
+            </a:r>
+            <a:r>
+              <a:rPr lang="en-US" dirty="0">
+                <a:latin typeface="BankGothic" panose="02000500000000000000" pitchFamily="2" charset="0"/>
+              </a:rPr>
+              <a:t> = 12 Reg (60lb!!!!)…. Maybe Unregulated offers better performance??? </a:t>
             </a:r>
           </a:p>
         </p:txBody>
@@ -6425,10 +6806,10 @@
       </p:sp>
       <p:sp>
         <p:nvSpPr>
-          <p:cNvPr id="33" name="TextBox 32">
+          <p:cNvPr id="18" name="TextBox 17">
             <a:extLst>
               <a:ext uri="{FF2B5EF4-FFF2-40B4-BE49-F238E27FC236}">
-                <a16:creationId xmlns:a16="http://schemas.microsoft.com/office/drawing/2014/main" id="{7B29DFE9-6545-4795-959A-4707B0E25791}"/>
+                <a16:creationId xmlns:a16="http://schemas.microsoft.com/office/drawing/2014/main" id="{107E944D-2917-47FB-854A-6455663E47C4}"/>
               </a:ext>
             </a:extLst>
           </p:cNvPr>
@@ -6437,45 +6818,8 @@
         </p:nvSpPr>
         <p:spPr>
           <a:xfrm>
-            <a:off x="325593" y="6396170"/>
-            <a:ext cx="11641506" cy="461665"/>
-          </a:xfrm>
-          <a:prstGeom prst="rect">
-            <a:avLst/>
-          </a:prstGeom>
-          <a:noFill/>
-        </p:spPr>
-        <p:txBody>
-          <a:bodyPr wrap="square" rtlCol="0">
-            <a:spAutoFit/>
-          </a:bodyPr>
-          <a:lstStyle/>
-          <a:p>
-            <a:r>
-              <a:rPr lang="en-US" sz="1200" dirty="0">
-                <a:latin typeface="BankGothic" panose="02000500000000000000" pitchFamily="2" charset="0"/>
-              </a:rPr>
-              <a:t>The inert mass (everything except for the tanks and propellent) is probably significantly more than the 322lb assumption give a 430lb loaded tank system…</a:t>
-            </a:r>
-          </a:p>
-        </p:txBody>
-      </p:sp>
-      <p:sp>
-        <p:nvSpPr>
-          <p:cNvPr id="17" name="TextBox 16">
-            <a:extLst>
-              <a:ext uri="{FF2B5EF4-FFF2-40B4-BE49-F238E27FC236}">
-                <a16:creationId xmlns:a16="http://schemas.microsoft.com/office/drawing/2014/main" id="{4F6053FF-D3C5-4356-89E5-B73FAD6366D7}"/>
-              </a:ext>
-            </a:extLst>
-          </p:cNvPr>
-          <p:cNvSpPr txBox="1"/>
-          <p:nvPr/>
-        </p:nvSpPr>
-        <p:spPr>
-          <a:xfrm>
-            <a:off x="9654092" y="5877725"/>
-            <a:ext cx="1931939" cy="369332"/>
+            <a:off x="9688204" y="4907388"/>
+            <a:ext cx="2105063" cy="369332"/>
           </a:xfrm>
           <a:prstGeom prst="rect">
             <a:avLst/>
@@ -6514,7 +6858,59 @@
                 <a:latin typeface="Times New Roman" panose="02020603050405020304" pitchFamily="18" charset="0"/>
                 <a:cs typeface="Times New Roman" panose="02020603050405020304" pitchFamily="18" charset="0"/>
               </a:rPr>
-              <a:t>= 466psi</a:t>
+              <a:t>= 1846 psi</a:t>
+            </a:r>
+          </a:p>
+        </p:txBody>
+      </p:sp>
+      <p:sp>
+        <p:nvSpPr>
+          <p:cNvPr id="19" name="TextBox 18">
+            <a:extLst>
+              <a:ext uri="{FF2B5EF4-FFF2-40B4-BE49-F238E27FC236}">
+                <a16:creationId xmlns:a16="http://schemas.microsoft.com/office/drawing/2014/main" id="{73384A6E-6B91-4BD1-A052-3DA4A0FC570D}"/>
+              </a:ext>
+            </a:extLst>
+          </p:cNvPr>
+          <p:cNvSpPr txBox="1"/>
+          <p:nvPr/>
+        </p:nvSpPr>
+        <p:spPr>
+          <a:xfrm>
+            <a:off x="10193149" y="5318052"/>
+            <a:ext cx="1210588" cy="369332"/>
+          </a:xfrm>
+          <a:prstGeom prst="rect">
+            <a:avLst/>
+          </a:prstGeom>
+          <a:noFill/>
+        </p:spPr>
+        <p:txBody>
+          <a:bodyPr wrap="none" rtlCol="0">
+            <a:spAutoFit/>
+          </a:bodyPr>
+          <a:lstStyle/>
+          <a:p>
+            <a:r>
+              <a:rPr lang="en-US" dirty="0">
+                <a:latin typeface="Times New Roman" panose="02020603050405020304" pitchFamily="18" charset="0"/>
+                <a:cs typeface="Times New Roman" panose="02020603050405020304" pitchFamily="18" charset="0"/>
+              </a:rPr>
+              <a:t>d</a:t>
+            </a:r>
+            <a:r>
+              <a:rPr lang="en-US" baseline="-25000" dirty="0">
+                <a:latin typeface="Times New Roman" panose="02020603050405020304" pitchFamily="18" charset="0"/>
+                <a:cs typeface="Times New Roman" panose="02020603050405020304" pitchFamily="18" charset="0"/>
+              </a:rPr>
+              <a:t>t </a:t>
+            </a:r>
+            <a:r>
+              <a:rPr lang="en-US" dirty="0">
+                <a:latin typeface="Times New Roman" panose="02020603050405020304" pitchFamily="18" charset="0"/>
+                <a:cs typeface="Times New Roman" panose="02020603050405020304" pitchFamily="18" charset="0"/>
+              </a:rPr>
+              <a:t>= 0.46 in</a:t>
             </a:r>
           </a:p>
         </p:txBody>
@@ -8390,7 +8786,7 @@
               <a:rPr lang="en-US" dirty="0">
                 <a:latin typeface="BankGothic" panose="02000500000000000000" pitchFamily="2" charset="0"/>
               </a:rPr>
-              <a:t>Air is widely available for a test campaign, performance runs where T&lt;0°C, use nitrogen</a:t>
+              <a:t>Air is widely available for a test campaign, performance runs where T&lt;0°C - use nitrogen</a:t>
             </a:r>
           </a:p>
         </p:txBody>
